--- a/HW7/HW7_Presentation.pptx
+++ b/HW7/HW7_Presentation.pptx
@@ -2,18 +2,23 @@
 <file path=ppt/presentation.xml><?xml version="1.0" encoding="utf-8"?>
 <p:presentation xmlns:a="http://schemas.openxmlformats.org/drawingml/2006/main" xmlns:r="http://schemas.openxmlformats.org/officeDocument/2006/relationships" xmlns:p="http://schemas.openxmlformats.org/presentationml/2006/main" saveSubsetFonts="1">
   <p:sldMasterIdLst>
-    <p:sldMasterId id="2147483648" r:id="rId1"/>
+    <p:sldMasterId id="2147483672" r:id="rId1"/>
   </p:sldMasterIdLst>
   <p:sldIdLst>
     <p:sldId id="256" r:id="rId2"/>
+    <p:sldId id="257" r:id="rId3"/>
+    <p:sldId id="258" r:id="rId4"/>
+    <p:sldId id="259" r:id="rId5"/>
+    <p:sldId id="260" r:id="rId6"/>
+    <p:sldId id="261" r:id="rId7"/>
   </p:sldIdLst>
-  <p:sldSz cx="12192000" cy="6858000"/>
+  <p:sldSz cx="9144000" cy="6858000" type="screen4x3"/>
   <p:notesSz cx="6858000" cy="9144000"/>
   <p:defaultTextStyle>
     <a:defPPr>
       <a:defRPr lang="en-US"/>
     </a:defPPr>
-    <a:lvl1pPr marL="0" algn="l" defTabSz="914400" rtl="0" eaLnBrk="1" latinLnBrk="0" hangingPunct="1">
+    <a:lvl1pPr marL="0" algn="l" defTabSz="457200" rtl="0" eaLnBrk="1" latinLnBrk="0" hangingPunct="1">
       <a:defRPr sz="1800" kern="1200">
         <a:solidFill>
           <a:schemeClr val="tx1"/>
@@ -23,7 +28,7 @@
         <a:cs typeface="+mn-cs"/>
       </a:defRPr>
     </a:lvl1pPr>
-    <a:lvl2pPr marL="457200" algn="l" defTabSz="914400" rtl="0" eaLnBrk="1" latinLnBrk="0" hangingPunct="1">
+    <a:lvl2pPr marL="457200" algn="l" defTabSz="457200" rtl="0" eaLnBrk="1" latinLnBrk="0" hangingPunct="1">
       <a:defRPr sz="1800" kern="1200">
         <a:solidFill>
           <a:schemeClr val="tx1"/>
@@ -33,7 +38,7 @@
         <a:cs typeface="+mn-cs"/>
       </a:defRPr>
     </a:lvl2pPr>
-    <a:lvl3pPr marL="914400" algn="l" defTabSz="914400" rtl="0" eaLnBrk="1" latinLnBrk="0" hangingPunct="1">
+    <a:lvl3pPr marL="914400" algn="l" defTabSz="457200" rtl="0" eaLnBrk="1" latinLnBrk="0" hangingPunct="1">
       <a:defRPr sz="1800" kern="1200">
         <a:solidFill>
           <a:schemeClr val="tx1"/>
@@ -43,7 +48,7 @@
         <a:cs typeface="+mn-cs"/>
       </a:defRPr>
     </a:lvl3pPr>
-    <a:lvl4pPr marL="1371600" algn="l" defTabSz="914400" rtl="0" eaLnBrk="1" latinLnBrk="0" hangingPunct="1">
+    <a:lvl4pPr marL="1371600" algn="l" defTabSz="457200" rtl="0" eaLnBrk="1" latinLnBrk="0" hangingPunct="1">
       <a:defRPr sz="1800" kern="1200">
         <a:solidFill>
           <a:schemeClr val="tx1"/>
@@ -53,7 +58,7 @@
         <a:cs typeface="+mn-cs"/>
       </a:defRPr>
     </a:lvl4pPr>
-    <a:lvl5pPr marL="1828800" algn="l" defTabSz="914400" rtl="0" eaLnBrk="1" latinLnBrk="0" hangingPunct="1">
+    <a:lvl5pPr marL="1828800" algn="l" defTabSz="457200" rtl="0" eaLnBrk="1" latinLnBrk="0" hangingPunct="1">
       <a:defRPr sz="1800" kern="1200">
         <a:solidFill>
           <a:schemeClr val="tx1"/>
@@ -63,7 +68,7 @@
         <a:cs typeface="+mn-cs"/>
       </a:defRPr>
     </a:lvl5pPr>
-    <a:lvl6pPr marL="2286000" algn="l" defTabSz="914400" rtl="0" eaLnBrk="1" latinLnBrk="0" hangingPunct="1">
+    <a:lvl6pPr marL="2286000" algn="l" defTabSz="457200" rtl="0" eaLnBrk="1" latinLnBrk="0" hangingPunct="1">
       <a:defRPr sz="1800" kern="1200">
         <a:solidFill>
           <a:schemeClr val="tx1"/>
@@ -73,7 +78,7 @@
         <a:cs typeface="+mn-cs"/>
       </a:defRPr>
     </a:lvl6pPr>
-    <a:lvl7pPr marL="2743200" algn="l" defTabSz="914400" rtl="0" eaLnBrk="1" latinLnBrk="0" hangingPunct="1">
+    <a:lvl7pPr marL="2743200" algn="l" defTabSz="457200" rtl="0" eaLnBrk="1" latinLnBrk="0" hangingPunct="1">
       <a:defRPr sz="1800" kern="1200">
         <a:solidFill>
           <a:schemeClr val="tx1"/>
@@ -83,7 +88,7 @@
         <a:cs typeface="+mn-cs"/>
       </a:defRPr>
     </a:lvl7pPr>
-    <a:lvl8pPr marL="3200400" algn="l" defTabSz="914400" rtl="0" eaLnBrk="1" latinLnBrk="0" hangingPunct="1">
+    <a:lvl8pPr marL="3200400" algn="l" defTabSz="457200" rtl="0" eaLnBrk="1" latinLnBrk="0" hangingPunct="1">
       <a:defRPr sz="1800" kern="1200">
         <a:solidFill>
           <a:schemeClr val="tx1"/>
@@ -93,7 +98,7 @@
         <a:cs typeface="+mn-cs"/>
       </a:defRPr>
     </a:lvl8pPr>
-    <a:lvl9pPr marL="3657600" algn="l" defTabSz="914400" rtl="0" eaLnBrk="1" latinLnBrk="0" hangingPunct="1">
+    <a:lvl9pPr marL="3657600" algn="l" defTabSz="457200" rtl="0" eaLnBrk="1" latinLnBrk="0" hangingPunct="1">
       <a:defRPr sz="1800" kern="1200">
         <a:solidFill>
           <a:schemeClr val="tx1"/>
@@ -104,6 +109,11 @@
       </a:defRPr>
     </a:lvl9pPr>
   </p:defaultTextStyle>
+  <p:extLst>
+    <p:ext uri="{EFAFB233-063F-42B5-8137-9DF3F51BA10A}">
+      <p15:sldGuideLst xmlns:p15="http://schemas.microsoft.com/office/powerpoint/2012/main"/>
+    </p:ext>
+  </p:extLst>
 </p:presentation>
 </file>
 
@@ -112,7 +122,7 @@
 </file>
 
 <file path=ppt/slideLayouts/slideLayout1.xml><?xml version="1.0" encoding="utf-8"?>
-<p:sldLayout xmlns:a="http://schemas.openxmlformats.org/drawingml/2006/main" xmlns:r="http://schemas.openxmlformats.org/officeDocument/2006/relationships" xmlns:p="http://schemas.openxmlformats.org/presentationml/2006/main" type="title" preserve="1">
+<p:sldLayout xmlns:a="http://schemas.openxmlformats.org/drawingml/2006/main" xmlns:r="http://schemas.openxmlformats.org/officeDocument/2006/relationships" xmlns:p="http://schemas.openxmlformats.org/presentationml/2006/main" showMasterSp="0" type="title" preserve="1">
   <p:cSld name="Title Slide">
     <p:spTree>
       <p:nvGrpSpPr>
@@ -130,13 +140,264 @@
       </p:grpSpPr>
       <p:sp>
         <p:nvSpPr>
-          <p:cNvPr id="2" name="Title 1">
-            <a:extLst>
-              <a:ext uri="{FF2B5EF4-FFF2-40B4-BE49-F238E27FC236}">
-                <a16:creationId xmlns:a16="http://schemas.microsoft.com/office/drawing/2014/main" id="{9C233154-D72E-4DC1-BDFA-2626CB0033E5}"/>
-              </a:ext>
-            </a:extLst>
-          </p:cNvPr>
+          <p:cNvPr id="7" name="Rectangle 6"/>
+          <p:cNvSpPr/>
+          <p:nvPr/>
+        </p:nvSpPr>
+        <p:spPr>
+          <a:xfrm>
+            <a:off x="685800" y="1346947"/>
+            <a:ext cx="7772400" cy="80683"/>
+          </a:xfrm>
+          <a:prstGeom prst="rect">
+            <a:avLst/>
+          </a:prstGeom>
+          <a:blipFill dpi="0" rotWithShape="1">
+            <a:blip r:embed="rId2">
+              <a:alphaModFix amt="80000"/>
+              <a:lum bright="70000" contrast="-70000"/>
+              <a:extLst>
+                <a:ext uri="{BEBA8EAE-BF5A-486C-A8C5-ECC9F3942E4B}">
+                  <a14:imgProps xmlns:a14="http://schemas.microsoft.com/office/drawing/2010/main">
+                    <a14:imgLayer r:embed="rId3">
+                      <a14:imgEffect>
+                        <a14:sharpenSoften amount="61000"/>
+                      </a14:imgEffect>
+                    </a14:imgLayer>
+                  </a14:imgProps>
+                </a:ext>
+                <a:ext uri="{28A0092B-C50C-407E-A947-70E740481C1C}">
+                  <a14:useLocalDpi xmlns:a14="http://schemas.microsoft.com/office/drawing/2010/main" val="0"/>
+                </a:ext>
+              </a:extLst>
+            </a:blip>
+            <a:srcRect/>
+            <a:tile tx="0" ty="-762000" sx="92000" sy="89000" flip="xy" algn="ctr"/>
+          </a:blipFill>
+          <a:ln>
+            <a:noFill/>
+          </a:ln>
+        </p:spPr>
+        <p:style>
+          <a:lnRef idx="2">
+            <a:schemeClr val="accent1">
+              <a:shade val="50000"/>
+            </a:schemeClr>
+          </a:lnRef>
+          <a:fillRef idx="1">
+            <a:schemeClr val="accent1"/>
+          </a:fillRef>
+          <a:effectRef idx="0">
+            <a:schemeClr val="accent1"/>
+          </a:effectRef>
+          <a:fontRef idx="minor">
+            <a:schemeClr val="lt1"/>
+          </a:fontRef>
+        </p:style>
+      </p:sp>
+      <p:sp>
+        <p:nvSpPr>
+          <p:cNvPr id="8" name="Rectangle 7"/>
+          <p:cNvSpPr/>
+          <p:nvPr/>
+        </p:nvSpPr>
+        <p:spPr>
+          <a:xfrm>
+            <a:off x="685800" y="4282763"/>
+            <a:ext cx="7772400" cy="80683"/>
+          </a:xfrm>
+          <a:prstGeom prst="rect">
+            <a:avLst/>
+          </a:prstGeom>
+          <a:blipFill dpi="0" rotWithShape="1">
+            <a:blip r:embed="rId2">
+              <a:alphaModFix amt="80000"/>
+              <a:lum bright="70000" contrast="-70000"/>
+              <a:extLst>
+                <a:ext uri="{BEBA8EAE-BF5A-486C-A8C5-ECC9F3942E4B}">
+                  <a14:imgProps xmlns:a14="http://schemas.microsoft.com/office/drawing/2010/main">
+                    <a14:imgLayer r:embed="rId3">
+                      <a14:imgEffect>
+                        <a14:sharpenSoften amount="61000"/>
+                      </a14:imgEffect>
+                    </a14:imgLayer>
+                  </a14:imgProps>
+                </a:ext>
+                <a:ext uri="{28A0092B-C50C-407E-A947-70E740481C1C}">
+                  <a14:useLocalDpi xmlns:a14="http://schemas.microsoft.com/office/drawing/2010/main" val="0"/>
+                </a:ext>
+              </a:extLst>
+            </a:blip>
+            <a:srcRect/>
+            <a:tile tx="0" ty="-717550" sx="92000" sy="89000" flip="xy" algn="ctr"/>
+          </a:blipFill>
+          <a:ln>
+            <a:noFill/>
+          </a:ln>
+        </p:spPr>
+        <p:style>
+          <a:lnRef idx="2">
+            <a:schemeClr val="accent1">
+              <a:shade val="50000"/>
+            </a:schemeClr>
+          </a:lnRef>
+          <a:fillRef idx="1">
+            <a:schemeClr val="accent1"/>
+          </a:fillRef>
+          <a:effectRef idx="0">
+            <a:schemeClr val="accent1"/>
+          </a:effectRef>
+          <a:fontRef idx="minor">
+            <a:schemeClr val="lt1"/>
+          </a:fontRef>
+        </p:style>
+      </p:sp>
+      <p:sp>
+        <p:nvSpPr>
+          <p:cNvPr id="9" name="Rectangle 8"/>
+          <p:cNvSpPr/>
+          <p:nvPr/>
+        </p:nvSpPr>
+        <p:spPr>
+          <a:xfrm>
+            <a:off x="685800" y="1484779"/>
+            <a:ext cx="7772400" cy="2743200"/>
+          </a:xfrm>
+          <a:prstGeom prst="rect">
+            <a:avLst/>
+          </a:prstGeom>
+          <a:blipFill dpi="0" rotWithShape="1">
+            <a:blip r:embed="rId2">
+              <a:alphaModFix amt="80000"/>
+              <a:lum bright="70000" contrast="-70000"/>
+              <a:extLst>
+                <a:ext uri="{BEBA8EAE-BF5A-486C-A8C5-ECC9F3942E4B}">
+                  <a14:imgProps xmlns:a14="http://schemas.microsoft.com/office/drawing/2010/main">
+                    <a14:imgLayer r:embed="rId3">
+                      <a14:imgEffect>
+                        <a14:sharpenSoften amount="61000"/>
+                      </a14:imgEffect>
+                    </a14:imgLayer>
+                  </a14:imgProps>
+                </a:ext>
+                <a:ext uri="{28A0092B-C50C-407E-A947-70E740481C1C}">
+                  <a14:useLocalDpi xmlns:a14="http://schemas.microsoft.com/office/drawing/2010/main" val="0"/>
+                </a:ext>
+              </a:extLst>
+            </a:blip>
+            <a:srcRect/>
+            <a:tile tx="0" ty="-704850" sx="92000" sy="89000" flip="xy" algn="ctr"/>
+          </a:blipFill>
+          <a:ln>
+            <a:noFill/>
+          </a:ln>
+        </p:spPr>
+        <p:style>
+          <a:lnRef idx="2">
+            <a:schemeClr val="accent1">
+              <a:shade val="50000"/>
+            </a:schemeClr>
+          </a:lnRef>
+          <a:fillRef idx="1">
+            <a:schemeClr val="accent1"/>
+          </a:fillRef>
+          <a:effectRef idx="0">
+            <a:schemeClr val="accent1"/>
+          </a:effectRef>
+          <a:fontRef idx="minor">
+            <a:schemeClr val="lt1"/>
+          </a:fontRef>
+        </p:style>
+      </p:sp>
+      <p:grpSp>
+        <p:nvGrpSpPr>
+          <p:cNvPr id="10" name="Group 9"/>
+          <p:cNvGrpSpPr>
+            <a:grpSpLocks noChangeAspect="1"/>
+          </p:cNvGrpSpPr>
+          <p:nvPr/>
+        </p:nvGrpSpPr>
+        <p:grpSpPr>
+          <a:xfrm>
+            <a:off x="7234780" y="4107023"/>
+            <a:ext cx="914400" cy="914400"/>
+            <a:chOff x="9685338" y="4460675"/>
+            <a:chExt cx="1080904" cy="1080902"/>
+          </a:xfrm>
+        </p:grpSpPr>
+        <p:sp>
+          <p:nvSpPr>
+            <p:cNvPr id="11" name="Oval 10"/>
+            <p:cNvSpPr/>
+            <p:nvPr/>
+          </p:nvSpPr>
+          <p:spPr>
+            <a:xfrm>
+              <a:off x="9685338" y="4460675"/>
+              <a:ext cx="1080904" cy="1080902"/>
+            </a:xfrm>
+            <a:prstGeom prst="ellipse">
+              <a:avLst/>
+            </a:prstGeom>
+            <a:blipFill dpi="0" rotWithShape="1">
+              <a:blip r:embed="rId4">
+                <a:duotone>
+                  <a:schemeClr val="accent1">
+                    <a:shade val="45000"/>
+                    <a:satMod val="135000"/>
+                  </a:schemeClr>
+                  <a:prstClr val="white"/>
+                </a:duotone>
+                <a:extLst>
+                  <a:ext uri="{BEBA8EAE-BF5A-486C-A8C5-ECC9F3942E4B}">
+                    <a14:imgProps xmlns:a14="http://schemas.microsoft.com/office/drawing/2010/main">
+                      <a14:imgLayer r:embed="rId5">
+                        <a14:imgEffect>
+                          <a14:saturation sat="95000"/>
+                        </a14:imgEffect>
+                      </a14:imgLayer>
+                    </a14:imgProps>
+                  </a:ext>
+                </a:extLst>
+              </a:blip>
+              <a:srcRect/>
+              <a:tile tx="0" ty="0" sx="85000" sy="85000" flip="none" algn="tl"/>
+            </a:blipFill>
+            <a:ln w="25400" cap="flat" cmpd="sng" algn="ctr">
+              <a:noFill/>
+              <a:prstDash val="solid"/>
+            </a:ln>
+            <a:effectLst/>
+          </p:spPr>
+        </p:sp>
+        <p:sp>
+          <p:nvSpPr>
+            <p:cNvPr id="12" name="Oval 11"/>
+            <p:cNvSpPr/>
+            <p:nvPr/>
+          </p:nvSpPr>
+          <p:spPr>
+            <a:xfrm>
+              <a:off x="9793429" y="4568765"/>
+              <a:ext cx="864723" cy="864722"/>
+            </a:xfrm>
+            <a:prstGeom prst="ellipse">
+              <a:avLst/>
+            </a:prstGeom>
+            <a:noFill/>
+            <a:ln w="25400" cap="flat" cmpd="sng" algn="ctr">
+              <a:solidFill>
+                <a:sysClr val="window" lastClr="FFFFFF"/>
+              </a:solidFill>
+              <a:prstDash val="solid"/>
+            </a:ln>
+            <a:effectLst/>
+          </p:spPr>
+        </p:sp>
+      </p:grpSp>
+      <p:sp>
+        <p:nvSpPr>
+          <p:cNvPr id="2" name="Title 1"/>
           <p:cNvSpPr>
             <a:spLocks noGrp="1"/>
           </p:cNvSpPr>
@@ -146,15 +407,26 @@
         </p:nvSpPr>
         <p:spPr>
           <a:xfrm>
-            <a:off x="1524000" y="1122363"/>
-            <a:ext cx="9144000" cy="2387600"/>
+            <a:off x="788670" y="1432223"/>
+            <a:ext cx="7593330" cy="3035808"/>
           </a:xfrm>
         </p:spPr>
         <p:txBody>
-          <a:bodyPr anchor="b"/>
+          <a:bodyPr anchor="ctr">
+            <a:noAutofit/>
+          </a:bodyPr>
           <a:lstStyle>
-            <a:lvl1pPr algn="ctr">
-              <a:defRPr sz="6000"/>
+            <a:lvl1pPr algn="l">
+              <a:lnSpc>
+                <a:spcPct val="80000"/>
+              </a:lnSpc>
+              <a:defRPr sz="6400" b="0" cap="all" baseline="0">
+                <a:blipFill dpi="0" rotWithShape="1">
+                  <a:blip r:embed="rId4"/>
+                  <a:srcRect/>
+                  <a:tile tx="6350" ty="-127000" sx="65000" sy="64000" flip="none" algn="tl"/>
+                </a:blipFill>
+              </a:defRPr>
             </a:lvl1pPr>
           </a:lstStyle>
           <a:p>
@@ -162,18 +434,13 @@
               <a:rPr lang="en-US"/>
               <a:t>Click to edit Master title style</a:t>
             </a:r>
-          </a:p>
-        </p:txBody>
-      </p:sp>
-      <p:sp>
-        <p:nvSpPr>
-          <p:cNvPr id="3" name="Subtitle 2">
-            <a:extLst>
-              <a:ext uri="{FF2B5EF4-FFF2-40B4-BE49-F238E27FC236}">
-                <a16:creationId xmlns:a16="http://schemas.microsoft.com/office/drawing/2014/main" id="{ECBAC50B-90CC-4E6A-B7E9-EEF8D9E5B6E7}"/>
-              </a:ext>
-            </a:extLst>
-          </p:cNvPr>
+            <a:endParaRPr lang="en-US" dirty="0"/>
+          </a:p>
+        </p:txBody>
+      </p:sp>
+      <p:sp>
+        <p:nvSpPr>
+          <p:cNvPr id="3" name="Subtitle 2"/>
           <p:cNvSpPr>
             <a:spLocks noGrp="1"/>
           </p:cNvSpPr>
@@ -183,20 +450,26 @@
         </p:nvSpPr>
         <p:spPr>
           <a:xfrm>
-            <a:off x="1524000" y="3602038"/>
-            <a:ext cx="9144000" cy="1655762"/>
+            <a:off x="802386" y="4389120"/>
+            <a:ext cx="5918454" cy="1069848"/>
           </a:xfrm>
         </p:spPr>
         <p:txBody>
-          <a:bodyPr/>
+          <a:bodyPr>
+            <a:normAutofit/>
+          </a:bodyPr>
           <a:lstStyle>
-            <a:lvl1pPr marL="0" indent="0" algn="ctr">
-              <a:buNone/>
-              <a:defRPr sz="2400"/>
+            <a:lvl1pPr marL="0" indent="0" algn="l">
+              <a:buNone/>
+              <a:defRPr sz="1800" b="0">
+                <a:solidFill>
+                  <a:schemeClr val="tx1"/>
+                </a:solidFill>
+              </a:defRPr>
             </a:lvl1pPr>
             <a:lvl2pPr marL="457200" indent="0" algn="ctr">
               <a:buNone/>
-              <a:defRPr sz="2000"/>
+              <a:defRPr sz="1800"/>
             </a:lvl2pPr>
             <a:lvl3pPr marL="914400" indent="0" algn="ctr">
               <a:buNone/>
@@ -204,27 +477,27 @@
             </a:lvl3pPr>
             <a:lvl4pPr marL="1371600" indent="0" algn="ctr">
               <a:buNone/>
-              <a:defRPr sz="1600"/>
+              <a:defRPr sz="1800"/>
             </a:lvl4pPr>
             <a:lvl5pPr marL="1828800" indent="0" algn="ctr">
               <a:buNone/>
-              <a:defRPr sz="1600"/>
+              <a:defRPr sz="1800"/>
             </a:lvl5pPr>
             <a:lvl6pPr marL="2286000" indent="0" algn="ctr">
               <a:buNone/>
-              <a:defRPr sz="1600"/>
+              <a:defRPr sz="1800"/>
             </a:lvl6pPr>
             <a:lvl7pPr marL="2743200" indent="0" algn="ctr">
               <a:buNone/>
-              <a:defRPr sz="1600"/>
+              <a:defRPr sz="1800"/>
             </a:lvl7pPr>
             <a:lvl8pPr marL="3200400" indent="0" algn="ctr">
               <a:buNone/>
-              <a:defRPr sz="1600"/>
+              <a:defRPr sz="1800"/>
             </a:lvl8pPr>
             <a:lvl9pPr marL="3657600" indent="0" algn="ctr">
               <a:buNone/>
-              <a:defRPr sz="1600"/>
+              <a:defRPr sz="1800"/>
             </a:lvl9pPr>
           </a:lstStyle>
           <a:p>
@@ -232,18 +505,13 @@
               <a:rPr lang="en-US"/>
               <a:t>Click to edit Master subtitle style</a:t>
             </a:r>
-          </a:p>
-        </p:txBody>
-      </p:sp>
-      <p:sp>
-        <p:nvSpPr>
-          <p:cNvPr id="4" name="Date Placeholder 3">
-            <a:extLst>
-              <a:ext uri="{FF2B5EF4-FFF2-40B4-BE49-F238E27FC236}">
-                <a16:creationId xmlns:a16="http://schemas.microsoft.com/office/drawing/2014/main" id="{D8C73031-107A-4E6C-B27E-3F6699CAE24E}"/>
-              </a:ext>
-            </a:extLst>
-          </p:cNvPr>
+            <a:endParaRPr lang="en-US" dirty="0"/>
+          </a:p>
+        </p:txBody>
+      </p:sp>
+      <p:sp>
+        <p:nvSpPr>
+          <p:cNvPr id="4" name="Date Placeholder 3"/>
           <p:cNvSpPr>
             <a:spLocks noGrp="1"/>
           </p:cNvSpPr>
@@ -258,7 +526,7 @@
           <a:p>
             <a:fld id="{15598C58-9F4A-4075-B606-A0408E249DB2}" type="datetimeFigureOut">
               <a:rPr lang="en-US" smtClean="0"/>
-              <a:t>10/31/2017</a:t>
+              <a:t>11/1/2017</a:t>
             </a:fld>
             <a:endParaRPr lang="en-US"/>
           </a:p>
@@ -266,13 +534,7 @@
       </p:sp>
       <p:sp>
         <p:nvSpPr>
-          <p:cNvPr id="5" name="Footer Placeholder 4">
-            <a:extLst>
-              <a:ext uri="{FF2B5EF4-FFF2-40B4-BE49-F238E27FC236}">
-                <a16:creationId xmlns:a16="http://schemas.microsoft.com/office/drawing/2014/main" id="{97407DB1-096C-4029-A7DA-8FA8A76A1B07}"/>
-              </a:ext>
-            </a:extLst>
-          </p:cNvPr>
+          <p:cNvPr id="5" name="Footer Placeholder 4"/>
           <p:cNvSpPr>
             <a:spLocks noGrp="1"/>
           </p:cNvSpPr>
@@ -280,7 +542,12 @@
             <p:ph type="ftr" sz="quarter" idx="11"/>
           </p:nvPr>
         </p:nvSpPr>
-        <p:spPr/>
+        <p:spPr>
+          <a:xfrm>
+            <a:off x="812805" y="6272785"/>
+            <a:ext cx="4745736" cy="365125"/>
+          </a:xfrm>
+        </p:spPr>
         <p:txBody>
           <a:bodyPr/>
           <a:lstStyle/>
@@ -291,13 +558,7 @@
       </p:sp>
       <p:sp>
         <p:nvSpPr>
-          <p:cNvPr id="6" name="Slide Number Placeholder 5">
-            <a:extLst>
-              <a:ext uri="{FF2B5EF4-FFF2-40B4-BE49-F238E27FC236}">
-                <a16:creationId xmlns:a16="http://schemas.microsoft.com/office/drawing/2014/main" id="{0103FE88-2B83-4A99-9930-49D0D271D06D}"/>
-              </a:ext>
-            </a:extLst>
-          </p:cNvPr>
+          <p:cNvPr id="6" name="Slide Number Placeholder 5"/>
           <p:cNvSpPr>
             <a:spLocks noGrp="1"/>
           </p:cNvSpPr>
@@ -305,10 +566,19 @@
             <p:ph type="sldNum" sz="quarter" idx="12"/>
           </p:nvPr>
         </p:nvSpPr>
-        <p:spPr/>
+        <p:spPr>
+          <a:xfrm>
+            <a:off x="7244280" y="4227195"/>
+            <a:ext cx="895401" cy="640080"/>
+          </a:xfrm>
+        </p:spPr>
         <p:txBody>
           <a:bodyPr/>
-          <a:lstStyle/>
+          <a:lstStyle>
+            <a:lvl1pPr>
+              <a:defRPr sz="2800" b="1"/>
+            </a:lvl1pPr>
+          </a:lstStyle>
           <a:p>
             <a:fld id="{59B7950E-EDC4-441B-B3C0-FE0226B0AFCD}" type="slidenum">
               <a:rPr lang="en-US" smtClean="0"/>
@@ -321,7 +591,7 @@
     </p:spTree>
     <p:extLst>
       <p:ext uri="{BB962C8B-B14F-4D97-AF65-F5344CB8AC3E}">
-        <p14:creationId xmlns:p14="http://schemas.microsoft.com/office/powerpoint/2010/main" val="621943916"/>
+        <p14:creationId xmlns:p14="http://schemas.microsoft.com/office/powerpoint/2010/main" val="237967988"/>
       </p:ext>
     </p:extLst>
   </p:cSld>
@@ -350,13 +620,7 @@
       </p:grpSpPr>
       <p:sp>
         <p:nvSpPr>
-          <p:cNvPr id="2" name="Title 1">
-            <a:extLst>
-              <a:ext uri="{FF2B5EF4-FFF2-40B4-BE49-F238E27FC236}">
-                <a16:creationId xmlns:a16="http://schemas.microsoft.com/office/drawing/2014/main" id="{4772EFDB-2DDC-432E-81BE-AB07DEEDA32E}"/>
-              </a:ext>
-            </a:extLst>
-          </p:cNvPr>
+          <p:cNvPr id="2" name="Title 1"/>
           <p:cNvSpPr>
             <a:spLocks noGrp="1"/>
           </p:cNvSpPr>
@@ -373,18 +637,13 @@
               <a:rPr lang="en-US"/>
               <a:t>Click to edit Master title style</a:t>
             </a:r>
-          </a:p>
-        </p:txBody>
-      </p:sp>
-      <p:sp>
-        <p:nvSpPr>
-          <p:cNvPr id="3" name="Vertical Text Placeholder 2">
-            <a:extLst>
-              <a:ext uri="{FF2B5EF4-FFF2-40B4-BE49-F238E27FC236}">
-                <a16:creationId xmlns:a16="http://schemas.microsoft.com/office/drawing/2014/main" id="{BC36AD30-7056-40DD-95C6-8952B4458913}"/>
-              </a:ext>
-            </a:extLst>
-          </p:cNvPr>
+            <a:endParaRPr lang="en-US" dirty="0"/>
+          </a:p>
+        </p:txBody>
+      </p:sp>
+      <p:sp>
+        <p:nvSpPr>
+          <p:cNvPr id="3" name="Vertical Text Placeholder 2"/>
           <p:cNvSpPr>
             <a:spLocks noGrp="1"/>
           </p:cNvSpPr>
@@ -430,18 +689,13 @@
               <a:rPr lang="en-US"/>
               <a:t>Fifth level</a:t>
             </a:r>
-          </a:p>
-        </p:txBody>
-      </p:sp>
-      <p:sp>
-        <p:nvSpPr>
-          <p:cNvPr id="4" name="Date Placeholder 3">
-            <a:extLst>
-              <a:ext uri="{FF2B5EF4-FFF2-40B4-BE49-F238E27FC236}">
-                <a16:creationId xmlns:a16="http://schemas.microsoft.com/office/drawing/2014/main" id="{8BF3E8AD-528E-49AD-8AFA-933AA3C73874}"/>
-              </a:ext>
-            </a:extLst>
-          </p:cNvPr>
+            <a:endParaRPr lang="en-US" dirty="0"/>
+          </a:p>
+        </p:txBody>
+      </p:sp>
+      <p:sp>
+        <p:nvSpPr>
+          <p:cNvPr id="7" name="Date Placeholder 6"/>
           <p:cNvSpPr>
             <a:spLocks noGrp="1"/>
           </p:cNvSpPr>
@@ -456,7 +710,7 @@
           <a:p>
             <a:fld id="{15598C58-9F4A-4075-B606-A0408E249DB2}" type="datetimeFigureOut">
               <a:rPr lang="en-US" smtClean="0"/>
-              <a:t>10/31/2017</a:t>
+              <a:t>11/1/2017</a:t>
             </a:fld>
             <a:endParaRPr lang="en-US"/>
           </a:p>
@@ -464,13 +718,7 @@
       </p:sp>
       <p:sp>
         <p:nvSpPr>
-          <p:cNvPr id="5" name="Footer Placeholder 4">
-            <a:extLst>
-              <a:ext uri="{FF2B5EF4-FFF2-40B4-BE49-F238E27FC236}">
-                <a16:creationId xmlns:a16="http://schemas.microsoft.com/office/drawing/2014/main" id="{0560392D-4646-4594-80F3-EEA887136F19}"/>
-              </a:ext>
-            </a:extLst>
-          </p:cNvPr>
+          <p:cNvPr id="8" name="Footer Placeholder 7"/>
           <p:cNvSpPr>
             <a:spLocks noGrp="1"/>
           </p:cNvSpPr>
@@ -489,13 +737,7 @@
       </p:sp>
       <p:sp>
         <p:nvSpPr>
-          <p:cNvPr id="6" name="Slide Number Placeholder 5">
-            <a:extLst>
-              <a:ext uri="{FF2B5EF4-FFF2-40B4-BE49-F238E27FC236}">
-                <a16:creationId xmlns:a16="http://schemas.microsoft.com/office/drawing/2014/main" id="{15E39011-E70C-428C-9A2F-9402E098517B}"/>
-              </a:ext>
-            </a:extLst>
-          </p:cNvPr>
+          <p:cNvPr id="9" name="Slide Number Placeholder 8"/>
           <p:cNvSpPr>
             <a:spLocks noGrp="1"/>
           </p:cNvSpPr>
@@ -519,7 +761,7 @@
     </p:spTree>
     <p:extLst>
       <p:ext uri="{BB962C8B-B14F-4D97-AF65-F5344CB8AC3E}">
-        <p14:creationId xmlns:p14="http://schemas.microsoft.com/office/powerpoint/2010/main" val="2461750797"/>
+        <p14:creationId xmlns:p14="http://schemas.microsoft.com/office/powerpoint/2010/main" val="3416296311"/>
       </p:ext>
     </p:extLst>
   </p:cSld>
@@ -548,13 +790,7 @@
       </p:grpSpPr>
       <p:sp>
         <p:nvSpPr>
-          <p:cNvPr id="2" name="Vertical Title 1">
-            <a:extLst>
-              <a:ext uri="{FF2B5EF4-FFF2-40B4-BE49-F238E27FC236}">
-                <a16:creationId xmlns:a16="http://schemas.microsoft.com/office/drawing/2014/main" id="{CE140ED0-6B7E-4B78-9FA9-4FD02C44B957}"/>
-              </a:ext>
-            </a:extLst>
-          </p:cNvPr>
+          <p:cNvPr id="2" name="Vertical Title 1"/>
           <p:cNvSpPr>
             <a:spLocks noGrp="1"/>
           </p:cNvSpPr>
@@ -564,30 +800,29 @@
         </p:nvSpPr>
         <p:spPr>
           <a:xfrm>
-            <a:off x="8724900" y="365125"/>
-            <a:ext cx="2628900" cy="5811838"/>
+            <a:off x="6543675" y="533400"/>
+            <a:ext cx="1914525" cy="5638800"/>
           </a:xfrm>
         </p:spPr>
         <p:txBody>
           <a:bodyPr vert="eaVert"/>
-          <a:lstStyle/>
+          <a:lstStyle>
+            <a:lvl1pPr>
+              <a:defRPr b="0"/>
+            </a:lvl1pPr>
+          </a:lstStyle>
           <a:p>
             <a:r>
               <a:rPr lang="en-US"/>
               <a:t>Click to edit Master title style</a:t>
             </a:r>
-          </a:p>
-        </p:txBody>
-      </p:sp>
-      <p:sp>
-        <p:nvSpPr>
-          <p:cNvPr id="3" name="Vertical Text Placeholder 2">
-            <a:extLst>
-              <a:ext uri="{FF2B5EF4-FFF2-40B4-BE49-F238E27FC236}">
-                <a16:creationId xmlns:a16="http://schemas.microsoft.com/office/drawing/2014/main" id="{BFEB727F-66F0-43A2-80E9-6FC3349174F0}"/>
-              </a:ext>
-            </a:extLst>
-          </p:cNvPr>
+            <a:endParaRPr lang="en-US" dirty="0"/>
+          </a:p>
+        </p:txBody>
+      </p:sp>
+      <p:sp>
+        <p:nvSpPr>
+          <p:cNvPr id="3" name="Vertical Text Placeholder 2"/>
           <p:cNvSpPr>
             <a:spLocks noGrp="1"/>
           </p:cNvSpPr>
@@ -597,8 +832,8 @@
         </p:nvSpPr>
         <p:spPr>
           <a:xfrm>
-            <a:off x="838200" y="365125"/>
-            <a:ext cx="7734300" cy="5811838"/>
+            <a:off x="800100" y="533400"/>
+            <a:ext cx="5629275" cy="5638800"/>
           </a:xfrm>
         </p:spPr>
         <p:txBody>
@@ -638,18 +873,13 @@
               <a:rPr lang="en-US"/>
               <a:t>Fifth level</a:t>
             </a:r>
-          </a:p>
-        </p:txBody>
-      </p:sp>
-      <p:sp>
-        <p:nvSpPr>
-          <p:cNvPr id="4" name="Date Placeholder 3">
-            <a:extLst>
-              <a:ext uri="{FF2B5EF4-FFF2-40B4-BE49-F238E27FC236}">
-                <a16:creationId xmlns:a16="http://schemas.microsoft.com/office/drawing/2014/main" id="{9E46853B-8AE8-4070-98EF-56DF5BF729A7}"/>
-              </a:ext>
-            </a:extLst>
-          </p:cNvPr>
+            <a:endParaRPr lang="en-US" dirty="0"/>
+          </a:p>
+        </p:txBody>
+      </p:sp>
+      <p:sp>
+        <p:nvSpPr>
+          <p:cNvPr id="7" name="Date Placeholder 6"/>
           <p:cNvSpPr>
             <a:spLocks noGrp="1"/>
           </p:cNvSpPr>
@@ -664,7 +894,7 @@
           <a:p>
             <a:fld id="{15598C58-9F4A-4075-B606-A0408E249DB2}" type="datetimeFigureOut">
               <a:rPr lang="en-US" smtClean="0"/>
-              <a:t>10/31/2017</a:t>
+              <a:t>11/1/2017</a:t>
             </a:fld>
             <a:endParaRPr lang="en-US"/>
           </a:p>
@@ -672,13 +902,7 @@
       </p:sp>
       <p:sp>
         <p:nvSpPr>
-          <p:cNvPr id="5" name="Footer Placeholder 4">
-            <a:extLst>
-              <a:ext uri="{FF2B5EF4-FFF2-40B4-BE49-F238E27FC236}">
-                <a16:creationId xmlns:a16="http://schemas.microsoft.com/office/drawing/2014/main" id="{5E0A61D7-73B9-4964-8444-5B15E7785DF8}"/>
-              </a:ext>
-            </a:extLst>
-          </p:cNvPr>
+          <p:cNvPr id="8" name="Footer Placeholder 7"/>
           <p:cNvSpPr>
             <a:spLocks noGrp="1"/>
           </p:cNvSpPr>
@@ -697,13 +921,7 @@
       </p:sp>
       <p:sp>
         <p:nvSpPr>
-          <p:cNvPr id="6" name="Slide Number Placeholder 5">
-            <a:extLst>
-              <a:ext uri="{FF2B5EF4-FFF2-40B4-BE49-F238E27FC236}">
-                <a16:creationId xmlns:a16="http://schemas.microsoft.com/office/drawing/2014/main" id="{1B1BCAA3-0233-4B1B-BDE7-1607512A6143}"/>
-              </a:ext>
-            </a:extLst>
-          </p:cNvPr>
+          <p:cNvPr id="9" name="Slide Number Placeholder 8"/>
           <p:cNvSpPr>
             <a:spLocks noGrp="1"/>
           </p:cNvSpPr>
@@ -727,7 +945,7 @@
     </p:spTree>
     <p:extLst>
       <p:ext uri="{BB962C8B-B14F-4D97-AF65-F5344CB8AC3E}">
-        <p14:creationId xmlns:p14="http://schemas.microsoft.com/office/powerpoint/2010/main" val="3356449805"/>
+        <p14:creationId xmlns:p14="http://schemas.microsoft.com/office/powerpoint/2010/main" val="1415514113"/>
       </p:ext>
     </p:extLst>
   </p:cSld>
@@ -756,13 +974,7 @@
       </p:grpSpPr>
       <p:sp>
         <p:nvSpPr>
-          <p:cNvPr id="2" name="Title 1">
-            <a:extLst>
-              <a:ext uri="{FF2B5EF4-FFF2-40B4-BE49-F238E27FC236}">
-                <a16:creationId xmlns:a16="http://schemas.microsoft.com/office/drawing/2014/main" id="{DE2B074F-5295-4377-8DCB-962E90F7DBB9}"/>
-              </a:ext>
-            </a:extLst>
-          </p:cNvPr>
+          <p:cNvPr id="2" name="Title 1"/>
           <p:cNvSpPr>
             <a:spLocks noGrp="1"/>
           </p:cNvSpPr>
@@ -779,18 +991,13 @@
               <a:rPr lang="en-US"/>
               <a:t>Click to edit Master title style</a:t>
             </a:r>
-          </a:p>
-        </p:txBody>
-      </p:sp>
-      <p:sp>
-        <p:nvSpPr>
-          <p:cNvPr id="3" name="Content Placeholder 2">
-            <a:extLst>
-              <a:ext uri="{FF2B5EF4-FFF2-40B4-BE49-F238E27FC236}">
-                <a16:creationId xmlns:a16="http://schemas.microsoft.com/office/drawing/2014/main" id="{C0D325D9-55F4-48BF-B001-585AA0ED4628}"/>
-              </a:ext>
-            </a:extLst>
-          </p:cNvPr>
+            <a:endParaRPr lang="en-US" dirty="0"/>
+          </a:p>
+        </p:txBody>
+      </p:sp>
+      <p:sp>
+        <p:nvSpPr>
+          <p:cNvPr id="3" name="Content Placeholder 2"/>
           <p:cNvSpPr>
             <a:spLocks noGrp="1"/>
           </p:cNvSpPr>
@@ -836,18 +1043,13 @@
               <a:rPr lang="en-US"/>
               <a:t>Fifth level</a:t>
             </a:r>
-          </a:p>
-        </p:txBody>
-      </p:sp>
-      <p:sp>
-        <p:nvSpPr>
-          <p:cNvPr id="4" name="Date Placeholder 3">
-            <a:extLst>
-              <a:ext uri="{FF2B5EF4-FFF2-40B4-BE49-F238E27FC236}">
-                <a16:creationId xmlns:a16="http://schemas.microsoft.com/office/drawing/2014/main" id="{50C4357F-8999-4564-8CEB-AF5C7FBC45E0}"/>
-              </a:ext>
-            </a:extLst>
-          </p:cNvPr>
+            <a:endParaRPr lang="en-US" dirty="0"/>
+          </a:p>
+        </p:txBody>
+      </p:sp>
+      <p:sp>
+        <p:nvSpPr>
+          <p:cNvPr id="7" name="Date Placeholder 6"/>
           <p:cNvSpPr>
             <a:spLocks noGrp="1"/>
           </p:cNvSpPr>
@@ -862,7 +1064,7 @@
           <a:p>
             <a:fld id="{15598C58-9F4A-4075-B606-A0408E249DB2}" type="datetimeFigureOut">
               <a:rPr lang="en-US" smtClean="0"/>
-              <a:t>10/31/2017</a:t>
+              <a:t>11/1/2017</a:t>
             </a:fld>
             <a:endParaRPr lang="en-US"/>
           </a:p>
@@ -870,13 +1072,7 @@
       </p:sp>
       <p:sp>
         <p:nvSpPr>
-          <p:cNvPr id="5" name="Footer Placeholder 4">
-            <a:extLst>
-              <a:ext uri="{FF2B5EF4-FFF2-40B4-BE49-F238E27FC236}">
-                <a16:creationId xmlns:a16="http://schemas.microsoft.com/office/drawing/2014/main" id="{AAFA3DEB-B566-48B2-88F8-96AD91ED7204}"/>
-              </a:ext>
-            </a:extLst>
-          </p:cNvPr>
+          <p:cNvPr id="8" name="Footer Placeholder 7"/>
           <p:cNvSpPr>
             <a:spLocks noGrp="1"/>
           </p:cNvSpPr>
@@ -895,13 +1091,7 @@
       </p:sp>
       <p:sp>
         <p:nvSpPr>
-          <p:cNvPr id="6" name="Slide Number Placeholder 5">
-            <a:extLst>
-              <a:ext uri="{FF2B5EF4-FFF2-40B4-BE49-F238E27FC236}">
-                <a16:creationId xmlns:a16="http://schemas.microsoft.com/office/drawing/2014/main" id="{96081C04-27F1-4470-9D6B-F8E930E5B6FF}"/>
-              </a:ext>
-            </a:extLst>
-          </p:cNvPr>
+          <p:cNvPr id="9" name="Slide Number Placeholder 8"/>
           <p:cNvSpPr>
             <a:spLocks noGrp="1"/>
           </p:cNvSpPr>
@@ -925,7 +1115,7 @@
     </p:spTree>
     <p:extLst>
       <p:ext uri="{BB962C8B-B14F-4D97-AF65-F5344CB8AC3E}">
-        <p14:creationId xmlns:p14="http://schemas.microsoft.com/office/powerpoint/2010/main" val="2366934700"/>
+        <p14:creationId xmlns:p14="http://schemas.microsoft.com/office/powerpoint/2010/main" val="2796865887"/>
       </p:ext>
     </p:extLst>
   </p:cSld>
@@ -936,7 +1126,7 @@
 </file>
 
 <file path=ppt/slideLayouts/slideLayout3.xml><?xml version="1.0" encoding="utf-8"?>
-<p:sldLayout xmlns:a="http://schemas.openxmlformats.org/drawingml/2006/main" xmlns:r="http://schemas.openxmlformats.org/officeDocument/2006/relationships" xmlns:p="http://schemas.openxmlformats.org/presentationml/2006/main" type="secHead" preserve="1">
+<p:sldLayout xmlns:a="http://schemas.openxmlformats.org/drawingml/2006/main" xmlns:r="http://schemas.openxmlformats.org/officeDocument/2006/relationships" xmlns:p="http://schemas.openxmlformats.org/presentationml/2006/main" showMasterSp="0" type="secHead" preserve="1">
   <p:cSld name="Section Header">
     <p:spTree>
       <p:nvGrpSpPr>
@@ -954,13 +1144,64 @@
       </p:grpSpPr>
       <p:sp>
         <p:nvSpPr>
-          <p:cNvPr id="2" name="Title 1">
-            <a:extLst>
-              <a:ext uri="{FF2B5EF4-FFF2-40B4-BE49-F238E27FC236}">
-                <a16:creationId xmlns:a16="http://schemas.microsoft.com/office/drawing/2014/main" id="{C337F965-3096-4E9F-A8B6-6F28681F21BD}"/>
-              </a:ext>
-            </a:extLst>
-          </p:cNvPr>
+          <p:cNvPr id="7" name="Rectangle 6"/>
+          <p:cNvSpPr/>
+          <p:nvPr/>
+        </p:nvSpPr>
+        <p:spPr>
+          <a:xfrm>
+            <a:off x="0" y="4917989"/>
+            <a:ext cx="9144000" cy="1940010"/>
+          </a:xfrm>
+          <a:prstGeom prst="rect">
+            <a:avLst/>
+          </a:prstGeom>
+          <a:blipFill dpi="0" rotWithShape="1">
+            <a:blip r:embed="rId2">
+              <a:alphaModFix amt="80000"/>
+              <a:lum bright="70000" contrast="-70000"/>
+              <a:extLst>
+                <a:ext uri="{BEBA8EAE-BF5A-486C-A8C5-ECC9F3942E4B}">
+                  <a14:imgProps xmlns:a14="http://schemas.microsoft.com/office/drawing/2010/main">
+                    <a14:imgLayer r:embed="rId3">
+                      <a14:imgEffect>
+                        <a14:sharpenSoften amount="61000"/>
+                      </a14:imgEffect>
+                    </a14:imgLayer>
+                  </a14:imgProps>
+                </a:ext>
+                <a:ext uri="{28A0092B-C50C-407E-A947-70E740481C1C}">
+                  <a14:useLocalDpi xmlns:a14="http://schemas.microsoft.com/office/drawing/2010/main" val="0"/>
+                </a:ext>
+              </a:extLst>
+            </a:blip>
+            <a:srcRect/>
+            <a:tile tx="0" ty="-704850" sx="92000" sy="89000" flip="xy" algn="ctr"/>
+          </a:blipFill>
+          <a:ln>
+            <a:noFill/>
+          </a:ln>
+        </p:spPr>
+        <p:style>
+          <a:lnRef idx="2">
+            <a:schemeClr val="accent1">
+              <a:shade val="50000"/>
+            </a:schemeClr>
+          </a:lnRef>
+          <a:fillRef idx="1">
+            <a:schemeClr val="accent1"/>
+          </a:fillRef>
+          <a:effectRef idx="0">
+            <a:schemeClr val="accent1"/>
+          </a:effectRef>
+          <a:fontRef idx="minor">
+            <a:schemeClr val="lt1"/>
+          </a:fontRef>
+        </p:style>
+      </p:sp>
+      <p:sp>
+        <p:nvSpPr>
+          <p:cNvPr id="2" name="Title 1"/>
           <p:cNvSpPr>
             <a:spLocks noGrp="1"/>
           </p:cNvSpPr>
@@ -970,15 +1211,20 @@
         </p:nvSpPr>
         <p:spPr>
           <a:xfrm>
-            <a:off x="831850" y="1709738"/>
-            <a:ext cx="10515600" cy="2852737"/>
+            <a:off x="1625346" y="1225296"/>
+            <a:ext cx="6960870" cy="3520440"/>
           </a:xfrm>
         </p:spPr>
         <p:txBody>
-          <a:bodyPr anchor="b"/>
+          <a:bodyPr anchor="ctr">
+            <a:normAutofit/>
+          </a:bodyPr>
           <a:lstStyle>
             <a:lvl1pPr>
-              <a:defRPr sz="6000"/>
+              <a:lnSpc>
+                <a:spcPct val="80000"/>
+              </a:lnSpc>
+              <a:defRPr sz="6400" b="0"/>
             </a:lvl1pPr>
           </a:lstStyle>
           <a:p>
@@ -986,18 +1232,13 @@
               <a:rPr lang="en-US"/>
               <a:t>Click to edit Master title style</a:t>
             </a:r>
-          </a:p>
-        </p:txBody>
-      </p:sp>
-      <p:sp>
-        <p:nvSpPr>
-          <p:cNvPr id="3" name="Text Placeholder 2">
-            <a:extLst>
-              <a:ext uri="{FF2B5EF4-FFF2-40B4-BE49-F238E27FC236}">
-                <a16:creationId xmlns:a16="http://schemas.microsoft.com/office/drawing/2014/main" id="{FDBD7BF0-F0C9-4B85-88E7-EFB03F1D1C65}"/>
-              </a:ext>
-            </a:extLst>
-          </p:cNvPr>
+            <a:endParaRPr lang="en-US" dirty="0"/>
+          </a:p>
+        </p:txBody>
+      </p:sp>
+      <p:sp>
+        <p:nvSpPr>
+          <p:cNvPr id="3" name="Text Placeholder 2"/>
           <p:cNvSpPr>
             <a:spLocks noGrp="1"/>
           </p:cNvSpPr>
@@ -1007,26 +1248,28 @@
         </p:nvSpPr>
         <p:spPr>
           <a:xfrm>
-            <a:off x="831850" y="4589463"/>
-            <a:ext cx="10515600" cy="1500187"/>
+            <a:off x="1624330" y="5020056"/>
+            <a:ext cx="6789420" cy="1066800"/>
           </a:xfrm>
         </p:spPr>
         <p:txBody>
-          <a:bodyPr/>
+          <a:bodyPr anchor="t">
+            <a:normAutofit/>
+          </a:bodyPr>
           <a:lstStyle>
             <a:lvl1pPr marL="0" indent="0">
               <a:buNone/>
-              <a:defRPr sz="2400">
+              <a:defRPr sz="1800" b="0">
                 <a:solidFill>
-                  <a:schemeClr val="tx1">
-                    <a:tint val="75000"/>
+                  <a:schemeClr val="accent1">
+                    <a:lumMod val="50000"/>
                   </a:schemeClr>
                 </a:solidFill>
               </a:defRPr>
             </a:lvl1pPr>
             <a:lvl2pPr marL="457200" indent="0">
               <a:buNone/>
-              <a:defRPr sz="2000">
+              <a:defRPr sz="1800">
                 <a:solidFill>
                   <a:schemeClr val="tx1">
                     <a:tint val="75000"/>
@@ -1036,7 +1279,7 @@
             </a:lvl2pPr>
             <a:lvl3pPr marL="914400" indent="0">
               <a:buNone/>
-              <a:defRPr sz="1800">
+              <a:defRPr sz="1600">
                 <a:solidFill>
                   <a:schemeClr val="tx1">
                     <a:tint val="75000"/>
@@ -1046,7 +1289,7 @@
             </a:lvl3pPr>
             <a:lvl4pPr marL="1371600" indent="0">
               <a:buNone/>
-              <a:defRPr sz="1600">
+              <a:defRPr sz="1400">
                 <a:solidFill>
                   <a:schemeClr val="tx1">
                     <a:tint val="75000"/>
@@ -1056,7 +1299,7 @@
             </a:lvl4pPr>
             <a:lvl5pPr marL="1828800" indent="0">
               <a:buNone/>
-              <a:defRPr sz="1600">
+              <a:defRPr sz="1400">
                 <a:solidFill>
                   <a:schemeClr val="tx1">
                     <a:tint val="75000"/>
@@ -1066,7 +1309,7 @@
             </a:lvl5pPr>
             <a:lvl6pPr marL="2286000" indent="0">
               <a:buNone/>
-              <a:defRPr sz="1600">
+              <a:defRPr sz="1400">
                 <a:solidFill>
                   <a:schemeClr val="tx1">
                     <a:tint val="75000"/>
@@ -1076,7 +1319,7 @@
             </a:lvl6pPr>
             <a:lvl7pPr marL="2743200" indent="0">
               <a:buNone/>
-              <a:defRPr sz="1600">
+              <a:defRPr sz="1400">
                 <a:solidFill>
                   <a:schemeClr val="tx1">
                     <a:tint val="75000"/>
@@ -1086,7 +1329,7 @@
             </a:lvl7pPr>
             <a:lvl8pPr marL="3200400" indent="0">
               <a:buNone/>
-              <a:defRPr sz="1600">
+              <a:defRPr sz="1400">
                 <a:solidFill>
                   <a:schemeClr val="tx1">
                     <a:tint val="75000"/>
@@ -1096,7 +1339,7 @@
             </a:lvl8pPr>
             <a:lvl9pPr marL="3657600" indent="0">
               <a:buNone/>
-              <a:defRPr sz="1600">
+              <a:defRPr sz="1400">
                 <a:solidFill>
                   <a:schemeClr val="tx1">
                     <a:tint val="75000"/>
@@ -1116,13 +1359,7 @@
       </p:sp>
       <p:sp>
         <p:nvSpPr>
-          <p:cNvPr id="4" name="Date Placeholder 3">
-            <a:extLst>
-              <a:ext uri="{FF2B5EF4-FFF2-40B4-BE49-F238E27FC236}">
-                <a16:creationId xmlns:a16="http://schemas.microsoft.com/office/drawing/2014/main" id="{C13CA58E-1F2F-4B23-912A-605E8A366A3A}"/>
-              </a:ext>
-            </a:extLst>
-          </p:cNvPr>
+          <p:cNvPr id="4" name="Date Placeholder 3"/>
           <p:cNvSpPr>
             <a:spLocks noGrp="1"/>
           </p:cNvSpPr>
@@ -1130,14 +1367,29 @@
             <p:ph type="dt" sz="half" idx="10"/>
           </p:nvPr>
         </p:nvSpPr>
-        <p:spPr/>
+        <p:spPr>
+          <a:xfrm>
+            <a:off x="6445251" y="6272785"/>
+            <a:ext cx="1983232" cy="365125"/>
+          </a:xfrm>
+        </p:spPr>
         <p:txBody>
           <a:bodyPr/>
-          <a:lstStyle/>
+          <a:lstStyle>
+            <a:lvl1pPr>
+              <a:defRPr>
+                <a:solidFill>
+                  <a:schemeClr val="accent1">
+                    <a:lumMod val="50000"/>
+                  </a:schemeClr>
+                </a:solidFill>
+              </a:defRPr>
+            </a:lvl1pPr>
+          </a:lstStyle>
           <a:p>
             <a:fld id="{15598C58-9F4A-4075-B606-A0408E249DB2}" type="datetimeFigureOut">
               <a:rPr lang="en-US" smtClean="0"/>
-              <a:t>10/31/2017</a:t>
+              <a:t>11/1/2017</a:t>
             </a:fld>
             <a:endParaRPr lang="en-US"/>
           </a:p>
@@ -1145,13 +1397,7 @@
       </p:sp>
       <p:sp>
         <p:nvSpPr>
-          <p:cNvPr id="5" name="Footer Placeholder 4">
-            <a:extLst>
-              <a:ext uri="{FF2B5EF4-FFF2-40B4-BE49-F238E27FC236}">
-                <a16:creationId xmlns:a16="http://schemas.microsoft.com/office/drawing/2014/main" id="{27BAD389-81EB-42EE-8347-4951D8E11DFC}"/>
-              </a:ext>
-            </a:extLst>
-          </p:cNvPr>
+          <p:cNvPr id="5" name="Footer Placeholder 4"/>
           <p:cNvSpPr>
             <a:spLocks noGrp="1"/>
           </p:cNvSpPr>
@@ -1159,24 +1405,119 @@
             <p:ph type="ftr" sz="quarter" idx="11"/>
           </p:nvPr>
         </p:nvSpPr>
-        <p:spPr/>
+        <p:spPr>
+          <a:xfrm>
+            <a:off x="1636099" y="6272784"/>
+            <a:ext cx="4745736" cy="365125"/>
+          </a:xfrm>
+        </p:spPr>
         <p:txBody>
           <a:bodyPr/>
-          <a:lstStyle/>
+          <a:lstStyle>
+            <a:lvl1pPr>
+              <a:defRPr>
+                <a:solidFill>
+                  <a:schemeClr val="accent1">
+                    <a:lumMod val="50000"/>
+                  </a:schemeClr>
+                </a:solidFill>
+              </a:defRPr>
+            </a:lvl1pPr>
+          </a:lstStyle>
           <a:p>
             <a:endParaRPr lang="en-US"/>
           </a:p>
         </p:txBody>
       </p:sp>
-      <p:sp>
-        <p:nvSpPr>
-          <p:cNvPr id="6" name="Slide Number Placeholder 5">
-            <a:extLst>
-              <a:ext uri="{FF2B5EF4-FFF2-40B4-BE49-F238E27FC236}">
-                <a16:creationId xmlns:a16="http://schemas.microsoft.com/office/drawing/2014/main" id="{7C6373B7-7383-461E-8C91-CEE16321DD81}"/>
-              </a:ext>
-            </a:extLst>
-          </p:cNvPr>
+      <p:grpSp>
+        <p:nvGrpSpPr>
+          <p:cNvPr id="8" name="Group 7"/>
+          <p:cNvGrpSpPr>
+            <a:grpSpLocks noChangeAspect="1"/>
+          </p:cNvGrpSpPr>
+          <p:nvPr/>
+        </p:nvGrpSpPr>
+        <p:grpSpPr>
+          <a:xfrm>
+            <a:off x="633862" y="2430623"/>
+            <a:ext cx="914400" cy="914400"/>
+            <a:chOff x="9685338" y="4460675"/>
+            <a:chExt cx="1080904" cy="1080902"/>
+          </a:xfrm>
+        </p:grpSpPr>
+        <p:sp>
+          <p:nvSpPr>
+            <p:cNvPr id="9" name="Oval 8"/>
+            <p:cNvSpPr/>
+            <p:nvPr/>
+          </p:nvSpPr>
+          <p:spPr>
+            <a:xfrm>
+              <a:off x="9685338" y="4460675"/>
+              <a:ext cx="1080904" cy="1080902"/>
+            </a:xfrm>
+            <a:prstGeom prst="ellipse">
+              <a:avLst/>
+            </a:prstGeom>
+            <a:blipFill dpi="0" rotWithShape="1">
+              <a:blip r:embed="rId4">
+                <a:duotone>
+                  <a:schemeClr val="accent1">
+                    <a:shade val="45000"/>
+                    <a:satMod val="135000"/>
+                  </a:schemeClr>
+                  <a:prstClr val="white"/>
+                </a:duotone>
+                <a:extLst>
+                  <a:ext uri="{BEBA8EAE-BF5A-486C-A8C5-ECC9F3942E4B}">
+                    <a14:imgProps xmlns:a14="http://schemas.microsoft.com/office/drawing/2010/main">
+                      <a14:imgLayer r:embed="rId5">
+                        <a14:imgEffect>
+                          <a14:saturation sat="95000"/>
+                        </a14:imgEffect>
+                      </a14:imgLayer>
+                    </a14:imgProps>
+                  </a:ext>
+                </a:extLst>
+              </a:blip>
+              <a:srcRect/>
+              <a:tile tx="0" ty="0" sx="85000" sy="85000" flip="none" algn="tl"/>
+            </a:blipFill>
+            <a:ln w="25400" cap="flat" cmpd="sng" algn="ctr">
+              <a:noFill/>
+              <a:prstDash val="solid"/>
+            </a:ln>
+            <a:effectLst/>
+          </p:spPr>
+        </p:sp>
+        <p:sp>
+          <p:nvSpPr>
+            <p:cNvPr id="10" name="Oval 9"/>
+            <p:cNvSpPr/>
+            <p:nvPr/>
+          </p:nvSpPr>
+          <p:spPr>
+            <a:xfrm>
+              <a:off x="9793429" y="4568765"/>
+              <a:ext cx="864723" cy="864722"/>
+            </a:xfrm>
+            <a:prstGeom prst="ellipse">
+              <a:avLst/>
+            </a:prstGeom>
+            <a:noFill/>
+            <a:ln w="25400" cap="flat" cmpd="sng" algn="ctr">
+              <a:solidFill>
+                <a:sysClr val="window" lastClr="FFFFFF"/>
+              </a:solidFill>
+              <a:prstDash val="solid"/>
+            </a:ln>
+            <a:effectLst/>
+          </p:spPr>
+        </p:sp>
+      </p:grpSp>
+      <p:sp>
+        <p:nvSpPr>
+          <p:cNvPr id="6" name="Slide Number Placeholder 5"/>
           <p:cNvSpPr>
             <a:spLocks noGrp="1"/>
           </p:cNvSpPr>
@@ -1184,10 +1525,19 @@
             <p:ph type="sldNum" sz="quarter" idx="12"/>
           </p:nvPr>
         </p:nvSpPr>
-        <p:spPr/>
+        <p:spPr>
+          <a:xfrm>
+            <a:off x="645450" y="2508607"/>
+            <a:ext cx="891224" cy="720332"/>
+          </a:xfrm>
+        </p:spPr>
         <p:txBody>
           <a:bodyPr/>
-          <a:lstStyle/>
+          <a:lstStyle>
+            <a:lvl1pPr>
+              <a:defRPr sz="2800"/>
+            </a:lvl1pPr>
+          </a:lstStyle>
           <a:p>
             <a:fld id="{59B7950E-EDC4-441B-B3C0-FE0226B0AFCD}" type="slidenum">
               <a:rPr lang="en-US" smtClean="0"/>
@@ -1200,7 +1550,7 @@
     </p:spTree>
     <p:extLst>
       <p:ext uri="{BB962C8B-B14F-4D97-AF65-F5344CB8AC3E}">
-        <p14:creationId xmlns:p14="http://schemas.microsoft.com/office/powerpoint/2010/main" val="1094817141"/>
+        <p14:creationId xmlns:p14="http://schemas.microsoft.com/office/powerpoint/2010/main" val="2121647950"/>
       </p:ext>
     </p:extLst>
   </p:cSld>
@@ -1229,13 +1579,7 @@
       </p:grpSpPr>
       <p:sp>
         <p:nvSpPr>
-          <p:cNvPr id="2" name="Title 1">
-            <a:extLst>
-              <a:ext uri="{FF2B5EF4-FFF2-40B4-BE49-F238E27FC236}">
-                <a16:creationId xmlns:a16="http://schemas.microsoft.com/office/drawing/2014/main" id="{0F7AA9CD-F854-4DD1-91B0-5AD024A748DC}"/>
-              </a:ext>
-            </a:extLst>
-          </p:cNvPr>
+          <p:cNvPr id="2" name="Title 1"/>
           <p:cNvSpPr>
             <a:spLocks noGrp="1"/>
           </p:cNvSpPr>
@@ -1252,18 +1596,13 @@
               <a:rPr lang="en-US"/>
               <a:t>Click to edit Master title style</a:t>
             </a:r>
-          </a:p>
-        </p:txBody>
-      </p:sp>
-      <p:sp>
-        <p:nvSpPr>
-          <p:cNvPr id="3" name="Content Placeholder 2">
-            <a:extLst>
-              <a:ext uri="{FF2B5EF4-FFF2-40B4-BE49-F238E27FC236}">
-                <a16:creationId xmlns:a16="http://schemas.microsoft.com/office/drawing/2014/main" id="{6CD734CC-9353-4EA3-96D7-81A4923082E5}"/>
-              </a:ext>
-            </a:extLst>
-          </p:cNvPr>
+            <a:endParaRPr lang="en-US" dirty="0"/>
+          </a:p>
+        </p:txBody>
+      </p:sp>
+      <p:sp>
+        <p:nvSpPr>
+          <p:cNvPr id="3" name="Content Placeholder 2"/>
           <p:cNvSpPr>
             <a:spLocks noGrp="1"/>
           </p:cNvSpPr>
@@ -1273,13 +1612,41 @@
         </p:nvSpPr>
         <p:spPr>
           <a:xfrm>
-            <a:off x="838200" y="1825625"/>
-            <a:ext cx="5181600" cy="4351338"/>
+            <a:off x="685800" y="2194560"/>
+            <a:ext cx="3657600" cy="3977640"/>
           </a:xfrm>
         </p:spPr>
         <p:txBody>
           <a:bodyPr/>
-          <a:lstStyle/>
+          <a:lstStyle>
+            <a:lvl1pPr>
+              <a:defRPr sz="2000"/>
+            </a:lvl1pPr>
+            <a:lvl2pPr>
+              <a:defRPr sz="1800"/>
+            </a:lvl2pPr>
+            <a:lvl3pPr>
+              <a:defRPr sz="1600"/>
+            </a:lvl3pPr>
+            <a:lvl4pPr>
+              <a:defRPr sz="1600"/>
+            </a:lvl4pPr>
+            <a:lvl5pPr>
+              <a:defRPr sz="1600"/>
+            </a:lvl5pPr>
+            <a:lvl6pPr>
+              <a:defRPr sz="1600"/>
+            </a:lvl6pPr>
+            <a:lvl7pPr>
+              <a:defRPr sz="1600"/>
+            </a:lvl7pPr>
+            <a:lvl8pPr>
+              <a:defRPr sz="1600"/>
+            </a:lvl8pPr>
+            <a:lvl9pPr>
+              <a:defRPr sz="1600"/>
+            </a:lvl9pPr>
+          </a:lstStyle>
           <a:p>
             <a:pPr lvl="0"/>
             <a:r>
@@ -1314,18 +1681,13 @@
               <a:rPr lang="en-US"/>
               <a:t>Fifth level</a:t>
             </a:r>
-          </a:p>
-        </p:txBody>
-      </p:sp>
-      <p:sp>
-        <p:nvSpPr>
-          <p:cNvPr id="4" name="Content Placeholder 3">
-            <a:extLst>
-              <a:ext uri="{FF2B5EF4-FFF2-40B4-BE49-F238E27FC236}">
-                <a16:creationId xmlns:a16="http://schemas.microsoft.com/office/drawing/2014/main" id="{16C8E8AE-CA55-4B3A-A5FF-C54BBA63CB73}"/>
-              </a:ext>
-            </a:extLst>
-          </p:cNvPr>
+            <a:endParaRPr lang="en-US" dirty="0"/>
+          </a:p>
+        </p:txBody>
+      </p:sp>
+      <p:sp>
+        <p:nvSpPr>
+          <p:cNvPr id="4" name="Content Placeholder 3"/>
           <p:cNvSpPr>
             <a:spLocks noGrp="1"/>
           </p:cNvSpPr>
@@ -1335,13 +1697,41 @@
         </p:nvSpPr>
         <p:spPr>
           <a:xfrm>
-            <a:off x="6172200" y="1825625"/>
-            <a:ext cx="5181600" cy="4351338"/>
+            <a:off x="4792218" y="2194560"/>
+            <a:ext cx="3657600" cy="3977640"/>
           </a:xfrm>
         </p:spPr>
         <p:txBody>
           <a:bodyPr/>
-          <a:lstStyle/>
+          <a:lstStyle>
+            <a:lvl1pPr>
+              <a:defRPr sz="2000"/>
+            </a:lvl1pPr>
+            <a:lvl2pPr>
+              <a:defRPr sz="1800"/>
+            </a:lvl2pPr>
+            <a:lvl3pPr>
+              <a:defRPr sz="1600"/>
+            </a:lvl3pPr>
+            <a:lvl4pPr>
+              <a:defRPr sz="1600"/>
+            </a:lvl4pPr>
+            <a:lvl5pPr>
+              <a:defRPr sz="1600"/>
+            </a:lvl5pPr>
+            <a:lvl6pPr>
+              <a:defRPr sz="1600"/>
+            </a:lvl6pPr>
+            <a:lvl7pPr>
+              <a:defRPr sz="1600"/>
+            </a:lvl7pPr>
+            <a:lvl8pPr>
+              <a:defRPr sz="1600"/>
+            </a:lvl8pPr>
+            <a:lvl9pPr>
+              <a:defRPr sz="1600"/>
+            </a:lvl9pPr>
+          </a:lstStyle>
           <a:p>
             <a:pPr lvl="0"/>
             <a:r>
@@ -1376,18 +1766,13 @@
               <a:rPr lang="en-US"/>
               <a:t>Fifth level</a:t>
             </a:r>
-          </a:p>
-        </p:txBody>
-      </p:sp>
-      <p:sp>
-        <p:nvSpPr>
-          <p:cNvPr id="5" name="Date Placeholder 4">
-            <a:extLst>
-              <a:ext uri="{FF2B5EF4-FFF2-40B4-BE49-F238E27FC236}">
-                <a16:creationId xmlns:a16="http://schemas.microsoft.com/office/drawing/2014/main" id="{96613E47-6041-41DB-887E-196D40DE4538}"/>
-              </a:ext>
-            </a:extLst>
-          </p:cNvPr>
+            <a:endParaRPr lang="en-US" dirty="0"/>
+          </a:p>
+        </p:txBody>
+      </p:sp>
+      <p:sp>
+        <p:nvSpPr>
+          <p:cNvPr id="5" name="Date Placeholder 4"/>
           <p:cNvSpPr>
             <a:spLocks noGrp="1"/>
           </p:cNvSpPr>
@@ -1402,7 +1787,7 @@
           <a:p>
             <a:fld id="{15598C58-9F4A-4075-B606-A0408E249DB2}" type="datetimeFigureOut">
               <a:rPr lang="en-US" smtClean="0"/>
-              <a:t>10/31/2017</a:t>
+              <a:t>11/1/2017</a:t>
             </a:fld>
             <a:endParaRPr lang="en-US"/>
           </a:p>
@@ -1410,13 +1795,7 @@
       </p:sp>
       <p:sp>
         <p:nvSpPr>
-          <p:cNvPr id="6" name="Footer Placeholder 5">
-            <a:extLst>
-              <a:ext uri="{FF2B5EF4-FFF2-40B4-BE49-F238E27FC236}">
-                <a16:creationId xmlns:a16="http://schemas.microsoft.com/office/drawing/2014/main" id="{EBC485F0-451D-4899-89B3-B3DB257D8FA2}"/>
-              </a:ext>
-            </a:extLst>
-          </p:cNvPr>
+          <p:cNvPr id="6" name="Footer Placeholder 5"/>
           <p:cNvSpPr>
             <a:spLocks noGrp="1"/>
           </p:cNvSpPr>
@@ -1435,13 +1814,7 @@
       </p:sp>
       <p:sp>
         <p:nvSpPr>
-          <p:cNvPr id="7" name="Slide Number Placeholder 6">
-            <a:extLst>
-              <a:ext uri="{FF2B5EF4-FFF2-40B4-BE49-F238E27FC236}">
-                <a16:creationId xmlns:a16="http://schemas.microsoft.com/office/drawing/2014/main" id="{A78FD717-27E9-4E77-94F9-C17723CECA27}"/>
-              </a:ext>
-            </a:extLst>
-          </p:cNvPr>
+          <p:cNvPr id="7" name="Slide Number Placeholder 6"/>
           <p:cNvSpPr>
             <a:spLocks noGrp="1"/>
           </p:cNvSpPr>
@@ -1465,7 +1838,7 @@
     </p:spTree>
     <p:extLst>
       <p:ext uri="{BB962C8B-B14F-4D97-AF65-F5344CB8AC3E}">
-        <p14:creationId xmlns:p14="http://schemas.microsoft.com/office/powerpoint/2010/main" val="1223458511"/>
+        <p14:creationId xmlns:p14="http://schemas.microsoft.com/office/powerpoint/2010/main" val="69639610"/>
       </p:ext>
     </p:extLst>
   </p:cSld>
@@ -1494,13 +1867,7 @@
       </p:grpSpPr>
       <p:sp>
         <p:nvSpPr>
-          <p:cNvPr id="2" name="Title 1">
-            <a:extLst>
-              <a:ext uri="{FF2B5EF4-FFF2-40B4-BE49-F238E27FC236}">
-                <a16:creationId xmlns:a16="http://schemas.microsoft.com/office/drawing/2014/main" id="{BC501443-8974-443D-BCE0-92CC321E11B6}"/>
-              </a:ext>
-            </a:extLst>
-          </p:cNvPr>
+          <p:cNvPr id="10" name="Title 9"/>
           <p:cNvSpPr>
             <a:spLocks noGrp="1"/>
           </p:cNvSpPr>
@@ -1508,12 +1875,7 @@
             <p:ph type="title"/>
           </p:nvPr>
         </p:nvSpPr>
-        <p:spPr>
-          <a:xfrm>
-            <a:off x="839788" y="365125"/>
-            <a:ext cx="10515600" cy="1325563"/>
-          </a:xfrm>
-        </p:spPr>
+        <p:spPr/>
         <p:txBody>
           <a:bodyPr/>
           <a:lstStyle/>
@@ -1522,18 +1884,13 @@
               <a:rPr lang="en-US"/>
               <a:t>Click to edit Master title style</a:t>
             </a:r>
-          </a:p>
-        </p:txBody>
-      </p:sp>
-      <p:sp>
-        <p:nvSpPr>
-          <p:cNvPr id="3" name="Text Placeholder 2">
-            <a:extLst>
-              <a:ext uri="{FF2B5EF4-FFF2-40B4-BE49-F238E27FC236}">
-                <a16:creationId xmlns:a16="http://schemas.microsoft.com/office/drawing/2014/main" id="{756AB6F2-CA9C-46BC-89E7-44A4C5E4C107}"/>
-              </a:ext>
-            </a:extLst>
-          </p:cNvPr>
+            <a:endParaRPr lang="en-US" dirty="0"/>
+          </a:p>
+        </p:txBody>
+      </p:sp>
+      <p:sp>
+        <p:nvSpPr>
+          <p:cNvPr id="3" name="Text Placeholder 2"/>
           <p:cNvSpPr>
             <a:spLocks noGrp="1"/>
           </p:cNvSpPr>
@@ -1543,16 +1900,24 @@
         </p:nvSpPr>
         <p:spPr>
           <a:xfrm>
-            <a:off x="839788" y="1681163"/>
-            <a:ext cx="5157787" cy="823912"/>
+            <a:off x="685800" y="2048256"/>
+            <a:ext cx="3657600" cy="640080"/>
           </a:xfrm>
         </p:spPr>
         <p:txBody>
-          <a:bodyPr anchor="b"/>
+          <a:bodyPr anchor="ctr">
+            <a:normAutofit/>
+          </a:bodyPr>
           <a:lstStyle>
             <a:lvl1pPr marL="0" indent="0">
               <a:buNone/>
-              <a:defRPr sz="2400" b="1"/>
+              <a:defRPr sz="2000" b="1">
+                <a:solidFill>
+                  <a:schemeClr val="accent1">
+                    <a:lumMod val="75000"/>
+                  </a:schemeClr>
+                </a:solidFill>
+              </a:defRPr>
             </a:lvl1pPr>
             <a:lvl2pPr marL="457200" indent="0">
               <a:buNone/>
@@ -1598,13 +1963,7 @@
       </p:sp>
       <p:sp>
         <p:nvSpPr>
-          <p:cNvPr id="4" name="Content Placeholder 3">
-            <a:extLst>
-              <a:ext uri="{FF2B5EF4-FFF2-40B4-BE49-F238E27FC236}">
-                <a16:creationId xmlns:a16="http://schemas.microsoft.com/office/drawing/2014/main" id="{916710F5-AD4B-4C9E-BBF0-F43B591A87D6}"/>
-              </a:ext>
-            </a:extLst>
-          </p:cNvPr>
+          <p:cNvPr id="4" name="Content Placeholder 3"/>
           <p:cNvSpPr>
             <a:spLocks noGrp="1"/>
           </p:cNvSpPr>
@@ -1614,13 +1973,41 @@
         </p:nvSpPr>
         <p:spPr>
           <a:xfrm>
-            <a:off x="839788" y="2505075"/>
-            <a:ext cx="5157787" cy="3684588"/>
+            <a:off x="685800" y="2743200"/>
+            <a:ext cx="3657600" cy="3291840"/>
           </a:xfrm>
         </p:spPr>
         <p:txBody>
           <a:bodyPr/>
-          <a:lstStyle/>
+          <a:lstStyle>
+            <a:lvl1pPr>
+              <a:defRPr sz="2000"/>
+            </a:lvl1pPr>
+            <a:lvl2pPr>
+              <a:defRPr sz="1800"/>
+            </a:lvl2pPr>
+            <a:lvl3pPr>
+              <a:defRPr sz="1600"/>
+            </a:lvl3pPr>
+            <a:lvl4pPr>
+              <a:defRPr sz="1600"/>
+            </a:lvl4pPr>
+            <a:lvl5pPr>
+              <a:defRPr sz="1600"/>
+            </a:lvl5pPr>
+            <a:lvl6pPr>
+              <a:defRPr sz="1600"/>
+            </a:lvl6pPr>
+            <a:lvl7pPr>
+              <a:defRPr sz="1600"/>
+            </a:lvl7pPr>
+            <a:lvl8pPr>
+              <a:defRPr sz="1600"/>
+            </a:lvl8pPr>
+            <a:lvl9pPr>
+              <a:defRPr sz="1600"/>
+            </a:lvl9pPr>
+          </a:lstStyle>
           <a:p>
             <a:pPr lvl="0"/>
             <a:r>
@@ -1655,18 +2042,13 @@
               <a:rPr lang="en-US"/>
               <a:t>Fifth level</a:t>
             </a:r>
-          </a:p>
-        </p:txBody>
-      </p:sp>
-      <p:sp>
-        <p:nvSpPr>
-          <p:cNvPr id="5" name="Text Placeholder 4">
-            <a:extLst>
-              <a:ext uri="{FF2B5EF4-FFF2-40B4-BE49-F238E27FC236}">
-                <a16:creationId xmlns:a16="http://schemas.microsoft.com/office/drawing/2014/main" id="{69823CFA-F697-42C4-BD91-BFD4895E2F5E}"/>
-              </a:ext>
-            </a:extLst>
-          </p:cNvPr>
+            <a:endParaRPr lang="en-US" dirty="0"/>
+          </a:p>
+        </p:txBody>
+      </p:sp>
+      <p:sp>
+        <p:nvSpPr>
+          <p:cNvPr id="5" name="Text Placeholder 4"/>
           <p:cNvSpPr>
             <a:spLocks noGrp="1"/>
           </p:cNvSpPr>
@@ -1676,16 +2058,24 @@
         </p:nvSpPr>
         <p:spPr>
           <a:xfrm>
-            <a:off x="6172200" y="1681163"/>
-            <a:ext cx="5183188" cy="823912"/>
+            <a:off x="4820793" y="2048256"/>
+            <a:ext cx="3657600" cy="640080"/>
           </a:xfrm>
         </p:spPr>
         <p:txBody>
-          <a:bodyPr anchor="b"/>
+          <a:bodyPr anchor="ctr">
+            <a:normAutofit/>
+          </a:bodyPr>
           <a:lstStyle>
             <a:lvl1pPr marL="0" indent="0">
               <a:buNone/>
-              <a:defRPr sz="2400" b="1"/>
+              <a:defRPr sz="2000" b="1">
+                <a:solidFill>
+                  <a:schemeClr val="accent1">
+                    <a:lumMod val="75000"/>
+                  </a:schemeClr>
+                </a:solidFill>
+              </a:defRPr>
             </a:lvl1pPr>
             <a:lvl2pPr marL="457200" indent="0">
               <a:buNone/>
@@ -1731,13 +2121,7 @@
       </p:sp>
       <p:sp>
         <p:nvSpPr>
-          <p:cNvPr id="6" name="Content Placeholder 5">
-            <a:extLst>
-              <a:ext uri="{FF2B5EF4-FFF2-40B4-BE49-F238E27FC236}">
-                <a16:creationId xmlns:a16="http://schemas.microsoft.com/office/drawing/2014/main" id="{9FFBD4AD-35C4-4A6A-A9BF-5826D1305A11}"/>
-              </a:ext>
-            </a:extLst>
-          </p:cNvPr>
+          <p:cNvPr id="6" name="Content Placeholder 5"/>
           <p:cNvSpPr>
             <a:spLocks noGrp="1"/>
           </p:cNvSpPr>
@@ -1747,13 +2131,41 @@
         </p:nvSpPr>
         <p:spPr>
           <a:xfrm>
-            <a:off x="6172200" y="2505075"/>
-            <a:ext cx="5183188" cy="3684588"/>
+            <a:off x="4820793" y="2743200"/>
+            <a:ext cx="3657600" cy="3291840"/>
           </a:xfrm>
         </p:spPr>
         <p:txBody>
           <a:bodyPr/>
-          <a:lstStyle/>
+          <a:lstStyle>
+            <a:lvl1pPr>
+              <a:defRPr sz="2000"/>
+            </a:lvl1pPr>
+            <a:lvl2pPr>
+              <a:defRPr sz="1800"/>
+            </a:lvl2pPr>
+            <a:lvl3pPr>
+              <a:defRPr sz="1600"/>
+            </a:lvl3pPr>
+            <a:lvl4pPr>
+              <a:defRPr sz="1600"/>
+            </a:lvl4pPr>
+            <a:lvl5pPr>
+              <a:defRPr sz="1600"/>
+            </a:lvl5pPr>
+            <a:lvl6pPr>
+              <a:defRPr sz="1600"/>
+            </a:lvl6pPr>
+            <a:lvl7pPr>
+              <a:defRPr sz="1600"/>
+            </a:lvl7pPr>
+            <a:lvl8pPr>
+              <a:defRPr sz="1600"/>
+            </a:lvl8pPr>
+            <a:lvl9pPr>
+              <a:defRPr sz="1600"/>
+            </a:lvl9pPr>
+          </a:lstStyle>
           <a:p>
             <a:pPr lvl="0"/>
             <a:r>
@@ -1788,18 +2200,13 @@
               <a:rPr lang="en-US"/>
               <a:t>Fifth level</a:t>
             </a:r>
-          </a:p>
-        </p:txBody>
-      </p:sp>
-      <p:sp>
-        <p:nvSpPr>
-          <p:cNvPr id="7" name="Date Placeholder 6">
-            <a:extLst>
-              <a:ext uri="{FF2B5EF4-FFF2-40B4-BE49-F238E27FC236}">
-                <a16:creationId xmlns:a16="http://schemas.microsoft.com/office/drawing/2014/main" id="{BFEE34F7-6D4A-41DA-A339-A3D4E046246E}"/>
-              </a:ext>
-            </a:extLst>
-          </p:cNvPr>
+            <a:endParaRPr lang="en-US" dirty="0"/>
+          </a:p>
+        </p:txBody>
+      </p:sp>
+      <p:sp>
+        <p:nvSpPr>
+          <p:cNvPr id="7" name="Date Placeholder 6"/>
           <p:cNvSpPr>
             <a:spLocks noGrp="1"/>
           </p:cNvSpPr>
@@ -1814,7 +2221,7 @@
           <a:p>
             <a:fld id="{15598C58-9F4A-4075-B606-A0408E249DB2}" type="datetimeFigureOut">
               <a:rPr lang="en-US" smtClean="0"/>
-              <a:t>10/31/2017</a:t>
+              <a:t>11/1/2017</a:t>
             </a:fld>
             <a:endParaRPr lang="en-US"/>
           </a:p>
@@ -1822,13 +2229,7 @@
       </p:sp>
       <p:sp>
         <p:nvSpPr>
-          <p:cNvPr id="8" name="Footer Placeholder 7">
-            <a:extLst>
-              <a:ext uri="{FF2B5EF4-FFF2-40B4-BE49-F238E27FC236}">
-                <a16:creationId xmlns:a16="http://schemas.microsoft.com/office/drawing/2014/main" id="{C8DE33FE-700D-4C3D-9567-8CA0E999FD4A}"/>
-              </a:ext>
-            </a:extLst>
-          </p:cNvPr>
+          <p:cNvPr id="8" name="Footer Placeholder 7"/>
           <p:cNvSpPr>
             <a:spLocks noGrp="1"/>
           </p:cNvSpPr>
@@ -1847,13 +2248,7 @@
       </p:sp>
       <p:sp>
         <p:nvSpPr>
-          <p:cNvPr id="9" name="Slide Number Placeholder 8">
-            <a:extLst>
-              <a:ext uri="{FF2B5EF4-FFF2-40B4-BE49-F238E27FC236}">
-                <a16:creationId xmlns:a16="http://schemas.microsoft.com/office/drawing/2014/main" id="{426C02BE-8F12-48DD-814C-B94CFD732278}"/>
-              </a:ext>
-            </a:extLst>
-          </p:cNvPr>
+          <p:cNvPr id="9" name="Slide Number Placeholder 8"/>
           <p:cNvSpPr>
             <a:spLocks noGrp="1"/>
           </p:cNvSpPr>
@@ -1877,7 +2272,7 @@
     </p:spTree>
     <p:extLst>
       <p:ext uri="{BB962C8B-B14F-4D97-AF65-F5344CB8AC3E}">
-        <p14:creationId xmlns:p14="http://schemas.microsoft.com/office/powerpoint/2010/main" val="1279979941"/>
+        <p14:creationId xmlns:p14="http://schemas.microsoft.com/office/powerpoint/2010/main" val="33342105"/>
       </p:ext>
     </p:extLst>
   </p:cSld>
@@ -1906,13 +2301,7 @@
       </p:grpSpPr>
       <p:sp>
         <p:nvSpPr>
-          <p:cNvPr id="2" name="Title 1">
-            <a:extLst>
-              <a:ext uri="{FF2B5EF4-FFF2-40B4-BE49-F238E27FC236}">
-                <a16:creationId xmlns:a16="http://schemas.microsoft.com/office/drawing/2014/main" id="{0960AAC2-0D5E-4CF2-9B54-C38040D1D058}"/>
-              </a:ext>
-            </a:extLst>
-          </p:cNvPr>
+          <p:cNvPr id="6" name="Title 5"/>
           <p:cNvSpPr>
             <a:spLocks noGrp="1"/>
           </p:cNvSpPr>
@@ -1929,18 +2318,13 @@
               <a:rPr lang="en-US"/>
               <a:t>Click to edit Master title style</a:t>
             </a:r>
-          </a:p>
-        </p:txBody>
-      </p:sp>
-      <p:sp>
-        <p:nvSpPr>
-          <p:cNvPr id="3" name="Date Placeholder 2">
-            <a:extLst>
-              <a:ext uri="{FF2B5EF4-FFF2-40B4-BE49-F238E27FC236}">
-                <a16:creationId xmlns:a16="http://schemas.microsoft.com/office/drawing/2014/main" id="{7318686D-9D59-4F79-A2CA-F9B4F025432E}"/>
-              </a:ext>
-            </a:extLst>
-          </p:cNvPr>
+            <a:endParaRPr lang="en-US" dirty="0"/>
+          </a:p>
+        </p:txBody>
+      </p:sp>
+      <p:sp>
+        <p:nvSpPr>
+          <p:cNvPr id="3" name="Date Placeholder 2"/>
           <p:cNvSpPr>
             <a:spLocks noGrp="1"/>
           </p:cNvSpPr>
@@ -1951,11 +2335,21 @@
         <p:spPr/>
         <p:txBody>
           <a:bodyPr/>
-          <a:lstStyle/>
+          <a:lstStyle>
+            <a:lvl1pPr>
+              <a:defRPr>
+                <a:solidFill>
+                  <a:schemeClr val="accent1">
+                    <a:lumMod val="50000"/>
+                  </a:schemeClr>
+                </a:solidFill>
+              </a:defRPr>
+            </a:lvl1pPr>
+          </a:lstStyle>
           <a:p>
             <a:fld id="{15598C58-9F4A-4075-B606-A0408E249DB2}" type="datetimeFigureOut">
               <a:rPr lang="en-US" smtClean="0"/>
-              <a:t>10/31/2017</a:t>
+              <a:t>11/1/2017</a:t>
             </a:fld>
             <a:endParaRPr lang="en-US"/>
           </a:p>
@@ -1963,13 +2357,7 @@
       </p:sp>
       <p:sp>
         <p:nvSpPr>
-          <p:cNvPr id="4" name="Footer Placeholder 3">
-            <a:extLst>
-              <a:ext uri="{FF2B5EF4-FFF2-40B4-BE49-F238E27FC236}">
-                <a16:creationId xmlns:a16="http://schemas.microsoft.com/office/drawing/2014/main" id="{E76CBED5-9815-4761-A25D-C5A346DCCDD7}"/>
-              </a:ext>
-            </a:extLst>
-          </p:cNvPr>
+          <p:cNvPr id="4" name="Footer Placeholder 3"/>
           <p:cNvSpPr>
             <a:spLocks noGrp="1"/>
           </p:cNvSpPr>
@@ -1980,7 +2368,17 @@
         <p:spPr/>
         <p:txBody>
           <a:bodyPr/>
-          <a:lstStyle/>
+          <a:lstStyle>
+            <a:lvl1pPr>
+              <a:defRPr>
+                <a:solidFill>
+                  <a:schemeClr val="accent1">
+                    <a:lumMod val="50000"/>
+                  </a:schemeClr>
+                </a:solidFill>
+              </a:defRPr>
+            </a:lvl1pPr>
+          </a:lstStyle>
           <a:p>
             <a:endParaRPr lang="en-US"/>
           </a:p>
@@ -1988,13 +2386,7 @@
       </p:sp>
       <p:sp>
         <p:nvSpPr>
-          <p:cNvPr id="5" name="Slide Number Placeholder 4">
-            <a:extLst>
-              <a:ext uri="{FF2B5EF4-FFF2-40B4-BE49-F238E27FC236}">
-                <a16:creationId xmlns:a16="http://schemas.microsoft.com/office/drawing/2014/main" id="{D59A9F5B-E4DC-4C98-BC78-00F6736EE29F}"/>
-              </a:ext>
-            </a:extLst>
-          </p:cNvPr>
+          <p:cNvPr id="5" name="Slide Number Placeholder 4"/>
           <p:cNvSpPr>
             <a:spLocks noGrp="1"/>
           </p:cNvSpPr>
@@ -2018,7 +2410,7 @@
     </p:spTree>
     <p:extLst>
       <p:ext uri="{BB962C8B-B14F-4D97-AF65-F5344CB8AC3E}">
-        <p14:creationId xmlns:p14="http://schemas.microsoft.com/office/powerpoint/2010/main" val="501643587"/>
+        <p14:creationId xmlns:p14="http://schemas.microsoft.com/office/powerpoint/2010/main" val="3329811630"/>
       </p:ext>
     </p:extLst>
   </p:cSld>
@@ -2047,13 +2439,7 @@
       </p:grpSpPr>
       <p:sp>
         <p:nvSpPr>
-          <p:cNvPr id="2" name="Date Placeholder 1">
-            <a:extLst>
-              <a:ext uri="{FF2B5EF4-FFF2-40B4-BE49-F238E27FC236}">
-                <a16:creationId xmlns:a16="http://schemas.microsoft.com/office/drawing/2014/main" id="{F512B302-8958-4943-BB2A-19371C429834}"/>
-              </a:ext>
-            </a:extLst>
-          </p:cNvPr>
+          <p:cNvPr id="2" name="Date Placeholder 1"/>
           <p:cNvSpPr>
             <a:spLocks noGrp="1"/>
           </p:cNvSpPr>
@@ -2068,7 +2454,7 @@
           <a:p>
             <a:fld id="{15598C58-9F4A-4075-B606-A0408E249DB2}" type="datetimeFigureOut">
               <a:rPr lang="en-US" smtClean="0"/>
-              <a:t>10/31/2017</a:t>
+              <a:t>11/1/2017</a:t>
             </a:fld>
             <a:endParaRPr lang="en-US"/>
           </a:p>
@@ -2076,13 +2462,7 @@
       </p:sp>
       <p:sp>
         <p:nvSpPr>
-          <p:cNvPr id="3" name="Footer Placeholder 2">
-            <a:extLst>
-              <a:ext uri="{FF2B5EF4-FFF2-40B4-BE49-F238E27FC236}">
-                <a16:creationId xmlns:a16="http://schemas.microsoft.com/office/drawing/2014/main" id="{BAC90DEF-397C-4D6A-B468-84067B04EE94}"/>
-              </a:ext>
-            </a:extLst>
-          </p:cNvPr>
+          <p:cNvPr id="3" name="Footer Placeholder 2"/>
           <p:cNvSpPr>
             <a:spLocks noGrp="1"/>
           </p:cNvSpPr>
@@ -2101,13 +2481,7 @@
       </p:sp>
       <p:sp>
         <p:nvSpPr>
-          <p:cNvPr id="4" name="Slide Number Placeholder 3">
-            <a:extLst>
-              <a:ext uri="{FF2B5EF4-FFF2-40B4-BE49-F238E27FC236}">
-                <a16:creationId xmlns:a16="http://schemas.microsoft.com/office/drawing/2014/main" id="{CF85E7F9-5AEC-4CAC-B6C3-9F15DD5DDED2}"/>
-              </a:ext>
-            </a:extLst>
-          </p:cNvPr>
+          <p:cNvPr id="4" name="Slide Number Placeholder 3"/>
           <p:cNvSpPr>
             <a:spLocks noGrp="1"/>
           </p:cNvSpPr>
@@ -2131,7 +2505,7 @@
     </p:spTree>
     <p:extLst>
       <p:ext uri="{BB962C8B-B14F-4D97-AF65-F5344CB8AC3E}">
-        <p14:creationId xmlns:p14="http://schemas.microsoft.com/office/powerpoint/2010/main" val="2383686624"/>
+        <p14:creationId xmlns:p14="http://schemas.microsoft.com/office/powerpoint/2010/main" val="262167527"/>
       </p:ext>
     </p:extLst>
   </p:cSld>
@@ -2142,7 +2516,7 @@
 </file>
 
 <file path=ppt/slideLayouts/slideLayout8.xml><?xml version="1.0" encoding="utf-8"?>
-<p:sldLayout xmlns:a="http://schemas.openxmlformats.org/drawingml/2006/main" xmlns:r="http://schemas.openxmlformats.org/officeDocument/2006/relationships" xmlns:p="http://schemas.openxmlformats.org/presentationml/2006/main" type="objTx" preserve="1">
+<p:sldLayout xmlns:a="http://schemas.openxmlformats.org/drawingml/2006/main" xmlns:r="http://schemas.openxmlformats.org/officeDocument/2006/relationships" xmlns:p="http://schemas.openxmlformats.org/presentationml/2006/main" showMasterSp="0" type="objTx" preserve="1">
   <p:cSld name="Content with Caption">
     <p:spTree>
       <p:nvGrpSpPr>
@@ -2160,13 +2534,64 @@
       </p:grpSpPr>
       <p:sp>
         <p:nvSpPr>
-          <p:cNvPr id="2" name="Title 1">
-            <a:extLst>
-              <a:ext uri="{FF2B5EF4-FFF2-40B4-BE49-F238E27FC236}">
-                <a16:creationId xmlns:a16="http://schemas.microsoft.com/office/drawing/2014/main" id="{713C5738-9049-4609-80B0-47DB974A6133}"/>
-              </a:ext>
-            </a:extLst>
-          </p:cNvPr>
+          <p:cNvPr id="8" name="Rectangle 7"/>
+          <p:cNvSpPr/>
+          <p:nvPr/>
+        </p:nvSpPr>
+        <p:spPr>
+          <a:xfrm>
+            <a:off x="6227806" y="1"/>
+            <a:ext cx="2916194" cy="6857999"/>
+          </a:xfrm>
+          <a:prstGeom prst="rect">
+            <a:avLst/>
+          </a:prstGeom>
+          <a:blipFill dpi="0" rotWithShape="1">
+            <a:blip r:embed="rId2">
+              <a:alphaModFix amt="60000"/>
+              <a:lum bright="70000" contrast="-70000"/>
+              <a:extLst>
+                <a:ext uri="{BEBA8EAE-BF5A-486C-A8C5-ECC9F3942E4B}">
+                  <a14:imgProps xmlns:a14="http://schemas.microsoft.com/office/drawing/2010/main">
+                    <a14:imgLayer r:embed="rId3">
+                      <a14:imgEffect>
+                        <a14:sharpenSoften amount="61000"/>
+                      </a14:imgEffect>
+                    </a14:imgLayer>
+                  </a14:imgProps>
+                </a:ext>
+                <a:ext uri="{28A0092B-C50C-407E-A947-70E740481C1C}">
+                  <a14:useLocalDpi xmlns:a14="http://schemas.microsoft.com/office/drawing/2010/main" val="0"/>
+                </a:ext>
+              </a:extLst>
+            </a:blip>
+            <a:srcRect/>
+            <a:tile tx="0" ty="-704850" sx="92000" sy="89000" flip="xy" algn="ctr"/>
+          </a:blipFill>
+          <a:ln>
+            <a:noFill/>
+          </a:ln>
+        </p:spPr>
+        <p:style>
+          <a:lnRef idx="2">
+            <a:schemeClr val="accent1">
+              <a:shade val="50000"/>
+            </a:schemeClr>
+          </a:lnRef>
+          <a:fillRef idx="1">
+            <a:schemeClr val="accent1"/>
+          </a:fillRef>
+          <a:effectRef idx="0">
+            <a:schemeClr val="accent1"/>
+          </a:effectRef>
+          <a:fontRef idx="minor">
+            <a:schemeClr val="lt1"/>
+          </a:fontRef>
+        </p:style>
+      </p:sp>
+      <p:sp>
+        <p:nvSpPr>
+          <p:cNvPr id="2" name="Title 1"/>
           <p:cNvSpPr>
             <a:spLocks noGrp="1"/>
           </p:cNvSpPr>
@@ -2176,15 +2601,17 @@
         </p:nvSpPr>
         <p:spPr>
           <a:xfrm>
-            <a:off x="839788" y="457200"/>
-            <a:ext cx="3932237" cy="1600200"/>
+            <a:off x="6412230" y="685800"/>
+            <a:ext cx="2400300" cy="1737360"/>
           </a:xfrm>
         </p:spPr>
         <p:txBody>
-          <a:bodyPr anchor="b"/>
+          <a:bodyPr anchor="b">
+            <a:normAutofit/>
+          </a:bodyPr>
           <a:lstStyle>
             <a:lvl1pPr>
-              <a:defRPr sz="3200"/>
+              <a:defRPr sz="2800" b="0"/>
             </a:lvl1pPr>
           </a:lstStyle>
           <a:p>
@@ -2192,18 +2619,13 @@
               <a:rPr lang="en-US"/>
               <a:t>Click to edit Master title style</a:t>
             </a:r>
-          </a:p>
-        </p:txBody>
-      </p:sp>
-      <p:sp>
-        <p:nvSpPr>
-          <p:cNvPr id="3" name="Content Placeholder 2">
-            <a:extLst>
-              <a:ext uri="{FF2B5EF4-FFF2-40B4-BE49-F238E27FC236}">
-                <a16:creationId xmlns:a16="http://schemas.microsoft.com/office/drawing/2014/main" id="{DFDEE698-A774-46E9-BCF4-4F1882D2C178}"/>
-              </a:ext>
-            </a:extLst>
-          </p:cNvPr>
+            <a:endParaRPr lang="en-US" dirty="0"/>
+          </a:p>
+        </p:txBody>
+      </p:sp>
+      <p:sp>
+        <p:nvSpPr>
+          <p:cNvPr id="3" name="Content Placeholder 2"/>
           <p:cNvSpPr>
             <a:spLocks noGrp="1"/>
           </p:cNvSpPr>
@@ -2213,39 +2635,39 @@
         </p:nvSpPr>
         <p:spPr>
           <a:xfrm>
-            <a:off x="5183188" y="987425"/>
-            <a:ext cx="6172200" cy="4873625"/>
+            <a:off x="628650" y="685800"/>
+            <a:ext cx="5033772" cy="5020056"/>
           </a:xfrm>
         </p:spPr>
         <p:txBody>
           <a:bodyPr/>
           <a:lstStyle>
             <a:lvl1pPr>
-              <a:defRPr sz="3200"/>
+              <a:defRPr sz="2000"/>
             </a:lvl1pPr>
             <a:lvl2pPr>
-              <a:defRPr sz="2800"/>
+              <a:defRPr sz="1800"/>
             </a:lvl2pPr>
             <a:lvl3pPr>
-              <a:defRPr sz="2400"/>
+              <a:defRPr sz="1600"/>
             </a:lvl3pPr>
             <a:lvl4pPr>
-              <a:defRPr sz="2000"/>
+              <a:defRPr sz="1600"/>
             </a:lvl4pPr>
             <a:lvl5pPr>
-              <a:defRPr sz="2000"/>
+              <a:defRPr sz="1600"/>
             </a:lvl5pPr>
             <a:lvl6pPr>
-              <a:defRPr sz="2000"/>
+              <a:defRPr sz="1600"/>
             </a:lvl6pPr>
             <a:lvl7pPr>
-              <a:defRPr sz="2000"/>
+              <a:defRPr sz="1600"/>
             </a:lvl7pPr>
             <a:lvl8pPr>
-              <a:defRPr sz="2000"/>
+              <a:defRPr sz="1600"/>
             </a:lvl8pPr>
             <a:lvl9pPr>
-              <a:defRPr sz="2000"/>
+              <a:defRPr sz="1600"/>
             </a:lvl9pPr>
           </a:lstStyle>
           <a:p>
@@ -2282,18 +2704,13 @@
               <a:rPr lang="en-US"/>
               <a:t>Fifth level</a:t>
             </a:r>
-          </a:p>
-        </p:txBody>
-      </p:sp>
-      <p:sp>
-        <p:nvSpPr>
-          <p:cNvPr id="4" name="Text Placeholder 3">
-            <a:extLst>
-              <a:ext uri="{FF2B5EF4-FFF2-40B4-BE49-F238E27FC236}">
-                <a16:creationId xmlns:a16="http://schemas.microsoft.com/office/drawing/2014/main" id="{7F3C590D-5BA0-4A18-88AD-75E268FD813D}"/>
-              </a:ext>
-            </a:extLst>
-          </p:cNvPr>
+            <a:endParaRPr lang="en-US" dirty="0"/>
+          </a:p>
+        </p:txBody>
+      </p:sp>
+      <p:sp>
+        <p:nvSpPr>
+          <p:cNvPr id="4" name="Text Placeholder 3"/>
           <p:cNvSpPr>
             <a:spLocks noGrp="1"/>
           </p:cNvSpPr>
@@ -2303,48 +2720,62 @@
         </p:nvSpPr>
         <p:spPr>
           <a:xfrm>
-            <a:off x="839788" y="2057400"/>
-            <a:ext cx="3932237" cy="3811588"/>
+            <a:off x="6412230" y="2423160"/>
+            <a:ext cx="2400300" cy="3291840"/>
           </a:xfrm>
         </p:spPr>
         <p:txBody>
-          <a:bodyPr/>
+          <a:bodyPr>
+            <a:normAutofit/>
+          </a:bodyPr>
           <a:lstStyle>
             <a:lvl1pPr marL="0" indent="0">
-              <a:buNone/>
-              <a:defRPr sz="1600"/>
+              <a:lnSpc>
+                <a:spcPct val="100000"/>
+              </a:lnSpc>
+              <a:spcBef>
+                <a:spcPts val="1000"/>
+              </a:spcBef>
+              <a:buNone/>
+              <a:defRPr sz="1350">
+                <a:solidFill>
+                  <a:schemeClr val="accent1">
+                    <a:lumMod val="50000"/>
+                  </a:schemeClr>
+                </a:solidFill>
+              </a:defRPr>
             </a:lvl1pPr>
             <a:lvl2pPr marL="457200" indent="0">
               <a:buNone/>
-              <a:defRPr sz="1400"/>
+              <a:defRPr sz="1200"/>
             </a:lvl2pPr>
             <a:lvl3pPr marL="914400" indent="0">
               <a:buNone/>
-              <a:defRPr sz="1200"/>
+              <a:defRPr sz="1000"/>
             </a:lvl3pPr>
             <a:lvl4pPr marL="1371600" indent="0">
               <a:buNone/>
-              <a:defRPr sz="1000"/>
+              <a:defRPr sz="900"/>
             </a:lvl4pPr>
             <a:lvl5pPr marL="1828800" indent="0">
               <a:buNone/>
-              <a:defRPr sz="1000"/>
+              <a:defRPr sz="900"/>
             </a:lvl5pPr>
             <a:lvl6pPr marL="2286000" indent="0">
               <a:buNone/>
-              <a:defRPr sz="1000"/>
+              <a:defRPr sz="900"/>
             </a:lvl6pPr>
             <a:lvl7pPr marL="2743200" indent="0">
               <a:buNone/>
-              <a:defRPr sz="1000"/>
+              <a:defRPr sz="900"/>
             </a:lvl7pPr>
             <a:lvl8pPr marL="3200400" indent="0">
               <a:buNone/>
-              <a:defRPr sz="1000"/>
+              <a:defRPr sz="900"/>
             </a:lvl8pPr>
             <a:lvl9pPr marL="3657600" indent="0">
               <a:buNone/>
-              <a:defRPr sz="1000"/>
+              <a:defRPr sz="900"/>
             </a:lvl9pPr>
           </a:lstStyle>
           <a:p>
@@ -2356,15 +2787,100 @@
           </a:p>
         </p:txBody>
       </p:sp>
-      <p:sp>
-        <p:nvSpPr>
-          <p:cNvPr id="5" name="Date Placeholder 4">
-            <a:extLst>
-              <a:ext uri="{FF2B5EF4-FFF2-40B4-BE49-F238E27FC236}">
-                <a16:creationId xmlns:a16="http://schemas.microsoft.com/office/drawing/2014/main" id="{981B3C0E-28B2-413A-A26A-01F0BB7B85B2}"/>
-              </a:ext>
-            </a:extLst>
-          </p:cNvPr>
+      <p:grpSp>
+        <p:nvGrpSpPr>
+          <p:cNvPr id="12" name="Group 11"/>
+          <p:cNvGrpSpPr/>
+          <p:nvPr/>
+        </p:nvGrpSpPr>
+        <p:grpSpPr>
+          <a:xfrm>
+            <a:off x="8522664" y="6255258"/>
+            <a:ext cx="393192" cy="393192"/>
+            <a:chOff x="8532189" y="5068824"/>
+            <a:chExt cx="393192" cy="393192"/>
+          </a:xfrm>
+        </p:grpSpPr>
+        <p:sp>
+          <p:nvSpPr>
+            <p:cNvPr id="13" name="Oval 12"/>
+            <p:cNvSpPr>
+              <a:spLocks noChangeAspect="1"/>
+            </p:cNvSpPr>
+            <p:nvPr/>
+          </p:nvSpPr>
+          <p:spPr>
+            <a:xfrm>
+              <a:off x="8532189" y="5068824"/>
+              <a:ext cx="393192" cy="393192"/>
+            </a:xfrm>
+            <a:prstGeom prst="ellipse">
+              <a:avLst/>
+            </a:prstGeom>
+            <a:blipFill dpi="0" rotWithShape="1">
+              <a:blip r:embed="rId4">
+                <a:duotone>
+                  <a:schemeClr val="accent1">
+                    <a:shade val="45000"/>
+                    <a:satMod val="135000"/>
+                  </a:schemeClr>
+                  <a:prstClr val="white"/>
+                </a:duotone>
+                <a:extLst>
+                  <a:ext uri="{BEBA8EAE-BF5A-486C-A8C5-ECC9F3942E4B}">
+                    <a14:imgProps xmlns:a14="http://schemas.microsoft.com/office/drawing/2010/main">
+                      <a14:imgLayer r:embed="rId5">
+                        <a14:imgEffect>
+                          <a14:saturation sat="95000"/>
+                        </a14:imgEffect>
+                        <a14:imgEffect>
+                          <a14:brightnessContrast bright="-40000" contrast="20000"/>
+                        </a14:imgEffect>
+                      </a14:imgLayer>
+                    </a14:imgProps>
+                  </a:ext>
+                </a:extLst>
+              </a:blip>
+              <a:srcRect/>
+              <a:tile tx="50800" ty="0" sx="85000" sy="85000" flip="none" algn="tl"/>
+            </a:blipFill>
+            <a:ln w="25400" cap="flat" cmpd="sng" algn="ctr">
+              <a:noFill/>
+              <a:prstDash val="solid"/>
+            </a:ln>
+            <a:effectLst/>
+          </p:spPr>
+        </p:sp>
+        <p:sp>
+          <p:nvSpPr>
+            <p:cNvPr id="14" name="Oval 13"/>
+            <p:cNvSpPr>
+              <a:spLocks noChangeAspect="1"/>
+            </p:cNvSpPr>
+            <p:nvPr/>
+          </p:nvSpPr>
+          <p:spPr>
+            <a:xfrm>
+              <a:off x="8568766" y="5105400"/>
+              <a:ext cx="320039" cy="320040"/>
+            </a:xfrm>
+            <a:prstGeom prst="ellipse">
+              <a:avLst/>
+            </a:prstGeom>
+            <a:noFill/>
+            <a:ln w="12700" cap="flat" cmpd="sng" algn="ctr">
+              <a:solidFill>
+                <a:srgbClr val="FFFFFF"/>
+              </a:solidFill>
+              <a:prstDash val="solid"/>
+            </a:ln>
+            <a:effectLst/>
+          </p:spPr>
+        </p:sp>
+      </p:grpSp>
+      <p:sp>
+        <p:nvSpPr>
+          <p:cNvPr id="9" name="Date Placeholder 8"/>
           <p:cNvSpPr>
             <a:spLocks noGrp="1"/>
           </p:cNvSpPr>
@@ -2379,7 +2895,7 @@
           <a:p>
             <a:fld id="{15598C58-9F4A-4075-B606-A0408E249DB2}" type="datetimeFigureOut">
               <a:rPr lang="en-US" smtClean="0"/>
-              <a:t>10/31/2017</a:t>
+              <a:t>11/1/2017</a:t>
             </a:fld>
             <a:endParaRPr lang="en-US"/>
           </a:p>
@@ -2387,13 +2903,7 @@
       </p:sp>
       <p:sp>
         <p:nvSpPr>
-          <p:cNvPr id="6" name="Footer Placeholder 5">
-            <a:extLst>
-              <a:ext uri="{FF2B5EF4-FFF2-40B4-BE49-F238E27FC236}">
-                <a16:creationId xmlns:a16="http://schemas.microsoft.com/office/drawing/2014/main" id="{B39890E3-DCCC-45CF-9302-A93400C2918F}"/>
-              </a:ext>
-            </a:extLst>
-          </p:cNvPr>
+          <p:cNvPr id="10" name="Footer Placeholder 9"/>
           <p:cNvSpPr>
             <a:spLocks noGrp="1"/>
           </p:cNvSpPr>
@@ -2412,13 +2922,7 @@
       </p:sp>
       <p:sp>
         <p:nvSpPr>
-          <p:cNvPr id="7" name="Slide Number Placeholder 6">
-            <a:extLst>
-              <a:ext uri="{FF2B5EF4-FFF2-40B4-BE49-F238E27FC236}">
-                <a16:creationId xmlns:a16="http://schemas.microsoft.com/office/drawing/2014/main" id="{E1CC6CFC-6BC9-43F0-B9A7-DFC33D42569B}"/>
-              </a:ext>
-            </a:extLst>
-          </p:cNvPr>
+          <p:cNvPr id="11" name="Slide Number Placeholder 10"/>
           <p:cNvSpPr>
             <a:spLocks noGrp="1"/>
           </p:cNvSpPr>
@@ -2442,7 +2946,7 @@
     </p:spTree>
     <p:extLst>
       <p:ext uri="{BB962C8B-B14F-4D97-AF65-F5344CB8AC3E}">
-        <p14:creationId xmlns:p14="http://schemas.microsoft.com/office/powerpoint/2010/main" val="351795758"/>
+        <p14:creationId xmlns:p14="http://schemas.microsoft.com/office/powerpoint/2010/main" val="883761292"/>
       </p:ext>
     </p:extLst>
   </p:cSld>
@@ -2453,7 +2957,7 @@
 </file>
 
 <file path=ppt/slideLayouts/slideLayout9.xml><?xml version="1.0" encoding="utf-8"?>
-<p:sldLayout xmlns:a="http://schemas.openxmlformats.org/drawingml/2006/main" xmlns:r="http://schemas.openxmlformats.org/officeDocument/2006/relationships" xmlns:p="http://schemas.openxmlformats.org/presentationml/2006/main" type="picTx" preserve="1">
+<p:sldLayout xmlns:a="http://schemas.openxmlformats.org/drawingml/2006/main" xmlns:r="http://schemas.openxmlformats.org/officeDocument/2006/relationships" xmlns:p="http://schemas.openxmlformats.org/presentationml/2006/main" showMasterSp="0" type="picTx" preserve="1">
   <p:cSld name="Picture with Caption">
     <p:spTree>
       <p:nvGrpSpPr>
@@ -2471,13 +2975,64 @@
       </p:grpSpPr>
       <p:sp>
         <p:nvSpPr>
-          <p:cNvPr id="2" name="Title 1">
-            <a:extLst>
-              <a:ext uri="{FF2B5EF4-FFF2-40B4-BE49-F238E27FC236}">
-                <a16:creationId xmlns:a16="http://schemas.microsoft.com/office/drawing/2014/main" id="{B74F6FE9-947D-4F37-8EBA-7FE83C2C85F0}"/>
-              </a:ext>
-            </a:extLst>
-          </p:cNvPr>
+          <p:cNvPr id="11" name="Rectangle 10"/>
+          <p:cNvSpPr/>
+          <p:nvPr/>
+        </p:nvSpPr>
+        <p:spPr>
+          <a:xfrm>
+            <a:off x="6227806" y="1"/>
+            <a:ext cx="2916194" cy="6857999"/>
+          </a:xfrm>
+          <a:prstGeom prst="rect">
+            <a:avLst/>
+          </a:prstGeom>
+          <a:blipFill dpi="0" rotWithShape="1">
+            <a:blip r:embed="rId2">
+              <a:alphaModFix amt="60000"/>
+              <a:lum bright="70000" contrast="-70000"/>
+              <a:extLst>
+                <a:ext uri="{BEBA8EAE-BF5A-486C-A8C5-ECC9F3942E4B}">
+                  <a14:imgProps xmlns:a14="http://schemas.microsoft.com/office/drawing/2010/main">
+                    <a14:imgLayer r:embed="rId3">
+                      <a14:imgEffect>
+                        <a14:sharpenSoften amount="61000"/>
+                      </a14:imgEffect>
+                    </a14:imgLayer>
+                  </a14:imgProps>
+                </a:ext>
+                <a:ext uri="{28A0092B-C50C-407E-A947-70E740481C1C}">
+                  <a14:useLocalDpi xmlns:a14="http://schemas.microsoft.com/office/drawing/2010/main" val="0"/>
+                </a:ext>
+              </a:extLst>
+            </a:blip>
+            <a:srcRect/>
+            <a:tile tx="0" ty="-704850" sx="92000" sy="89000" flip="xy" algn="ctr"/>
+          </a:blipFill>
+          <a:ln>
+            <a:noFill/>
+          </a:ln>
+        </p:spPr>
+        <p:style>
+          <a:lnRef idx="2">
+            <a:schemeClr val="accent1">
+              <a:shade val="50000"/>
+            </a:schemeClr>
+          </a:lnRef>
+          <a:fillRef idx="1">
+            <a:schemeClr val="accent1"/>
+          </a:fillRef>
+          <a:effectRef idx="0">
+            <a:schemeClr val="accent1"/>
+          </a:effectRef>
+          <a:fontRef idx="minor">
+            <a:schemeClr val="lt1"/>
+          </a:fontRef>
+        </p:style>
+      </p:sp>
+      <p:sp>
+        <p:nvSpPr>
+          <p:cNvPr id="2" name="Title 1"/>
           <p:cNvSpPr>
             <a:spLocks noGrp="1"/>
           </p:cNvSpPr>
@@ -2487,15 +3042,17 @@
         </p:nvSpPr>
         <p:spPr>
           <a:xfrm>
-            <a:off x="839788" y="457200"/>
-            <a:ext cx="3932237" cy="1600200"/>
+            <a:off x="6412230" y="685800"/>
+            <a:ext cx="2400300" cy="1737360"/>
           </a:xfrm>
         </p:spPr>
         <p:txBody>
-          <a:bodyPr anchor="b"/>
+          <a:bodyPr anchor="b">
+            <a:normAutofit/>
+          </a:bodyPr>
           <a:lstStyle>
             <a:lvl1pPr>
-              <a:defRPr sz="3200"/>
+              <a:defRPr sz="2800" b="0"/>
             </a:lvl1pPr>
           </a:lstStyle>
           <a:p>
@@ -2503,20 +3060,15 @@
               <a:rPr lang="en-US"/>
               <a:t>Click to edit Master title style</a:t>
             </a:r>
-          </a:p>
-        </p:txBody>
-      </p:sp>
-      <p:sp>
-        <p:nvSpPr>
-          <p:cNvPr id="3" name="Picture Placeholder 2">
-            <a:extLst>
-              <a:ext uri="{FF2B5EF4-FFF2-40B4-BE49-F238E27FC236}">
-                <a16:creationId xmlns:a16="http://schemas.microsoft.com/office/drawing/2014/main" id="{1D10E3B4-BBA9-48D3-BF92-C05A4FE44AD8}"/>
-              </a:ext>
-            </a:extLst>
-          </p:cNvPr>
+            <a:endParaRPr lang="en-US" dirty="0"/>
+          </a:p>
+        </p:txBody>
+      </p:sp>
+      <p:sp>
+        <p:nvSpPr>
+          <p:cNvPr id="3" name="Picture Placeholder 2"/>
           <p:cNvSpPr>
-            <a:spLocks noGrp="1"/>
+            <a:spLocks noGrp="1" noChangeAspect="1"/>
           </p:cNvSpPr>
           <p:nvPr>
             <p:ph type="pic" idx="1"/>
@@ -2524,12 +3076,18 @@
         </p:nvSpPr>
         <p:spPr>
           <a:xfrm>
-            <a:off x="5183188" y="987425"/>
-            <a:ext cx="6172200" cy="4873625"/>
+            <a:off x="0" y="0"/>
+            <a:ext cx="6227805" cy="6858000"/>
           </a:xfrm>
+          <a:solidFill>
+            <a:schemeClr val="tx2">
+              <a:lumMod val="20000"/>
+              <a:lumOff val="80000"/>
+            </a:schemeClr>
+          </a:solidFill>
         </p:spPr>
         <p:txBody>
-          <a:bodyPr/>
+          <a:bodyPr anchor="t"/>
           <a:lstStyle>
             <a:lvl1pPr marL="0" indent="0">
               <a:buNone/>
@@ -2569,19 +3127,17 @@
             </a:lvl9pPr>
           </a:lstStyle>
           <a:p>
-            <a:endParaRPr lang="en-US"/>
-          </a:p>
-        </p:txBody>
-      </p:sp>
-      <p:sp>
-        <p:nvSpPr>
-          <p:cNvPr id="4" name="Text Placeholder 3">
-            <a:extLst>
-              <a:ext uri="{FF2B5EF4-FFF2-40B4-BE49-F238E27FC236}">
-                <a16:creationId xmlns:a16="http://schemas.microsoft.com/office/drawing/2014/main" id="{37D11169-E58C-4BA4-8750-84AA8F57BFD4}"/>
-              </a:ext>
-            </a:extLst>
-          </p:cNvPr>
+            <a:r>
+              <a:rPr lang="en-US"/>
+              <a:t>Click icon to add picture</a:t>
+            </a:r>
+            <a:endParaRPr lang="en-US" dirty="0"/>
+          </a:p>
+        </p:txBody>
+      </p:sp>
+      <p:sp>
+        <p:nvSpPr>
+          <p:cNvPr id="4" name="Text Placeholder 3"/>
           <p:cNvSpPr>
             <a:spLocks noGrp="1"/>
           </p:cNvSpPr>
@@ -2591,48 +3147,62 @@
         </p:nvSpPr>
         <p:spPr>
           <a:xfrm>
-            <a:off x="839788" y="2057400"/>
-            <a:ext cx="3932237" cy="3811588"/>
+            <a:off x="6412230" y="2423160"/>
+            <a:ext cx="2400300" cy="3291840"/>
           </a:xfrm>
         </p:spPr>
         <p:txBody>
-          <a:bodyPr/>
+          <a:bodyPr>
+            <a:normAutofit/>
+          </a:bodyPr>
           <a:lstStyle>
             <a:lvl1pPr marL="0" indent="0">
-              <a:buNone/>
-              <a:defRPr sz="1600"/>
+              <a:lnSpc>
+                <a:spcPct val="100000"/>
+              </a:lnSpc>
+              <a:spcBef>
+                <a:spcPts val="1000"/>
+              </a:spcBef>
+              <a:buNone/>
+              <a:defRPr sz="1350">
+                <a:solidFill>
+                  <a:schemeClr val="accent1">
+                    <a:lumMod val="50000"/>
+                  </a:schemeClr>
+                </a:solidFill>
+              </a:defRPr>
             </a:lvl1pPr>
             <a:lvl2pPr marL="457200" indent="0">
               <a:buNone/>
-              <a:defRPr sz="1400"/>
+              <a:defRPr sz="1200"/>
             </a:lvl2pPr>
             <a:lvl3pPr marL="914400" indent="0">
               <a:buNone/>
-              <a:defRPr sz="1200"/>
+              <a:defRPr sz="1000"/>
             </a:lvl3pPr>
             <a:lvl4pPr marL="1371600" indent="0">
               <a:buNone/>
-              <a:defRPr sz="1000"/>
+              <a:defRPr sz="900"/>
             </a:lvl4pPr>
             <a:lvl5pPr marL="1828800" indent="0">
               <a:buNone/>
-              <a:defRPr sz="1000"/>
+              <a:defRPr sz="900"/>
             </a:lvl5pPr>
             <a:lvl6pPr marL="2286000" indent="0">
               <a:buNone/>
-              <a:defRPr sz="1000"/>
+              <a:defRPr sz="900"/>
             </a:lvl6pPr>
             <a:lvl7pPr marL="2743200" indent="0">
               <a:buNone/>
-              <a:defRPr sz="1000"/>
+              <a:defRPr sz="900"/>
             </a:lvl7pPr>
             <a:lvl8pPr marL="3200400" indent="0">
               <a:buNone/>
-              <a:defRPr sz="1000"/>
+              <a:defRPr sz="900"/>
             </a:lvl8pPr>
             <a:lvl9pPr marL="3657600" indent="0">
               <a:buNone/>
-              <a:defRPr sz="1000"/>
+              <a:defRPr sz="900"/>
             </a:lvl9pPr>
           </a:lstStyle>
           <a:p>
@@ -2644,15 +3214,100 @@
           </a:p>
         </p:txBody>
       </p:sp>
-      <p:sp>
-        <p:nvSpPr>
-          <p:cNvPr id="5" name="Date Placeholder 4">
-            <a:extLst>
-              <a:ext uri="{FF2B5EF4-FFF2-40B4-BE49-F238E27FC236}">
-                <a16:creationId xmlns:a16="http://schemas.microsoft.com/office/drawing/2014/main" id="{03DB9309-D444-43D4-8CA4-DC2F8C2E32B9}"/>
-              </a:ext>
-            </a:extLst>
-          </p:cNvPr>
+      <p:grpSp>
+        <p:nvGrpSpPr>
+          <p:cNvPr id="12" name="Group 11"/>
+          <p:cNvGrpSpPr/>
+          <p:nvPr/>
+        </p:nvGrpSpPr>
+        <p:grpSpPr>
+          <a:xfrm>
+            <a:off x="8522664" y="6255258"/>
+            <a:ext cx="393192" cy="393192"/>
+            <a:chOff x="8532189" y="5068824"/>
+            <a:chExt cx="393192" cy="393192"/>
+          </a:xfrm>
+        </p:grpSpPr>
+        <p:sp>
+          <p:nvSpPr>
+            <p:cNvPr id="13" name="Oval 12"/>
+            <p:cNvSpPr>
+              <a:spLocks noChangeAspect="1"/>
+            </p:cNvSpPr>
+            <p:nvPr/>
+          </p:nvSpPr>
+          <p:spPr>
+            <a:xfrm>
+              <a:off x="8532189" y="5068824"/>
+              <a:ext cx="393192" cy="393192"/>
+            </a:xfrm>
+            <a:prstGeom prst="ellipse">
+              <a:avLst/>
+            </a:prstGeom>
+            <a:blipFill dpi="0" rotWithShape="1">
+              <a:blip r:embed="rId4">
+                <a:duotone>
+                  <a:schemeClr val="accent1">
+                    <a:shade val="45000"/>
+                    <a:satMod val="135000"/>
+                  </a:schemeClr>
+                  <a:prstClr val="white"/>
+                </a:duotone>
+                <a:extLst>
+                  <a:ext uri="{BEBA8EAE-BF5A-486C-A8C5-ECC9F3942E4B}">
+                    <a14:imgProps xmlns:a14="http://schemas.microsoft.com/office/drawing/2010/main">
+                      <a14:imgLayer r:embed="rId5">
+                        <a14:imgEffect>
+                          <a14:saturation sat="95000"/>
+                        </a14:imgEffect>
+                        <a14:imgEffect>
+                          <a14:brightnessContrast bright="-40000" contrast="20000"/>
+                        </a14:imgEffect>
+                      </a14:imgLayer>
+                    </a14:imgProps>
+                  </a:ext>
+                </a:extLst>
+              </a:blip>
+              <a:srcRect/>
+              <a:tile tx="50800" ty="0" sx="85000" sy="85000" flip="none" algn="tl"/>
+            </a:blipFill>
+            <a:ln w="25400" cap="flat" cmpd="sng" algn="ctr">
+              <a:noFill/>
+              <a:prstDash val="solid"/>
+            </a:ln>
+            <a:effectLst/>
+          </p:spPr>
+        </p:sp>
+        <p:sp>
+          <p:nvSpPr>
+            <p:cNvPr id="14" name="Oval 13"/>
+            <p:cNvSpPr>
+              <a:spLocks noChangeAspect="1"/>
+            </p:cNvSpPr>
+            <p:nvPr/>
+          </p:nvSpPr>
+          <p:spPr>
+            <a:xfrm>
+              <a:off x="8568766" y="5105400"/>
+              <a:ext cx="320039" cy="320040"/>
+            </a:xfrm>
+            <a:prstGeom prst="ellipse">
+              <a:avLst/>
+            </a:prstGeom>
+            <a:noFill/>
+            <a:ln w="12700" cap="flat" cmpd="sng" algn="ctr">
+              <a:solidFill>
+                <a:srgbClr val="FFFFFF"/>
+              </a:solidFill>
+              <a:prstDash val="solid"/>
+            </a:ln>
+            <a:effectLst/>
+          </p:spPr>
+        </p:sp>
+      </p:grpSp>
+      <p:sp>
+        <p:nvSpPr>
+          <p:cNvPr id="8" name="Date Placeholder 7"/>
           <p:cNvSpPr>
             <a:spLocks noGrp="1"/>
           </p:cNvSpPr>
@@ -2667,7 +3322,7 @@
           <a:p>
             <a:fld id="{15598C58-9F4A-4075-B606-A0408E249DB2}" type="datetimeFigureOut">
               <a:rPr lang="en-US" smtClean="0"/>
-              <a:t>10/31/2017</a:t>
+              <a:t>11/1/2017</a:t>
             </a:fld>
             <a:endParaRPr lang="en-US"/>
           </a:p>
@@ -2675,38 +3330,7 @@
       </p:sp>
       <p:sp>
         <p:nvSpPr>
-          <p:cNvPr id="6" name="Footer Placeholder 5">
-            <a:extLst>
-              <a:ext uri="{FF2B5EF4-FFF2-40B4-BE49-F238E27FC236}">
-                <a16:creationId xmlns:a16="http://schemas.microsoft.com/office/drawing/2014/main" id="{BF93F2C8-DB7B-4569-9B0C-8D1ED75511EB}"/>
-              </a:ext>
-            </a:extLst>
-          </p:cNvPr>
-          <p:cNvSpPr>
-            <a:spLocks noGrp="1"/>
-          </p:cNvSpPr>
-          <p:nvPr>
-            <p:ph type="ftr" sz="quarter" idx="11"/>
-          </p:nvPr>
-        </p:nvSpPr>
-        <p:spPr/>
-        <p:txBody>
-          <a:bodyPr/>
-          <a:lstStyle/>
-          <a:p>
-            <a:endParaRPr lang="en-US"/>
-          </a:p>
-        </p:txBody>
-      </p:sp>
-      <p:sp>
-        <p:nvSpPr>
-          <p:cNvPr id="7" name="Slide Number Placeholder 6">
-            <a:extLst>
-              <a:ext uri="{FF2B5EF4-FFF2-40B4-BE49-F238E27FC236}">
-                <a16:creationId xmlns:a16="http://schemas.microsoft.com/office/drawing/2014/main" id="{02686431-BD76-4869-97BC-42DF6D4D14E9}"/>
-              </a:ext>
-            </a:extLst>
-          </p:cNvPr>
+          <p:cNvPr id="10" name="Slide Number Placeholder 9"/>
           <p:cNvSpPr>
             <a:spLocks noGrp="1"/>
           </p:cNvSpPr>
@@ -2730,7 +3354,7 @@
     </p:spTree>
     <p:extLst>
       <p:ext uri="{BB962C8B-B14F-4D97-AF65-F5344CB8AC3E}">
-        <p14:creationId xmlns:p14="http://schemas.microsoft.com/office/powerpoint/2010/main" val="3371384304"/>
+        <p14:creationId xmlns:p14="http://schemas.microsoft.com/office/powerpoint/2010/main" val="1278300251"/>
       </p:ext>
     </p:extLst>
   </p:cSld>
@@ -2762,15 +3386,100 @@
           <a:chExt cx="0" cy="0"/>
         </a:xfrm>
       </p:grpSpPr>
-      <p:sp>
-        <p:nvSpPr>
-          <p:cNvPr id="2" name="Title Placeholder 1">
-            <a:extLst>
-              <a:ext uri="{FF2B5EF4-FFF2-40B4-BE49-F238E27FC236}">
-                <a16:creationId xmlns:a16="http://schemas.microsoft.com/office/drawing/2014/main" id="{401AF444-44C8-4B4D-B052-767EBE3C5CBE}"/>
-              </a:ext>
-            </a:extLst>
-          </p:cNvPr>
+      <p:grpSp>
+        <p:nvGrpSpPr>
+          <p:cNvPr id="12" name="Group 11"/>
+          <p:cNvGrpSpPr/>
+          <p:nvPr/>
+        </p:nvGrpSpPr>
+        <p:grpSpPr>
+          <a:xfrm>
+            <a:off x="8522664" y="6255258"/>
+            <a:ext cx="393192" cy="393192"/>
+            <a:chOff x="8532189" y="5068824"/>
+            <a:chExt cx="393192" cy="393192"/>
+          </a:xfrm>
+        </p:grpSpPr>
+        <p:sp>
+          <p:nvSpPr>
+            <p:cNvPr id="8" name="Oval 7"/>
+            <p:cNvSpPr>
+              <a:spLocks noChangeAspect="1"/>
+            </p:cNvSpPr>
+            <p:nvPr/>
+          </p:nvSpPr>
+          <p:spPr>
+            <a:xfrm>
+              <a:off x="8532189" y="5068824"/>
+              <a:ext cx="393192" cy="393192"/>
+            </a:xfrm>
+            <a:prstGeom prst="ellipse">
+              <a:avLst/>
+            </a:prstGeom>
+            <a:blipFill dpi="0" rotWithShape="1">
+              <a:blip r:embed="rId13">
+                <a:duotone>
+                  <a:schemeClr val="accent1">
+                    <a:shade val="45000"/>
+                    <a:satMod val="135000"/>
+                  </a:schemeClr>
+                  <a:prstClr val="white"/>
+                </a:duotone>
+                <a:extLst>
+                  <a:ext uri="{BEBA8EAE-BF5A-486C-A8C5-ECC9F3942E4B}">
+                    <a14:imgProps xmlns:a14="http://schemas.microsoft.com/office/drawing/2010/main">
+                      <a14:imgLayer r:embed="rId14">
+                        <a14:imgEffect>
+                          <a14:saturation sat="95000"/>
+                        </a14:imgEffect>
+                        <a14:imgEffect>
+                          <a14:brightnessContrast bright="-40000" contrast="20000"/>
+                        </a14:imgEffect>
+                      </a14:imgLayer>
+                    </a14:imgProps>
+                  </a:ext>
+                </a:extLst>
+              </a:blip>
+              <a:srcRect/>
+              <a:tile tx="50800" ty="0" sx="85000" sy="85000" flip="none" algn="tl"/>
+            </a:blipFill>
+            <a:ln w="25400" cap="flat" cmpd="sng" algn="ctr">
+              <a:noFill/>
+              <a:prstDash val="solid"/>
+            </a:ln>
+            <a:effectLst/>
+          </p:spPr>
+        </p:sp>
+        <p:sp>
+          <p:nvSpPr>
+            <p:cNvPr id="9" name="Oval 8"/>
+            <p:cNvSpPr>
+              <a:spLocks noChangeAspect="1"/>
+            </p:cNvSpPr>
+            <p:nvPr/>
+          </p:nvSpPr>
+          <p:spPr>
+            <a:xfrm>
+              <a:off x="8568766" y="5105400"/>
+              <a:ext cx="320039" cy="320040"/>
+            </a:xfrm>
+            <a:prstGeom prst="ellipse">
+              <a:avLst/>
+            </a:prstGeom>
+            <a:noFill/>
+            <a:ln w="12700" cap="flat" cmpd="sng" algn="ctr">
+              <a:solidFill>
+                <a:srgbClr val="FFFFFF"/>
+              </a:solidFill>
+              <a:prstDash val="solid"/>
+            </a:ln>
+            <a:effectLst/>
+          </p:spPr>
+        </p:sp>
+      </p:grpSp>
+      <p:sp>
+        <p:nvSpPr>
+          <p:cNvPr id="2" name="Title Placeholder 1"/>
           <p:cNvSpPr>
             <a:spLocks noGrp="1"/>
           </p:cNvSpPr>
@@ -2780,8 +3489,8 @@
         </p:nvSpPr>
         <p:spPr>
           <a:xfrm>
-            <a:off x="838200" y="365125"/>
-            <a:ext cx="10515600" cy="1325563"/>
+            <a:off x="685800" y="484632"/>
+            <a:ext cx="7772400" cy="1609344"/>
           </a:xfrm>
           <a:prstGeom prst="rect">
             <a:avLst/>
@@ -2797,18 +3506,13 @@
               <a:rPr lang="en-US"/>
               <a:t>Click to edit Master title style</a:t>
             </a:r>
-          </a:p>
-        </p:txBody>
-      </p:sp>
-      <p:sp>
-        <p:nvSpPr>
-          <p:cNvPr id="3" name="Text Placeholder 2">
-            <a:extLst>
-              <a:ext uri="{FF2B5EF4-FFF2-40B4-BE49-F238E27FC236}">
-                <a16:creationId xmlns:a16="http://schemas.microsoft.com/office/drawing/2014/main" id="{8D8EFB94-C6C3-4E05-AE22-D28E0C12F0A4}"/>
-              </a:ext>
-            </a:extLst>
-          </p:cNvPr>
+            <a:endParaRPr lang="en-US" dirty="0"/>
+          </a:p>
+        </p:txBody>
+      </p:sp>
+      <p:sp>
+        <p:nvSpPr>
+          <p:cNvPr id="3" name="Text Placeholder 2"/>
           <p:cNvSpPr>
             <a:spLocks noGrp="1"/>
           </p:cNvSpPr>
@@ -2818,8 +3522,8 @@
         </p:nvSpPr>
         <p:spPr>
           <a:xfrm>
-            <a:off x="838200" y="1825625"/>
-            <a:ext cx="10515600" cy="4351338"/>
+            <a:off x="685800" y="2121408"/>
+            <a:ext cx="7772400" cy="4050792"/>
           </a:xfrm>
           <a:prstGeom prst="rect">
             <a:avLst/>
@@ -2864,18 +3568,13 @@
               <a:rPr lang="en-US"/>
               <a:t>Fifth level</a:t>
             </a:r>
-          </a:p>
-        </p:txBody>
-      </p:sp>
-      <p:sp>
-        <p:nvSpPr>
-          <p:cNvPr id="4" name="Date Placeholder 3">
-            <a:extLst>
-              <a:ext uri="{FF2B5EF4-FFF2-40B4-BE49-F238E27FC236}">
-                <a16:creationId xmlns:a16="http://schemas.microsoft.com/office/drawing/2014/main" id="{54710FCC-B4DF-4B72-B83F-C3F7E596B85E}"/>
-              </a:ext>
-            </a:extLst>
-          </p:cNvPr>
+            <a:endParaRPr lang="en-US" dirty="0"/>
+          </a:p>
+        </p:txBody>
+      </p:sp>
+      <p:sp>
+        <p:nvSpPr>
+          <p:cNvPr id="4" name="Date Placeholder 3"/>
           <p:cNvSpPr>
             <a:spLocks noGrp="1"/>
           </p:cNvSpPr>
@@ -2885,8 +3584,8 @@
         </p:nvSpPr>
         <p:spPr>
           <a:xfrm>
-            <a:off x="838200" y="6356350"/>
-            <a:ext cx="2743200" cy="365125"/>
+            <a:off x="5992368" y="6272785"/>
+            <a:ext cx="2455164" cy="365125"/>
           </a:xfrm>
           <a:prstGeom prst="rect">
             <a:avLst/>
@@ -2895,11 +3594,11 @@
         <p:txBody>
           <a:bodyPr vert="horz" lIns="91440" tIns="45720" rIns="91440" bIns="45720" rtlCol="0" anchor="ctr"/>
           <a:lstStyle>
-            <a:lvl1pPr algn="l">
-              <a:defRPr sz="1200">
+            <a:lvl1pPr algn="r">
+              <a:defRPr sz="1000">
                 <a:solidFill>
-                  <a:schemeClr val="tx1">
-                    <a:tint val="75000"/>
+                  <a:schemeClr val="accent1">
+                    <a:lumMod val="50000"/>
                   </a:schemeClr>
                 </a:solidFill>
               </a:defRPr>
@@ -2908,7 +3607,7 @@
           <a:p>
             <a:fld id="{15598C58-9F4A-4075-B606-A0408E249DB2}" type="datetimeFigureOut">
               <a:rPr lang="en-US" smtClean="0"/>
-              <a:t>10/31/2017</a:t>
+              <a:t>11/1/2017</a:t>
             </a:fld>
             <a:endParaRPr lang="en-US"/>
           </a:p>
@@ -2916,13 +3615,7 @@
       </p:sp>
       <p:sp>
         <p:nvSpPr>
-          <p:cNvPr id="5" name="Footer Placeholder 4">
-            <a:extLst>
-              <a:ext uri="{FF2B5EF4-FFF2-40B4-BE49-F238E27FC236}">
-                <a16:creationId xmlns:a16="http://schemas.microsoft.com/office/drawing/2014/main" id="{0796C4C7-D8E7-4A61-9FF9-D94E098ACFD2}"/>
-              </a:ext>
-            </a:extLst>
-          </p:cNvPr>
+          <p:cNvPr id="5" name="Footer Placeholder 4"/>
           <p:cNvSpPr>
             <a:spLocks noGrp="1"/>
           </p:cNvSpPr>
@@ -2932,8 +3625,8 @@
         </p:nvSpPr>
         <p:spPr>
           <a:xfrm>
-            <a:off x="4038600" y="6356350"/>
-            <a:ext cx="4114800" cy="365125"/>
+            <a:off x="685800" y="6272785"/>
+            <a:ext cx="4745736" cy="365125"/>
           </a:xfrm>
           <a:prstGeom prst="rect">
             <a:avLst/>
@@ -2942,11 +3635,11 @@
         <p:txBody>
           <a:bodyPr vert="horz" lIns="91440" tIns="45720" rIns="91440" bIns="45720" rtlCol="0" anchor="ctr"/>
           <a:lstStyle>
-            <a:lvl1pPr algn="ctr">
-              <a:defRPr sz="1200">
+            <a:lvl1pPr algn="l">
+              <a:defRPr sz="1000">
                 <a:solidFill>
-                  <a:schemeClr val="tx1">
-                    <a:tint val="75000"/>
+                  <a:schemeClr val="accent1">
+                    <a:lumMod val="50000"/>
                   </a:schemeClr>
                 </a:solidFill>
               </a:defRPr>
@@ -2959,13 +3652,7 @@
       </p:sp>
       <p:sp>
         <p:nvSpPr>
-          <p:cNvPr id="6" name="Slide Number Placeholder 5">
-            <a:extLst>
-              <a:ext uri="{FF2B5EF4-FFF2-40B4-BE49-F238E27FC236}">
-                <a16:creationId xmlns:a16="http://schemas.microsoft.com/office/drawing/2014/main" id="{250C62F8-23CE-4D27-A352-5249597F6CD6}"/>
-              </a:ext>
-            </a:extLst>
-          </p:cNvPr>
+          <p:cNvPr id="6" name="Slide Number Placeholder 5"/>
           <p:cNvSpPr>
             <a:spLocks noGrp="1"/>
           </p:cNvSpPr>
@@ -2975,8 +3662,8 @@
         </p:nvSpPr>
         <p:spPr>
           <a:xfrm>
-            <a:off x="8610600" y="6356350"/>
-            <a:ext cx="2743200" cy="365125"/>
+            <a:off x="8483346" y="6272785"/>
+            <a:ext cx="480060" cy="365125"/>
           </a:xfrm>
           <a:prstGeom prst="rect">
             <a:avLst/>
@@ -2985,13 +3672,12 @@
         <p:txBody>
           <a:bodyPr vert="horz" lIns="91440" tIns="45720" rIns="91440" bIns="45720" rtlCol="0" anchor="ctr"/>
           <a:lstStyle>
-            <a:lvl1pPr algn="r">
-              <a:defRPr sz="1200">
+            <a:lvl1pPr algn="ctr">
+              <a:defRPr sz="1100" b="1" spc="-70" baseline="0">
                 <a:solidFill>
-                  <a:schemeClr val="tx1">
-                    <a:tint val="75000"/>
-                  </a:schemeClr>
+                  <a:srgbClr val="FFFFFF"/>
                 </a:solidFill>
+                <a:latin typeface="+mn-lt"/>
               </a:defRPr>
             </a:lvl1pPr>
           </a:lstStyle>
@@ -3007,23 +3693,23 @@
     </p:spTree>
     <p:extLst>
       <p:ext uri="{BB962C8B-B14F-4D97-AF65-F5344CB8AC3E}">
-        <p14:creationId xmlns:p14="http://schemas.microsoft.com/office/powerpoint/2010/main" val="2956869847"/>
+        <p14:creationId xmlns:p14="http://schemas.microsoft.com/office/powerpoint/2010/main" val="1327802107"/>
       </p:ext>
     </p:extLst>
   </p:cSld>
   <p:clrMap bg1="lt1" tx1="dk1" bg2="lt2" tx2="dk2" accent1="accent1" accent2="accent2" accent3="accent3" accent4="accent4" accent5="accent5" accent6="accent6" hlink="hlink" folHlink="folHlink"/>
   <p:sldLayoutIdLst>
-    <p:sldLayoutId id="2147483649" r:id="rId1"/>
-    <p:sldLayoutId id="2147483650" r:id="rId2"/>
-    <p:sldLayoutId id="2147483651" r:id="rId3"/>
-    <p:sldLayoutId id="2147483652" r:id="rId4"/>
-    <p:sldLayoutId id="2147483653" r:id="rId5"/>
-    <p:sldLayoutId id="2147483654" r:id="rId6"/>
-    <p:sldLayoutId id="2147483655" r:id="rId7"/>
-    <p:sldLayoutId id="2147483656" r:id="rId8"/>
-    <p:sldLayoutId id="2147483657" r:id="rId9"/>
-    <p:sldLayoutId id="2147483658" r:id="rId10"/>
-    <p:sldLayoutId id="2147483659" r:id="rId11"/>
+    <p:sldLayoutId id="2147483673" r:id="rId1"/>
+    <p:sldLayoutId id="2147483674" r:id="rId2"/>
+    <p:sldLayoutId id="2147483675" r:id="rId3"/>
+    <p:sldLayoutId id="2147483676" r:id="rId4"/>
+    <p:sldLayoutId id="2147483677" r:id="rId5"/>
+    <p:sldLayoutId id="2147483678" r:id="rId6"/>
+    <p:sldLayoutId id="2147483679" r:id="rId7"/>
+    <p:sldLayoutId id="2147483680" r:id="rId8"/>
+    <p:sldLayoutId id="2147483681" r:id="rId9"/>
+    <p:sldLayoutId id="2147483682" r:id="rId10"/>
+    <p:sldLayoutId id="2147483683" r:id="rId11"/>
   </p:sldLayoutIdLst>
   <p:txStyles>
     <p:titleStyle>
@@ -3035,10 +3721,17 @@
           <a:spcPct val="0"/>
         </a:spcBef>
         <a:buNone/>
-        <a:defRPr sz="4400" kern="1200">
-          <a:solidFill>
-            <a:schemeClr val="tx1"/>
-          </a:solidFill>
+        <a:defRPr sz="4200" b="0" kern="1200" cap="all" baseline="0">
+          <a:blipFill>
+            <a:blip r:embed="rId15">
+              <a:extLst>
+                <a:ext uri="{28A0092B-C50C-407E-A947-70E740481C1C}">
+                  <a14:useLocalDpi xmlns:a14="http://schemas.microsoft.com/office/drawing/2010/main" val="0"/>
+                </a:ext>
+              </a:extLst>
+            </a:blip>
+            <a:tile tx="6350" ty="-127000" sx="65000" sy="64000" flip="none" algn="tl"/>
+          </a:blipFill>
           <a:latin typeface="+mj-lt"/>
           <a:ea typeface="+mj-ea"/>
           <a:cs typeface="+mj-cs"/>
@@ -3046,16 +3739,22 @@
       </a:lvl1pPr>
     </p:titleStyle>
     <p:bodyStyle>
-      <a:lvl1pPr marL="228600" indent="-228600" algn="l" defTabSz="914400" rtl="0" eaLnBrk="1" latinLnBrk="0" hangingPunct="1">
+      <a:lvl1pPr marL="182880" indent="-182880" algn="l" defTabSz="914400" rtl="0" eaLnBrk="1" latinLnBrk="0" hangingPunct="1">
         <a:lnSpc>
           <a:spcPct val="90000"/>
         </a:lnSpc>
         <a:spcBef>
-          <a:spcPts val="1000"/>
+          <a:spcPts val="1200"/>
         </a:spcBef>
-        <a:buFont typeface="Arial" panose="020B0604020202020204" pitchFamily="34" charset="0"/>
-        <a:buChar char="•"/>
-        <a:defRPr sz="2800" kern="1200">
+        <a:buClr>
+          <a:schemeClr val="accent1">
+            <a:lumMod val="75000"/>
+          </a:schemeClr>
+        </a:buClr>
+        <a:buSzPct val="85000"/>
+        <a:buFont typeface="Wingdings" pitchFamily="2" charset="2"/>
+        <a:buChar char="§"/>
+        <a:defRPr sz="2000" kern="1200">
           <a:solidFill>
             <a:schemeClr val="tx1"/>
           </a:solidFill>
@@ -3064,16 +3763,25 @@
           <a:cs typeface="+mn-cs"/>
         </a:defRPr>
       </a:lvl1pPr>
-      <a:lvl2pPr marL="685800" indent="-228600" algn="l" defTabSz="914400" rtl="0" eaLnBrk="1" latinLnBrk="0" hangingPunct="1">
+      <a:lvl2pPr marL="457200" indent="-182880" algn="l" defTabSz="914400" rtl="0" eaLnBrk="1" latinLnBrk="0" hangingPunct="1">
         <a:lnSpc>
           <a:spcPct val="90000"/>
         </a:lnSpc>
         <a:spcBef>
-          <a:spcPts val="500"/>
+          <a:spcPts val="400"/>
         </a:spcBef>
-        <a:buFont typeface="Arial" panose="020B0604020202020204" pitchFamily="34" charset="0"/>
-        <a:buChar char="•"/>
-        <a:defRPr sz="2400" kern="1200">
+        <a:spcAft>
+          <a:spcPts val="200"/>
+        </a:spcAft>
+        <a:buClr>
+          <a:schemeClr val="accent1">
+            <a:lumMod val="75000"/>
+          </a:schemeClr>
+        </a:buClr>
+        <a:buSzPct val="85000"/>
+        <a:buFont typeface="Wingdings" pitchFamily="2" charset="2"/>
+        <a:buChar char="§"/>
+        <a:defRPr sz="1800" kern="1200">
           <a:solidFill>
             <a:schemeClr val="tx1"/>
           </a:solidFill>
@@ -3082,16 +3790,25 @@
           <a:cs typeface="+mn-cs"/>
         </a:defRPr>
       </a:lvl2pPr>
-      <a:lvl3pPr marL="1143000" indent="-228600" algn="l" defTabSz="914400" rtl="0" eaLnBrk="1" latinLnBrk="0" hangingPunct="1">
+      <a:lvl3pPr marL="731520" indent="-182880" algn="l" defTabSz="914400" rtl="0" eaLnBrk="1" latinLnBrk="0" hangingPunct="1">
         <a:lnSpc>
           <a:spcPct val="90000"/>
         </a:lnSpc>
         <a:spcBef>
-          <a:spcPts val="500"/>
+          <a:spcPts val="400"/>
         </a:spcBef>
-        <a:buFont typeface="Arial" panose="020B0604020202020204" pitchFamily="34" charset="0"/>
-        <a:buChar char="•"/>
-        <a:defRPr sz="2000" kern="1200">
+        <a:spcAft>
+          <a:spcPts val="200"/>
+        </a:spcAft>
+        <a:buClr>
+          <a:schemeClr val="accent1">
+            <a:lumMod val="75000"/>
+          </a:schemeClr>
+        </a:buClr>
+        <a:buSzPct val="85000"/>
+        <a:buFont typeface="Wingdings" pitchFamily="2" charset="2"/>
+        <a:buChar char="§"/>
+        <a:defRPr sz="1600" kern="1200">
           <a:solidFill>
             <a:schemeClr val="tx1"/>
           </a:solidFill>
@@ -3100,16 +3817,25 @@
           <a:cs typeface="+mn-cs"/>
         </a:defRPr>
       </a:lvl3pPr>
-      <a:lvl4pPr marL="1600200" indent="-228600" algn="l" defTabSz="914400" rtl="0" eaLnBrk="1" latinLnBrk="0" hangingPunct="1">
+      <a:lvl4pPr marL="1005840" indent="-182880" algn="l" defTabSz="914400" rtl="0" eaLnBrk="1" latinLnBrk="0" hangingPunct="1">
         <a:lnSpc>
           <a:spcPct val="90000"/>
         </a:lnSpc>
         <a:spcBef>
-          <a:spcPts val="500"/>
+          <a:spcPts val="400"/>
         </a:spcBef>
-        <a:buFont typeface="Arial" panose="020B0604020202020204" pitchFamily="34" charset="0"/>
-        <a:buChar char="•"/>
-        <a:defRPr sz="1800" kern="1200">
+        <a:spcAft>
+          <a:spcPts val="200"/>
+        </a:spcAft>
+        <a:buClr>
+          <a:schemeClr val="accent1">
+            <a:lumMod val="75000"/>
+          </a:schemeClr>
+        </a:buClr>
+        <a:buSzPct val="85000"/>
+        <a:buFont typeface="Wingdings" pitchFamily="2" charset="2"/>
+        <a:buChar char="§"/>
+        <a:defRPr sz="1600" kern="1200">
           <a:solidFill>
             <a:schemeClr val="tx1"/>
           </a:solidFill>
@@ -3118,16 +3844,25 @@
           <a:cs typeface="+mn-cs"/>
         </a:defRPr>
       </a:lvl4pPr>
-      <a:lvl5pPr marL="2057400" indent="-228600" algn="l" defTabSz="914400" rtl="0" eaLnBrk="1" latinLnBrk="0" hangingPunct="1">
+      <a:lvl5pPr marL="1280160" indent="-182880" algn="l" defTabSz="914400" rtl="0" eaLnBrk="1" latinLnBrk="0" hangingPunct="1">
         <a:lnSpc>
           <a:spcPct val="90000"/>
         </a:lnSpc>
         <a:spcBef>
-          <a:spcPts val="500"/>
+          <a:spcPts val="400"/>
         </a:spcBef>
-        <a:buFont typeface="Arial" panose="020B0604020202020204" pitchFamily="34" charset="0"/>
-        <a:buChar char="•"/>
-        <a:defRPr sz="1800" kern="1200">
+        <a:spcAft>
+          <a:spcPts val="200"/>
+        </a:spcAft>
+        <a:buClr>
+          <a:schemeClr val="accent1">
+            <a:lumMod val="75000"/>
+          </a:schemeClr>
+        </a:buClr>
+        <a:buSzPct val="85000"/>
+        <a:buFont typeface="Wingdings" pitchFamily="2" charset="2"/>
+        <a:buChar char="§"/>
+        <a:defRPr sz="1600" kern="1200">
           <a:solidFill>
             <a:schemeClr val="tx1"/>
           </a:solidFill>
@@ -3136,16 +3871,25 @@
           <a:cs typeface="+mn-cs"/>
         </a:defRPr>
       </a:lvl5pPr>
-      <a:lvl6pPr marL="2514600" indent="-228600" algn="l" defTabSz="914400" rtl="0" eaLnBrk="1" latinLnBrk="0" hangingPunct="1">
+      <a:lvl6pPr marL="1600000" indent="-228600" algn="l" defTabSz="914400" rtl="0" eaLnBrk="1" latinLnBrk="0" hangingPunct="1">
         <a:lnSpc>
           <a:spcPct val="90000"/>
         </a:lnSpc>
         <a:spcBef>
-          <a:spcPts val="500"/>
+          <a:spcPts val="400"/>
         </a:spcBef>
-        <a:buFont typeface="Arial" panose="020B0604020202020204" pitchFamily="34" charset="0"/>
-        <a:buChar char="•"/>
-        <a:defRPr sz="1800" kern="1200">
+        <a:spcAft>
+          <a:spcPts val="200"/>
+        </a:spcAft>
+        <a:buClr>
+          <a:schemeClr val="accent1">
+            <a:lumMod val="75000"/>
+          </a:schemeClr>
+        </a:buClr>
+        <a:buSzPct val="85000"/>
+        <a:buFont typeface="Wingdings" pitchFamily="2" charset="2"/>
+        <a:buChar char="§"/>
+        <a:defRPr sz="1600" kern="1200">
           <a:solidFill>
             <a:schemeClr val="tx1"/>
           </a:solidFill>
@@ -3154,16 +3898,25 @@
           <a:cs typeface="+mn-cs"/>
         </a:defRPr>
       </a:lvl6pPr>
-      <a:lvl7pPr marL="2971800" indent="-228600" algn="l" defTabSz="914400" rtl="0" eaLnBrk="1" latinLnBrk="0" hangingPunct="1">
+      <a:lvl7pPr marL="1900000" indent="-228600" algn="l" defTabSz="914400" rtl="0" eaLnBrk="1" latinLnBrk="0" hangingPunct="1">
         <a:lnSpc>
           <a:spcPct val="90000"/>
         </a:lnSpc>
         <a:spcBef>
-          <a:spcPts val="500"/>
+          <a:spcPts val="400"/>
         </a:spcBef>
-        <a:buFont typeface="Arial" panose="020B0604020202020204" pitchFamily="34" charset="0"/>
-        <a:buChar char="•"/>
-        <a:defRPr sz="1800" kern="1200">
+        <a:spcAft>
+          <a:spcPts val="200"/>
+        </a:spcAft>
+        <a:buClr>
+          <a:schemeClr val="accent1">
+            <a:lumMod val="75000"/>
+          </a:schemeClr>
+        </a:buClr>
+        <a:buSzPct val="85000"/>
+        <a:buFont typeface="Wingdings" pitchFamily="2" charset="2"/>
+        <a:buChar char="§"/>
+        <a:defRPr sz="1600" kern="1200">
           <a:solidFill>
             <a:schemeClr val="tx1"/>
           </a:solidFill>
@@ -3172,16 +3925,25 @@
           <a:cs typeface="+mn-cs"/>
         </a:defRPr>
       </a:lvl7pPr>
-      <a:lvl8pPr marL="3429000" indent="-228600" algn="l" defTabSz="914400" rtl="0" eaLnBrk="1" latinLnBrk="0" hangingPunct="1">
+      <a:lvl8pPr marL="2200000" indent="-228600" algn="l" defTabSz="914400" rtl="0" eaLnBrk="1" latinLnBrk="0" hangingPunct="1">
         <a:lnSpc>
           <a:spcPct val="90000"/>
         </a:lnSpc>
         <a:spcBef>
-          <a:spcPts val="500"/>
+          <a:spcPts val="400"/>
         </a:spcBef>
-        <a:buFont typeface="Arial" panose="020B0604020202020204" pitchFamily="34" charset="0"/>
-        <a:buChar char="•"/>
-        <a:defRPr sz="1800" kern="1200">
+        <a:spcAft>
+          <a:spcPts val="200"/>
+        </a:spcAft>
+        <a:buClr>
+          <a:schemeClr val="accent1">
+            <a:lumMod val="75000"/>
+          </a:schemeClr>
+        </a:buClr>
+        <a:buSzPct val="85000"/>
+        <a:buFont typeface="Wingdings" pitchFamily="2" charset="2"/>
+        <a:buChar char="§"/>
+        <a:defRPr sz="1600" kern="1200">
           <a:solidFill>
             <a:schemeClr val="tx1"/>
           </a:solidFill>
@@ -3190,16 +3952,25 @@
           <a:cs typeface="+mn-cs"/>
         </a:defRPr>
       </a:lvl8pPr>
-      <a:lvl9pPr marL="3886200" indent="-228600" algn="l" defTabSz="914400" rtl="0" eaLnBrk="1" latinLnBrk="0" hangingPunct="1">
+      <a:lvl9pPr marL="2500000" indent="-228600" algn="l" defTabSz="914400" rtl="0" eaLnBrk="1" latinLnBrk="0" hangingPunct="1">
         <a:lnSpc>
           <a:spcPct val="90000"/>
         </a:lnSpc>
         <a:spcBef>
-          <a:spcPts val="500"/>
+          <a:spcPts val="400"/>
         </a:spcBef>
-        <a:buFont typeface="Arial" panose="020B0604020202020204" pitchFamily="34" charset="0"/>
-        <a:buChar char="•"/>
-        <a:defRPr sz="1800" kern="1200">
+        <a:spcAft>
+          <a:spcPts val="200"/>
+        </a:spcAft>
+        <a:buClr>
+          <a:schemeClr val="accent1">
+            <a:lumMod val="75000"/>
+          </a:schemeClr>
+        </a:buClr>
+        <a:buSzPct val="85000"/>
+        <a:buFont typeface="Wingdings" pitchFamily="2" charset="2"/>
+        <a:buChar char="§"/>
+        <a:defRPr sz="1600" kern="1200">
           <a:solidFill>
             <a:schemeClr val="tx1"/>
           </a:solidFill>
@@ -3325,6 +4096,65 @@
           <a:chExt cx="0" cy="0"/>
         </a:xfrm>
       </p:grpSpPr>
+      <p:sp>
+        <p:nvSpPr>
+          <p:cNvPr id="2" name="TextBox 1">
+            <a:extLst>
+              <a:ext uri="{FF2B5EF4-FFF2-40B4-BE49-F238E27FC236}">
+                <a16:creationId xmlns:a16="http://schemas.microsoft.com/office/drawing/2014/main" id="{C91151A7-4378-4762-A2A5-49E2C7145DD4}"/>
+              </a:ext>
+            </a:extLst>
+          </p:cNvPr>
+          <p:cNvSpPr txBox="1"/>
+          <p:nvPr/>
+        </p:nvSpPr>
+        <p:spPr>
+          <a:xfrm>
+            <a:off x="886410" y="2146040"/>
+            <a:ext cx="7408506" cy="1569660"/>
+          </a:xfrm>
+          <a:prstGeom prst="rect">
+            <a:avLst/>
+          </a:prstGeom>
+          <a:noFill/>
+        </p:spPr>
+        <p:txBody>
+          <a:bodyPr wrap="square" rtlCol="0">
+            <a:spAutoFit/>
+          </a:bodyPr>
+          <a:lstStyle/>
+          <a:p>
+            <a:pPr algn="ctr"/>
+            <a:r>
+              <a:rPr lang="en-US" sz="2800" b="1" dirty="0">
+                <a:solidFill>
+                  <a:srgbClr val="C00000"/>
+                </a:solidFill>
+              </a:rPr>
+              <a:t>Minimizing Average Cost per Patient for Thyroid Gland Disorder Diagnosis</a:t>
+            </a:r>
+          </a:p>
+          <a:p>
+            <a:pPr algn="ctr"/>
+            <a:endParaRPr lang="en-US" sz="2000" dirty="0">
+              <a:solidFill>
+                <a:srgbClr val="C00000"/>
+              </a:solidFill>
+            </a:endParaRPr>
+          </a:p>
+          <a:p>
+            <a:pPr algn="ctr"/>
+            <a:r>
+              <a:rPr lang="en-US" sz="2000" dirty="0">
+                <a:solidFill>
+                  <a:srgbClr val="C00000"/>
+                </a:solidFill>
+              </a:rPr>
+              <a:t>By Vince Wu and Ryan Liu</a:t>
+            </a:r>
+          </a:p>
+        </p:txBody>
+      </p:sp>
     </p:spTree>
     <p:extLst>
       <p:ext uri="{BB962C8B-B14F-4D97-AF65-F5344CB8AC3E}">
@@ -3338,10 +4168,2158 @@
 </p:sld>
 </file>
 
+<file path=ppt/slides/slide2.xml><?xml version="1.0" encoding="utf-8"?>
+<p:sld xmlns:a="http://schemas.openxmlformats.org/drawingml/2006/main" xmlns:r="http://schemas.openxmlformats.org/officeDocument/2006/relationships" xmlns:p="http://schemas.openxmlformats.org/presentationml/2006/main">
+  <p:cSld>
+    <p:spTree>
+      <p:nvGrpSpPr>
+        <p:cNvPr id="1" name=""/>
+        <p:cNvGrpSpPr/>
+        <p:nvPr/>
+      </p:nvGrpSpPr>
+      <p:grpSpPr>
+        <a:xfrm>
+          <a:off x="0" y="0"/>
+          <a:ext cx="0" cy="0"/>
+          <a:chOff x="0" y="0"/>
+          <a:chExt cx="0" cy="0"/>
+        </a:xfrm>
+      </p:grpSpPr>
+      <p:sp>
+        <p:nvSpPr>
+          <p:cNvPr id="2" name="Title 1">
+            <a:extLst>
+              <a:ext uri="{FF2B5EF4-FFF2-40B4-BE49-F238E27FC236}">
+                <a16:creationId xmlns:a16="http://schemas.microsoft.com/office/drawing/2014/main" id="{F1C97269-2A8A-4B44-8553-88FEF86B76B1}"/>
+              </a:ext>
+            </a:extLst>
+          </p:cNvPr>
+          <p:cNvSpPr>
+            <a:spLocks noGrp="1"/>
+          </p:cNvSpPr>
+          <p:nvPr>
+            <p:ph type="title"/>
+          </p:nvPr>
+        </p:nvSpPr>
+        <p:spPr>
+          <a:xfrm>
+            <a:off x="685800" y="484632"/>
+            <a:ext cx="7772400" cy="681695"/>
+          </a:xfrm>
+        </p:spPr>
+        <p:txBody>
+          <a:bodyPr/>
+          <a:lstStyle/>
+          <a:p>
+            <a:r>
+              <a:rPr lang="en-US" dirty="0"/>
+              <a:t>Costs Function</a:t>
+            </a:r>
+          </a:p>
+        </p:txBody>
+      </p:sp>
+      <mc:AlternateContent xmlns:mc="http://schemas.openxmlformats.org/markup-compatibility/2006">
+        <mc:Choice xmlns:a14="http://schemas.microsoft.com/office/drawing/2010/main" Requires="a14">
+          <p:sp>
+            <p:nvSpPr>
+              <p:cNvPr id="3" name="Content Placeholder 2">
+                <a:extLst>
+                  <a:ext uri="{FF2B5EF4-FFF2-40B4-BE49-F238E27FC236}">
+                    <a16:creationId xmlns:a16="http://schemas.microsoft.com/office/drawing/2014/main" id="{DA506F26-AABE-4F41-9577-C6C2DEB42605}"/>
+                  </a:ext>
+                </a:extLst>
+              </p:cNvPr>
+              <p:cNvSpPr>
+                <a:spLocks noGrp="1"/>
+              </p:cNvSpPr>
+              <p:nvPr>
+                <p:ph idx="1"/>
+              </p:nvPr>
+            </p:nvSpPr>
+            <p:spPr>
+              <a:xfrm>
+                <a:off x="685800" y="1754155"/>
+                <a:ext cx="7772400" cy="4390613"/>
+              </a:xfrm>
+            </p:spPr>
+            <p:txBody>
+              <a:bodyPr/>
+              <a:lstStyle/>
+              <a:p>
+                <a:r>
+                  <a:rPr lang="en-US" dirty="0"/>
+                  <a:t>Correct Diagnosis (=C) - $0</a:t>
+                </a:r>
+              </a:p>
+              <a:p>
+                <a:r>
+                  <a:rPr lang="en-US" dirty="0"/>
+                  <a:t>Misdiagnosis (=M) - $5000 </a:t>
+                </a:r>
+              </a:p>
+              <a:p>
+                <a:r>
+                  <a:rPr lang="en-US" dirty="0"/>
+                  <a:t>Abstain Prediction (=A) (forward to endocrinologist) - $1000</a:t>
+                </a:r>
+              </a:p>
+              <a:p>
+                <a:r>
+                  <a:rPr lang="en-US" dirty="0"/>
+                  <a:t>Total Number of Patients (N = C+M+A)</a:t>
+                </a:r>
+              </a:p>
+              <a:p>
+                <a:endParaRPr lang="en-US" dirty="0"/>
+              </a:p>
+              <a:p>
+                <a:r>
+                  <a:rPr lang="en-US" dirty="0"/>
+                  <a:t>Total Costs:</a:t>
+                </a:r>
+              </a:p>
+              <a:p>
+                <a:pPr marL="0" indent="0">
+                  <a:buNone/>
+                </a:pPr>
+                <a14:m>
+                  <m:oMathPara xmlns:m="http://schemas.openxmlformats.org/officeDocument/2006/math">
+                    <m:oMathParaPr>
+                      <m:jc m:val="centerGroup"/>
+                    </m:oMathParaPr>
+                    <m:oMath xmlns:m="http://schemas.openxmlformats.org/officeDocument/2006/math">
+                      <m:r>
+                        <a:rPr lang="en-US" b="0" i="1" smtClean="0">
+                          <a:latin typeface="Cambria Math" panose="02040503050406030204" pitchFamily="18" charset="0"/>
+                        </a:rPr>
+                        <m:t>𝑇</m:t>
+                      </m:r>
+                      <m:r>
+                        <a:rPr lang="en-US" b="0" i="1" smtClean="0">
+                          <a:latin typeface="Cambria Math" panose="02040503050406030204" pitchFamily="18" charset="0"/>
+                        </a:rPr>
+                        <m:t>=</m:t>
+                      </m:r>
+                      <m:f>
+                        <m:fPr>
+                          <m:ctrlPr>
+                            <a:rPr lang="en-US" b="0" i="1" smtClean="0">
+                              <a:latin typeface="Cambria Math" panose="02040503050406030204" pitchFamily="18" charset="0"/>
+                            </a:rPr>
+                          </m:ctrlPr>
+                        </m:fPr>
+                        <m:num>
+                          <m:r>
+                            <a:rPr lang="en-US" b="0" i="1" smtClean="0">
+                              <a:latin typeface="Cambria Math" panose="02040503050406030204" pitchFamily="18" charset="0"/>
+                            </a:rPr>
+                            <m:t>5000</m:t>
+                          </m:r>
+                          <m:r>
+                            <a:rPr lang="en-US" b="0" i="1" smtClean="0">
+                              <a:latin typeface="Cambria Math" panose="02040503050406030204" pitchFamily="18" charset="0"/>
+                            </a:rPr>
+                            <m:t>𝑀</m:t>
+                          </m:r>
+                          <m:r>
+                            <a:rPr lang="en-US" b="0" i="1" smtClean="0">
+                              <a:latin typeface="Cambria Math" panose="02040503050406030204" pitchFamily="18" charset="0"/>
+                            </a:rPr>
+                            <m:t>+1000</m:t>
+                          </m:r>
+                          <m:r>
+                            <a:rPr lang="en-US" b="0" i="1" smtClean="0">
+                              <a:latin typeface="Cambria Math" panose="02040503050406030204" pitchFamily="18" charset="0"/>
+                            </a:rPr>
+                            <m:t>𝐴</m:t>
+                          </m:r>
+                        </m:num>
+                        <m:den>
+                          <m:r>
+                            <a:rPr lang="en-US" b="0" i="1" smtClean="0">
+                              <a:latin typeface="Cambria Math" panose="02040503050406030204" pitchFamily="18" charset="0"/>
+                            </a:rPr>
+                            <m:t>𝑁</m:t>
+                          </m:r>
+                        </m:den>
+                      </m:f>
+                    </m:oMath>
+                  </m:oMathPara>
+                </a14:m>
+                <a:endParaRPr lang="en-US" dirty="0"/>
+              </a:p>
+            </p:txBody>
+          </p:sp>
+        </mc:Choice>
+        <mc:Fallback>
+          <p:sp>
+            <p:nvSpPr>
+              <p:cNvPr id="3" name="Content Placeholder 2">
+                <a:extLst>
+                  <a:ext uri="{FF2B5EF4-FFF2-40B4-BE49-F238E27FC236}">
+                    <a16:creationId xmlns:a16="http://schemas.microsoft.com/office/drawing/2014/main" id="{DA506F26-AABE-4F41-9577-C6C2DEB42605}"/>
+                  </a:ext>
+                </a:extLst>
+              </p:cNvPr>
+              <p:cNvSpPr>
+                <a:spLocks noGrp="1" noRot="1" noChangeAspect="1" noMove="1" noResize="1" noEditPoints="1" noAdjustHandles="1" noChangeArrowheads="1" noChangeShapeType="1" noTextEdit="1"/>
+              </p:cNvSpPr>
+              <p:nvPr>
+                <p:ph idx="1"/>
+              </p:nvPr>
+            </p:nvSpPr>
+            <p:spPr>
+              <a:xfrm>
+                <a:off x="685800" y="1754155"/>
+                <a:ext cx="7772400" cy="4390613"/>
+              </a:xfrm>
+              <a:blipFill>
+                <a:blip r:embed="rId2"/>
+                <a:stretch>
+                  <a:fillRect l="-392" t="-1528"/>
+                </a:stretch>
+              </a:blipFill>
+            </p:spPr>
+            <p:txBody>
+              <a:bodyPr/>
+              <a:lstStyle/>
+              <a:p>
+                <a:r>
+                  <a:rPr lang="en-US">
+                    <a:noFill/>
+                  </a:rPr>
+                  <a:t> </a:t>
+                </a:r>
+              </a:p>
+            </p:txBody>
+          </p:sp>
+        </mc:Fallback>
+      </mc:AlternateContent>
+    </p:spTree>
+    <p:extLst>
+      <p:ext uri="{BB962C8B-B14F-4D97-AF65-F5344CB8AC3E}">
+        <p14:creationId xmlns:p14="http://schemas.microsoft.com/office/powerpoint/2010/main" val="3656143165"/>
+      </p:ext>
+    </p:extLst>
+  </p:cSld>
+  <p:clrMapOvr>
+    <a:masterClrMapping/>
+  </p:clrMapOvr>
+</p:sld>
+</file>
+
+<file path=ppt/slides/slide3.xml><?xml version="1.0" encoding="utf-8"?>
+<p:sld xmlns:a="http://schemas.openxmlformats.org/drawingml/2006/main" xmlns:r="http://schemas.openxmlformats.org/officeDocument/2006/relationships" xmlns:p="http://schemas.openxmlformats.org/presentationml/2006/main">
+  <p:cSld>
+    <p:spTree>
+      <p:nvGrpSpPr>
+        <p:cNvPr id="1" name=""/>
+        <p:cNvGrpSpPr/>
+        <p:nvPr/>
+      </p:nvGrpSpPr>
+      <p:grpSpPr>
+        <a:xfrm>
+          <a:off x="0" y="0"/>
+          <a:ext cx="0" cy="0"/>
+          <a:chOff x="0" y="0"/>
+          <a:chExt cx="0" cy="0"/>
+        </a:xfrm>
+      </p:grpSpPr>
+      <p:pic>
+        <p:nvPicPr>
+          <p:cNvPr id="9" name="Content Placeholder 8">
+            <a:extLst>
+              <a:ext uri="{FF2B5EF4-FFF2-40B4-BE49-F238E27FC236}">
+                <a16:creationId xmlns:a16="http://schemas.microsoft.com/office/drawing/2014/main" id="{F8E61221-3286-454E-9B1A-41D0A888BED1}"/>
+              </a:ext>
+            </a:extLst>
+          </p:cNvPr>
+          <p:cNvPicPr>
+            <a:picLocks noGrp="1" noChangeAspect="1"/>
+          </p:cNvPicPr>
+          <p:nvPr>
+            <p:ph idx="1"/>
+          </p:nvPr>
+        </p:nvPicPr>
+        <p:blipFill>
+          <a:blip r:embed="rId2">
+            <a:extLst>
+              <a:ext uri="{28A0092B-C50C-407E-A947-70E740481C1C}">
+                <a14:useLocalDpi xmlns:a14="http://schemas.microsoft.com/office/drawing/2010/main" val="0"/>
+              </a:ext>
+            </a:extLst>
+          </a:blip>
+          <a:stretch>
+            <a:fillRect/>
+          </a:stretch>
+        </p:blipFill>
+        <p:spPr>
+          <a:xfrm>
+            <a:off x="303245" y="1166327"/>
+            <a:ext cx="3979506" cy="3056722"/>
+          </a:xfrm>
+        </p:spPr>
+      </p:pic>
+      <p:sp>
+        <p:nvSpPr>
+          <p:cNvPr id="12" name="Title 1">
+            <a:extLst>
+              <a:ext uri="{FF2B5EF4-FFF2-40B4-BE49-F238E27FC236}">
+                <a16:creationId xmlns:a16="http://schemas.microsoft.com/office/drawing/2014/main" id="{F4A005F2-6563-4C8F-BF12-F1178F86258D}"/>
+              </a:ext>
+            </a:extLst>
+          </p:cNvPr>
+          <p:cNvSpPr txBox="1">
+            <a:spLocks/>
+          </p:cNvSpPr>
+          <p:nvPr/>
+        </p:nvSpPr>
+        <p:spPr>
+          <a:xfrm>
+            <a:off x="685800" y="484632"/>
+            <a:ext cx="7772400" cy="681695"/>
+          </a:xfrm>
+          <a:prstGeom prst="rect">
+            <a:avLst/>
+          </a:prstGeom>
+        </p:spPr>
+        <p:txBody>
+          <a:bodyPr vert="horz" lIns="91440" tIns="45720" rIns="91440" bIns="45720" rtlCol="0" anchor="ctr">
+            <a:normAutofit/>
+          </a:bodyPr>
+          <a:lstStyle>
+            <a:lvl1pPr algn="l" defTabSz="914400" rtl="0" eaLnBrk="1" latinLnBrk="0" hangingPunct="1">
+              <a:lnSpc>
+                <a:spcPct val="90000"/>
+              </a:lnSpc>
+              <a:spcBef>
+                <a:spcPct val="0"/>
+              </a:spcBef>
+              <a:buNone/>
+              <a:defRPr sz="4200" b="0" kern="1200" cap="all" baseline="0">
+                <a:blipFill>
+                  <a:blip r:embed="rId3">
+                    <a:extLst>
+                      <a:ext uri="{28A0092B-C50C-407E-A947-70E740481C1C}">
+                        <a14:useLocalDpi xmlns:a14="http://schemas.microsoft.com/office/drawing/2010/main" val="0"/>
+                      </a:ext>
+                    </a:extLst>
+                  </a:blip>
+                  <a:tile tx="6350" ty="-127000" sx="65000" sy="64000" flip="none" algn="tl"/>
+                </a:blipFill>
+                <a:latin typeface="+mj-lt"/>
+                <a:ea typeface="+mj-ea"/>
+                <a:cs typeface="+mj-cs"/>
+              </a:defRPr>
+            </a:lvl1pPr>
+          </a:lstStyle>
+          <a:p>
+            <a:r>
+              <a:rPr lang="en-US" dirty="0"/>
+              <a:t>Probability Analysis</a:t>
+            </a:r>
+          </a:p>
+        </p:txBody>
+      </p:sp>
+      <p:pic>
+        <p:nvPicPr>
+          <p:cNvPr id="14" name="Picture 13">
+            <a:extLst>
+              <a:ext uri="{FF2B5EF4-FFF2-40B4-BE49-F238E27FC236}">
+                <a16:creationId xmlns:a16="http://schemas.microsoft.com/office/drawing/2014/main" id="{1B763A24-5118-488C-8FF0-2D93C1869CC2}"/>
+              </a:ext>
+            </a:extLst>
+          </p:cNvPr>
+          <p:cNvPicPr>
+            <a:picLocks noChangeAspect="1"/>
+          </p:cNvPicPr>
+          <p:nvPr/>
+        </p:nvPicPr>
+        <p:blipFill>
+          <a:blip r:embed="rId4">
+            <a:extLst>
+              <a:ext uri="{28A0092B-C50C-407E-A947-70E740481C1C}">
+                <a14:useLocalDpi xmlns:a14="http://schemas.microsoft.com/office/drawing/2010/main" val="0"/>
+              </a:ext>
+            </a:extLst>
+          </a:blip>
+          <a:stretch>
+            <a:fillRect/>
+          </a:stretch>
+        </p:blipFill>
+        <p:spPr>
+          <a:xfrm>
+            <a:off x="4665306" y="1166327"/>
+            <a:ext cx="3966690" cy="3056722"/>
+          </a:xfrm>
+          <a:prstGeom prst="rect">
+            <a:avLst/>
+          </a:prstGeom>
+        </p:spPr>
+      </p:pic>
+      <p:sp>
+        <p:nvSpPr>
+          <p:cNvPr id="15" name="Content Placeholder 2">
+            <a:extLst>
+              <a:ext uri="{FF2B5EF4-FFF2-40B4-BE49-F238E27FC236}">
+                <a16:creationId xmlns:a16="http://schemas.microsoft.com/office/drawing/2014/main" id="{689491BE-4C77-4AAA-BD06-05D1E4634ADF}"/>
+              </a:ext>
+            </a:extLst>
+          </p:cNvPr>
+          <p:cNvSpPr txBox="1">
+            <a:spLocks/>
+          </p:cNvSpPr>
+          <p:nvPr/>
+        </p:nvSpPr>
+        <p:spPr>
+          <a:xfrm>
+            <a:off x="685800" y="4223048"/>
+            <a:ext cx="7772400" cy="2019131"/>
+          </a:xfrm>
+          <a:prstGeom prst="rect">
+            <a:avLst/>
+          </a:prstGeom>
+        </p:spPr>
+        <p:txBody>
+          <a:bodyPr vert="horz" lIns="91440" tIns="45720" rIns="91440" bIns="45720" rtlCol="0">
+            <a:normAutofit/>
+          </a:bodyPr>
+          <a:lstStyle>
+            <a:lvl1pPr marL="182880" indent="-182880" algn="l" defTabSz="914400" rtl="0" eaLnBrk="1" latinLnBrk="0" hangingPunct="1">
+              <a:lnSpc>
+                <a:spcPct val="90000"/>
+              </a:lnSpc>
+              <a:spcBef>
+                <a:spcPts val="1200"/>
+              </a:spcBef>
+              <a:buClr>
+                <a:schemeClr val="accent1">
+                  <a:lumMod val="75000"/>
+                </a:schemeClr>
+              </a:buClr>
+              <a:buSzPct val="85000"/>
+              <a:buFont typeface="Wingdings" pitchFamily="2" charset="2"/>
+              <a:buChar char="§"/>
+              <a:defRPr sz="2000" kern="1200">
+                <a:solidFill>
+                  <a:schemeClr val="tx1"/>
+                </a:solidFill>
+                <a:latin typeface="+mn-lt"/>
+                <a:ea typeface="+mn-ea"/>
+                <a:cs typeface="+mn-cs"/>
+              </a:defRPr>
+            </a:lvl1pPr>
+            <a:lvl2pPr marL="457200" indent="-182880" algn="l" defTabSz="914400" rtl="0" eaLnBrk="1" latinLnBrk="0" hangingPunct="1">
+              <a:lnSpc>
+                <a:spcPct val="90000"/>
+              </a:lnSpc>
+              <a:spcBef>
+                <a:spcPts val="400"/>
+              </a:spcBef>
+              <a:spcAft>
+                <a:spcPts val="200"/>
+              </a:spcAft>
+              <a:buClr>
+                <a:schemeClr val="accent1">
+                  <a:lumMod val="75000"/>
+                </a:schemeClr>
+              </a:buClr>
+              <a:buSzPct val="85000"/>
+              <a:buFont typeface="Wingdings" pitchFamily="2" charset="2"/>
+              <a:buChar char="§"/>
+              <a:defRPr sz="1800" kern="1200">
+                <a:solidFill>
+                  <a:schemeClr val="tx1"/>
+                </a:solidFill>
+                <a:latin typeface="+mn-lt"/>
+                <a:ea typeface="+mn-ea"/>
+                <a:cs typeface="+mn-cs"/>
+              </a:defRPr>
+            </a:lvl2pPr>
+            <a:lvl3pPr marL="731520" indent="-182880" algn="l" defTabSz="914400" rtl="0" eaLnBrk="1" latinLnBrk="0" hangingPunct="1">
+              <a:lnSpc>
+                <a:spcPct val="90000"/>
+              </a:lnSpc>
+              <a:spcBef>
+                <a:spcPts val="400"/>
+              </a:spcBef>
+              <a:spcAft>
+                <a:spcPts val="200"/>
+              </a:spcAft>
+              <a:buClr>
+                <a:schemeClr val="accent1">
+                  <a:lumMod val="75000"/>
+                </a:schemeClr>
+              </a:buClr>
+              <a:buSzPct val="85000"/>
+              <a:buFont typeface="Wingdings" pitchFamily="2" charset="2"/>
+              <a:buChar char="§"/>
+              <a:defRPr sz="1600" kern="1200">
+                <a:solidFill>
+                  <a:schemeClr val="tx1"/>
+                </a:solidFill>
+                <a:latin typeface="+mn-lt"/>
+                <a:ea typeface="+mn-ea"/>
+                <a:cs typeface="+mn-cs"/>
+              </a:defRPr>
+            </a:lvl3pPr>
+            <a:lvl4pPr marL="1005840" indent="-182880" algn="l" defTabSz="914400" rtl="0" eaLnBrk="1" latinLnBrk="0" hangingPunct="1">
+              <a:lnSpc>
+                <a:spcPct val="90000"/>
+              </a:lnSpc>
+              <a:spcBef>
+                <a:spcPts val="400"/>
+              </a:spcBef>
+              <a:spcAft>
+                <a:spcPts val="200"/>
+              </a:spcAft>
+              <a:buClr>
+                <a:schemeClr val="accent1">
+                  <a:lumMod val="75000"/>
+                </a:schemeClr>
+              </a:buClr>
+              <a:buSzPct val="85000"/>
+              <a:buFont typeface="Wingdings" pitchFamily="2" charset="2"/>
+              <a:buChar char="§"/>
+              <a:defRPr sz="1600" kern="1200">
+                <a:solidFill>
+                  <a:schemeClr val="tx1"/>
+                </a:solidFill>
+                <a:latin typeface="+mn-lt"/>
+                <a:ea typeface="+mn-ea"/>
+                <a:cs typeface="+mn-cs"/>
+              </a:defRPr>
+            </a:lvl4pPr>
+            <a:lvl5pPr marL="1280160" indent="-182880" algn="l" defTabSz="914400" rtl="0" eaLnBrk="1" latinLnBrk="0" hangingPunct="1">
+              <a:lnSpc>
+                <a:spcPct val="90000"/>
+              </a:lnSpc>
+              <a:spcBef>
+                <a:spcPts val="400"/>
+              </a:spcBef>
+              <a:spcAft>
+                <a:spcPts val="200"/>
+              </a:spcAft>
+              <a:buClr>
+                <a:schemeClr val="accent1">
+                  <a:lumMod val="75000"/>
+                </a:schemeClr>
+              </a:buClr>
+              <a:buSzPct val="85000"/>
+              <a:buFont typeface="Wingdings" pitchFamily="2" charset="2"/>
+              <a:buChar char="§"/>
+              <a:defRPr sz="1600" kern="1200">
+                <a:solidFill>
+                  <a:schemeClr val="tx1"/>
+                </a:solidFill>
+                <a:latin typeface="+mn-lt"/>
+                <a:ea typeface="+mn-ea"/>
+                <a:cs typeface="+mn-cs"/>
+              </a:defRPr>
+            </a:lvl5pPr>
+            <a:lvl6pPr marL="1600000" indent="-228600" algn="l" defTabSz="914400" rtl="0" eaLnBrk="1" latinLnBrk="0" hangingPunct="1">
+              <a:lnSpc>
+                <a:spcPct val="90000"/>
+              </a:lnSpc>
+              <a:spcBef>
+                <a:spcPts val="400"/>
+              </a:spcBef>
+              <a:spcAft>
+                <a:spcPts val="200"/>
+              </a:spcAft>
+              <a:buClr>
+                <a:schemeClr val="accent1">
+                  <a:lumMod val="75000"/>
+                </a:schemeClr>
+              </a:buClr>
+              <a:buSzPct val="85000"/>
+              <a:buFont typeface="Wingdings" pitchFamily="2" charset="2"/>
+              <a:buChar char="§"/>
+              <a:defRPr sz="1600" kern="1200">
+                <a:solidFill>
+                  <a:schemeClr val="tx1"/>
+                </a:solidFill>
+                <a:latin typeface="+mn-lt"/>
+                <a:ea typeface="+mn-ea"/>
+                <a:cs typeface="+mn-cs"/>
+              </a:defRPr>
+            </a:lvl6pPr>
+            <a:lvl7pPr marL="1900000" indent="-228600" algn="l" defTabSz="914400" rtl="0" eaLnBrk="1" latinLnBrk="0" hangingPunct="1">
+              <a:lnSpc>
+                <a:spcPct val="90000"/>
+              </a:lnSpc>
+              <a:spcBef>
+                <a:spcPts val="400"/>
+              </a:spcBef>
+              <a:spcAft>
+                <a:spcPts val="200"/>
+              </a:spcAft>
+              <a:buClr>
+                <a:schemeClr val="accent1">
+                  <a:lumMod val="75000"/>
+                </a:schemeClr>
+              </a:buClr>
+              <a:buSzPct val="85000"/>
+              <a:buFont typeface="Wingdings" pitchFamily="2" charset="2"/>
+              <a:buChar char="§"/>
+              <a:defRPr sz="1600" kern="1200">
+                <a:solidFill>
+                  <a:schemeClr val="tx1"/>
+                </a:solidFill>
+                <a:latin typeface="+mn-lt"/>
+                <a:ea typeface="+mn-ea"/>
+                <a:cs typeface="+mn-cs"/>
+              </a:defRPr>
+            </a:lvl7pPr>
+            <a:lvl8pPr marL="2200000" indent="-228600" algn="l" defTabSz="914400" rtl="0" eaLnBrk="1" latinLnBrk="0" hangingPunct="1">
+              <a:lnSpc>
+                <a:spcPct val="90000"/>
+              </a:lnSpc>
+              <a:spcBef>
+                <a:spcPts val="400"/>
+              </a:spcBef>
+              <a:spcAft>
+                <a:spcPts val="200"/>
+              </a:spcAft>
+              <a:buClr>
+                <a:schemeClr val="accent1">
+                  <a:lumMod val="75000"/>
+                </a:schemeClr>
+              </a:buClr>
+              <a:buSzPct val="85000"/>
+              <a:buFont typeface="Wingdings" pitchFamily="2" charset="2"/>
+              <a:buChar char="§"/>
+              <a:defRPr sz="1600" kern="1200">
+                <a:solidFill>
+                  <a:schemeClr val="tx1"/>
+                </a:solidFill>
+                <a:latin typeface="+mn-lt"/>
+                <a:ea typeface="+mn-ea"/>
+                <a:cs typeface="+mn-cs"/>
+              </a:defRPr>
+            </a:lvl8pPr>
+            <a:lvl9pPr marL="2500000" indent="-228600" algn="l" defTabSz="914400" rtl="0" eaLnBrk="1" latinLnBrk="0" hangingPunct="1">
+              <a:lnSpc>
+                <a:spcPct val="90000"/>
+              </a:lnSpc>
+              <a:spcBef>
+                <a:spcPts val="400"/>
+              </a:spcBef>
+              <a:spcAft>
+                <a:spcPts val="200"/>
+              </a:spcAft>
+              <a:buClr>
+                <a:schemeClr val="accent1">
+                  <a:lumMod val="75000"/>
+                </a:schemeClr>
+              </a:buClr>
+              <a:buSzPct val="85000"/>
+              <a:buFont typeface="Wingdings" pitchFamily="2" charset="2"/>
+              <a:buChar char="§"/>
+              <a:defRPr sz="1600" kern="1200">
+                <a:solidFill>
+                  <a:schemeClr val="tx1"/>
+                </a:solidFill>
+                <a:latin typeface="+mn-lt"/>
+                <a:ea typeface="+mn-ea"/>
+                <a:cs typeface="+mn-cs"/>
+              </a:defRPr>
+            </a:lvl9pPr>
+          </a:lstStyle>
+          <a:p>
+            <a:endParaRPr lang="en-US" dirty="0"/>
+          </a:p>
+          <a:p>
+            <a:r>
+              <a:rPr lang="en-US" dirty="0" err="1"/>
+              <a:t>OvR</a:t>
+            </a:r>
+            <a:r>
+              <a:rPr lang="en-US" dirty="0"/>
+              <a:t> (by default threshold) assign classification with p &gt; 0.5</a:t>
+            </a:r>
+          </a:p>
+          <a:p>
+            <a:r>
+              <a:rPr lang="en-US" dirty="0"/>
+              <a:t>Larger p </a:t>
+            </a:r>
+            <a:r>
+              <a:rPr lang="en-US" dirty="0">
+                <a:sym typeface="Wingdings" panose="05000000000000000000" pitchFamily="2" charset="2"/>
+              </a:rPr>
+              <a:t> Higher chance for correct prediction (diagnosis)</a:t>
+            </a:r>
+          </a:p>
+          <a:p>
+            <a:r>
+              <a:rPr lang="en-US" dirty="0">
+                <a:sym typeface="Wingdings" panose="05000000000000000000" pitchFamily="2" charset="2"/>
+              </a:rPr>
+              <a:t>Smaller p  More likely for misdiagnosis</a:t>
+            </a:r>
+          </a:p>
+        </p:txBody>
+      </p:sp>
+    </p:spTree>
+    <p:extLst>
+      <p:ext uri="{BB962C8B-B14F-4D97-AF65-F5344CB8AC3E}">
+        <p14:creationId xmlns:p14="http://schemas.microsoft.com/office/powerpoint/2010/main" val="578182765"/>
+      </p:ext>
+    </p:extLst>
+  </p:cSld>
+  <p:clrMapOvr>
+    <a:masterClrMapping/>
+  </p:clrMapOvr>
+</p:sld>
+</file>
+
+<file path=ppt/slides/slide4.xml><?xml version="1.0" encoding="utf-8"?>
+<p:sld xmlns:a="http://schemas.openxmlformats.org/drawingml/2006/main" xmlns:r="http://schemas.openxmlformats.org/officeDocument/2006/relationships" xmlns:p="http://schemas.openxmlformats.org/presentationml/2006/main">
+  <p:cSld>
+    <p:spTree>
+      <p:nvGrpSpPr>
+        <p:cNvPr id="1" name=""/>
+        <p:cNvGrpSpPr/>
+        <p:nvPr/>
+      </p:nvGrpSpPr>
+      <p:grpSpPr>
+        <a:xfrm>
+          <a:off x="0" y="0"/>
+          <a:ext cx="0" cy="0"/>
+          <a:chOff x="0" y="0"/>
+          <a:chExt cx="0" cy="0"/>
+        </a:xfrm>
+      </p:grpSpPr>
+      <mc:AlternateContent xmlns:mc="http://schemas.openxmlformats.org/markup-compatibility/2006">
+        <mc:Choice xmlns:a14="http://schemas.microsoft.com/office/drawing/2010/main" Requires="a14">
+          <p:sp>
+            <p:nvSpPr>
+              <p:cNvPr id="3" name="Content Placeholder 2">
+                <a:extLst>
+                  <a:ext uri="{FF2B5EF4-FFF2-40B4-BE49-F238E27FC236}">
+                    <a16:creationId xmlns:a16="http://schemas.microsoft.com/office/drawing/2014/main" id="{31037AE2-3BB4-4CCF-9BD2-569777D18F80}"/>
+                  </a:ext>
+                </a:extLst>
+              </p:cNvPr>
+              <p:cNvSpPr>
+                <a:spLocks noGrp="1"/>
+              </p:cNvSpPr>
+              <p:nvPr>
+                <p:ph idx="1"/>
+              </p:nvPr>
+            </p:nvSpPr>
+            <p:spPr>
+              <a:xfrm>
+                <a:off x="685800" y="1352939"/>
+                <a:ext cx="7772400" cy="4819261"/>
+              </a:xfrm>
+            </p:spPr>
+            <p:txBody>
+              <a:bodyPr/>
+              <a:lstStyle/>
+              <a:p>
+                <a:r>
+                  <a:rPr lang="en-US" dirty="0">
+                    <a:sym typeface="Wingdings" panose="05000000000000000000" pitchFamily="2" charset="2"/>
+                  </a:rPr>
+                  <a:t>With </a:t>
+                </a:r>
+                <a:r>
+                  <a:rPr lang="en-US" dirty="0" err="1">
+                    <a:sym typeface="Wingdings" panose="05000000000000000000" pitchFamily="2" charset="2"/>
+                  </a:rPr>
+                  <a:t>OvR</a:t>
+                </a:r>
+                <a:r>
+                  <a:rPr lang="en-US" dirty="0">
+                    <a:sym typeface="Wingdings" panose="05000000000000000000" pitchFamily="2" charset="2"/>
+                  </a:rPr>
+                  <a:t> default threshold th = 0.5 (A = 0)</a:t>
+                </a:r>
+              </a:p>
+              <a:p>
+                <a:pPr lvl="1"/>
+                <a:endParaRPr lang="en-US" dirty="0">
+                  <a:sym typeface="Wingdings" panose="05000000000000000000" pitchFamily="2" charset="2"/>
+                </a:endParaRPr>
+              </a:p>
+              <a:p>
+                <a:pPr lvl="1"/>
+                <a14:m>
+                  <m:oMath xmlns:m="http://schemas.openxmlformats.org/officeDocument/2006/math">
+                    <m:r>
+                      <a:rPr lang="en-US" i="1">
+                        <a:latin typeface="Cambria Math" panose="02040503050406030204" pitchFamily="18" charset="0"/>
+                      </a:rPr>
+                      <m:t>𝑇</m:t>
+                    </m:r>
+                    <m:r>
+                      <a:rPr lang="en-US" i="1">
+                        <a:latin typeface="Cambria Math" panose="02040503050406030204" pitchFamily="18" charset="0"/>
+                      </a:rPr>
+                      <m:t>=</m:t>
+                    </m:r>
+                    <m:f>
+                      <m:fPr>
+                        <m:ctrlPr>
+                          <a:rPr lang="en-US" i="1">
+                            <a:latin typeface="Cambria Math" panose="02040503050406030204" pitchFamily="18" charset="0"/>
+                          </a:rPr>
+                        </m:ctrlPr>
+                      </m:fPr>
+                      <m:num>
+                        <m:r>
+                          <a:rPr lang="en-US" i="1">
+                            <a:latin typeface="Cambria Math" panose="02040503050406030204" pitchFamily="18" charset="0"/>
+                          </a:rPr>
+                          <m:t>5000</m:t>
+                        </m:r>
+                        <m:r>
+                          <a:rPr lang="en-US" i="1">
+                            <a:latin typeface="Cambria Math" panose="02040503050406030204" pitchFamily="18" charset="0"/>
+                          </a:rPr>
+                          <m:t>𝑀</m:t>
+                        </m:r>
+                        <m:r>
+                          <a:rPr lang="en-US" i="1">
+                            <a:latin typeface="Cambria Math" panose="02040503050406030204" pitchFamily="18" charset="0"/>
+                          </a:rPr>
+                          <m:t>+1000</m:t>
+                        </m:r>
+                        <m:r>
+                          <a:rPr lang="en-US" i="1">
+                            <a:latin typeface="Cambria Math" panose="02040503050406030204" pitchFamily="18" charset="0"/>
+                          </a:rPr>
+                          <m:t>𝐴</m:t>
+                        </m:r>
+                      </m:num>
+                      <m:den>
+                        <m:r>
+                          <a:rPr lang="en-US" i="1">
+                            <a:latin typeface="Cambria Math" panose="02040503050406030204" pitchFamily="18" charset="0"/>
+                          </a:rPr>
+                          <m:t>𝑁</m:t>
+                        </m:r>
+                      </m:den>
+                    </m:f>
+                    <m:r>
+                      <a:rPr lang="en-US" b="0" i="1" smtClean="0">
+                        <a:latin typeface="Cambria Math" panose="02040503050406030204" pitchFamily="18" charset="0"/>
+                      </a:rPr>
+                      <m:t>=</m:t>
+                    </m:r>
+                  </m:oMath>
+                </a14:m>
+                <a:r>
+                  <a:rPr lang="en-US" dirty="0"/>
+                  <a:t> </a:t>
+                </a:r>
+                <a14:m>
+                  <m:oMath xmlns:m="http://schemas.openxmlformats.org/officeDocument/2006/math">
+                    <m:f>
+                      <m:fPr>
+                        <m:ctrlPr>
+                          <a:rPr lang="en-US" i="1">
+                            <a:latin typeface="Cambria Math" panose="02040503050406030204" pitchFamily="18" charset="0"/>
+                          </a:rPr>
+                        </m:ctrlPr>
+                      </m:fPr>
+                      <m:num>
+                        <m:r>
+                          <a:rPr lang="en-US" i="1">
+                            <a:latin typeface="Cambria Math" panose="02040503050406030204" pitchFamily="18" charset="0"/>
+                          </a:rPr>
+                          <m:t>5000</m:t>
+                        </m:r>
+                        <m:r>
+                          <a:rPr lang="en-US" i="1">
+                            <a:latin typeface="Cambria Math" panose="02040503050406030204" pitchFamily="18" charset="0"/>
+                          </a:rPr>
+                          <m:t>𝑀</m:t>
+                        </m:r>
+                      </m:num>
+                      <m:den>
+                        <m:r>
+                          <a:rPr lang="en-US" i="1">
+                            <a:latin typeface="Cambria Math" panose="02040503050406030204" pitchFamily="18" charset="0"/>
+                          </a:rPr>
+                          <m:t>𝑁</m:t>
+                        </m:r>
+                      </m:den>
+                    </m:f>
+                    <m:r>
+                      <a:rPr lang="en-US" b="0" i="1" smtClean="0">
+                        <a:latin typeface="Cambria Math" panose="02040503050406030204" pitchFamily="18" charset="0"/>
+                      </a:rPr>
+                      <m:t>=</m:t>
+                    </m:r>
+                  </m:oMath>
+                </a14:m>
+                <a:r>
+                  <a:rPr lang="en-US" dirty="0"/>
+                  <a:t> </a:t>
+                </a:r>
+                <a14:m>
+                  <m:oMath xmlns:m="http://schemas.openxmlformats.org/officeDocument/2006/math">
+                    <m:f>
+                      <m:fPr>
+                        <m:ctrlPr>
+                          <a:rPr lang="en-US" i="1">
+                            <a:latin typeface="Cambria Math" panose="02040503050406030204" pitchFamily="18" charset="0"/>
+                          </a:rPr>
+                        </m:ctrlPr>
+                      </m:fPr>
+                      <m:num>
+                        <m:r>
+                          <a:rPr lang="en-US" i="1">
+                            <a:latin typeface="Cambria Math" panose="02040503050406030204" pitchFamily="18" charset="0"/>
+                          </a:rPr>
+                          <m:t>5000</m:t>
+                        </m:r>
+                        <m:r>
+                          <a:rPr lang="en-US" b="0" i="1" smtClean="0">
+                            <a:latin typeface="Cambria Math" panose="02040503050406030204" pitchFamily="18" charset="0"/>
+                          </a:rPr>
+                          <m:t>∗16</m:t>
+                        </m:r>
+                      </m:num>
+                      <m:den>
+                        <m:r>
+                          <a:rPr lang="en-US" b="0" i="1" smtClean="0">
+                            <a:latin typeface="Cambria Math" panose="02040503050406030204" pitchFamily="18" charset="0"/>
+                          </a:rPr>
+                          <m:t>102</m:t>
+                        </m:r>
+                      </m:den>
+                    </m:f>
+                    <m:r>
+                      <a:rPr lang="en-US" b="0" i="1" smtClean="0">
+                        <a:latin typeface="Cambria Math" panose="02040503050406030204" pitchFamily="18" charset="0"/>
+                      </a:rPr>
+                      <m:t>=$784.3</m:t>
+                    </m:r>
+                  </m:oMath>
+                </a14:m>
+                <a:endParaRPr lang="en-US" dirty="0">
+                  <a:sym typeface="Wingdings" panose="05000000000000000000" pitchFamily="2" charset="2"/>
+                </a:endParaRPr>
+              </a:p>
+              <a:p>
+                <a:r>
+                  <a:rPr lang="en-US" dirty="0">
+                    <a:sym typeface="Wingdings" panose="05000000000000000000" pitchFamily="2" charset="2"/>
+                  </a:rPr>
+                  <a:t>With threshold th = 1 (A=N)</a:t>
+                </a:r>
+              </a:p>
+              <a:p>
+                <a:pPr lvl="1"/>
+                <a:r>
+                  <a:rPr lang="en-US" dirty="0">
+                    <a:sym typeface="Wingdings" panose="05000000000000000000" pitchFamily="2" charset="2"/>
+                  </a:rPr>
+                  <a:t>T = $1000</a:t>
+                </a:r>
+              </a:p>
+              <a:p>
+                <a:endParaRPr lang="en-US" dirty="0">
+                  <a:sym typeface="Wingdings" panose="05000000000000000000" pitchFamily="2" charset="2"/>
+                </a:endParaRPr>
+              </a:p>
+              <a:p>
+                <a:pPr marL="0" indent="0">
+                  <a:buNone/>
+                </a:pPr>
+                <a:r>
+                  <a:rPr lang="en-US" i="1" dirty="0">
+                    <a:sym typeface="Wingdings" panose="05000000000000000000" pitchFamily="2" charset="2"/>
+                  </a:rPr>
+                  <a:t>Idea</a:t>
+                </a:r>
+                <a:r>
+                  <a:rPr lang="en-US" dirty="0">
+                    <a:sym typeface="Wingdings" panose="05000000000000000000" pitchFamily="2" charset="2"/>
+                  </a:rPr>
+                  <a:t>:</a:t>
+                </a:r>
+              </a:p>
+              <a:p>
+                <a:r>
+                  <a:rPr lang="en-US" dirty="0">
+                    <a:sym typeface="Wingdings" panose="05000000000000000000" pitchFamily="2" charset="2"/>
+                  </a:rPr>
+                  <a:t>Set new threshold th (if p &gt; th predict; if p &lt; th abstain)</a:t>
+                </a:r>
+              </a:p>
+              <a:p>
+                <a:pPr lvl="1"/>
+                <a:r>
+                  <a:rPr lang="en-US" dirty="0">
+                    <a:sym typeface="Wingdings" panose="05000000000000000000" pitchFamily="2" charset="2"/>
+                  </a:rPr>
+                  <a:t>th </a:t>
+                </a:r>
+                <a14:m>
+                  <m:oMath xmlns:m="http://schemas.openxmlformats.org/officeDocument/2006/math">
+                    <m:r>
+                      <a:rPr lang="en-US" i="1">
+                        <a:solidFill>
+                          <a:prstClr val="black"/>
+                        </a:solidFill>
+                        <a:latin typeface="Cambria Math" panose="02040503050406030204" pitchFamily="18" charset="0"/>
+                        <a:ea typeface="Cambria Math" panose="02040503050406030204" pitchFamily="18" charset="0"/>
+                        <a:sym typeface="Wingdings" panose="05000000000000000000" pitchFamily="2" charset="2"/>
+                      </a:rPr>
+                      <m:t>↑</m:t>
+                    </m:r>
+                  </m:oMath>
+                </a14:m>
+                <a:r>
+                  <a:rPr lang="en-US" dirty="0">
+                    <a:sym typeface="Wingdings" panose="05000000000000000000" pitchFamily="2" charset="2"/>
+                  </a:rPr>
+                  <a:t>  M</a:t>
+                </a:r>
+                <a:r>
+                  <a:rPr lang="en-US" dirty="0">
+                    <a:ea typeface="Cambria Math" panose="02040503050406030204" pitchFamily="18" charset="0"/>
+                    <a:sym typeface="Wingdings" panose="05000000000000000000" pitchFamily="2" charset="2"/>
+                  </a:rPr>
+                  <a:t> </a:t>
+                </a:r>
+                <a14:m>
+                  <m:oMath xmlns:m="http://schemas.openxmlformats.org/officeDocument/2006/math">
+                    <m:r>
+                      <a:rPr lang="en-US" i="1">
+                        <a:latin typeface="Cambria Math" panose="02040503050406030204" pitchFamily="18" charset="0"/>
+                        <a:ea typeface="Cambria Math" panose="02040503050406030204" pitchFamily="18" charset="0"/>
+                        <a:sym typeface="Wingdings" panose="05000000000000000000" pitchFamily="2" charset="2"/>
+                      </a:rPr>
+                      <m:t>↓</m:t>
+                    </m:r>
+                  </m:oMath>
+                </a14:m>
+                <a:r>
+                  <a:rPr lang="en-US" dirty="0">
+                    <a:sym typeface="Wingdings" panose="05000000000000000000" pitchFamily="2" charset="2"/>
+                  </a:rPr>
+                  <a:t> and A </a:t>
+                </a:r>
+                <a14:m>
+                  <m:oMath xmlns:m="http://schemas.openxmlformats.org/officeDocument/2006/math">
+                    <m:r>
+                      <a:rPr lang="en-US" i="1">
+                        <a:latin typeface="Cambria Math" panose="02040503050406030204" pitchFamily="18" charset="0"/>
+                        <a:ea typeface="Cambria Math" panose="02040503050406030204" pitchFamily="18" charset="0"/>
+                        <a:sym typeface="Wingdings" panose="05000000000000000000" pitchFamily="2" charset="2"/>
+                      </a:rPr>
+                      <m:t>↑</m:t>
+                    </m:r>
+                  </m:oMath>
+                </a14:m>
+                <a:endParaRPr lang="en-US" dirty="0">
+                  <a:ea typeface="Cambria Math" panose="02040503050406030204" pitchFamily="18" charset="0"/>
+                  <a:sym typeface="Wingdings" panose="05000000000000000000" pitchFamily="2" charset="2"/>
+                </a:endParaRPr>
+              </a:p>
+              <a:p>
+                <a:pPr lvl="1"/>
+                <a:r>
+                  <a:rPr lang="en-US" dirty="0">
+                    <a:sym typeface="Wingdings" panose="05000000000000000000" pitchFamily="2" charset="2"/>
+                  </a:rPr>
+                  <a:t>th </a:t>
+                </a:r>
+                <a14:m>
+                  <m:oMath xmlns:m="http://schemas.openxmlformats.org/officeDocument/2006/math">
+                    <m:r>
+                      <a:rPr lang="en-US" i="1">
+                        <a:latin typeface="Cambria Math" panose="02040503050406030204" pitchFamily="18" charset="0"/>
+                        <a:ea typeface="Cambria Math" panose="02040503050406030204" pitchFamily="18" charset="0"/>
+                        <a:sym typeface="Wingdings" panose="05000000000000000000" pitchFamily="2" charset="2"/>
+                      </a:rPr>
+                      <m:t>↓</m:t>
+                    </m:r>
+                  </m:oMath>
+                </a14:m>
+                <a:r>
+                  <a:rPr lang="en-US" dirty="0">
+                    <a:sym typeface="Wingdings" panose="05000000000000000000" pitchFamily="2" charset="2"/>
+                  </a:rPr>
+                  <a:t>  M </a:t>
+                </a:r>
+                <a14:m>
+                  <m:oMath xmlns:m="http://schemas.openxmlformats.org/officeDocument/2006/math">
+                    <m:r>
+                      <a:rPr lang="en-US" i="1">
+                        <a:latin typeface="Cambria Math" panose="02040503050406030204" pitchFamily="18" charset="0"/>
+                        <a:ea typeface="Cambria Math" panose="02040503050406030204" pitchFamily="18" charset="0"/>
+                        <a:sym typeface="Wingdings" panose="05000000000000000000" pitchFamily="2" charset="2"/>
+                      </a:rPr>
+                      <m:t>↑</m:t>
+                    </m:r>
+                  </m:oMath>
+                </a14:m>
+                <a:r>
+                  <a:rPr lang="en-US" dirty="0">
+                    <a:sym typeface="Wingdings" panose="05000000000000000000" pitchFamily="2" charset="2"/>
+                  </a:rPr>
+                  <a:t> and A </a:t>
+                </a:r>
+                <a14:m>
+                  <m:oMath xmlns:m="http://schemas.openxmlformats.org/officeDocument/2006/math">
+                    <m:r>
+                      <a:rPr lang="en-US" i="1">
+                        <a:latin typeface="Cambria Math" panose="02040503050406030204" pitchFamily="18" charset="0"/>
+                        <a:ea typeface="Cambria Math" panose="02040503050406030204" pitchFamily="18" charset="0"/>
+                        <a:sym typeface="Wingdings" panose="05000000000000000000" pitchFamily="2" charset="2"/>
+                      </a:rPr>
+                      <m:t>↓</m:t>
+                    </m:r>
+                  </m:oMath>
+                </a14:m>
+                <a:endParaRPr lang="en-US" dirty="0">
+                  <a:sym typeface="Wingdings" panose="05000000000000000000" pitchFamily="2" charset="2"/>
+                </a:endParaRPr>
+              </a:p>
+              <a:p>
+                <a:r>
+                  <a:rPr lang="en-US" dirty="0">
+                    <a:sym typeface="Wingdings" panose="05000000000000000000" pitchFamily="2" charset="2"/>
+                  </a:rPr>
+                  <a:t>Optimal threshold th ≠ 0.5 to minimize cost T</a:t>
+                </a:r>
+              </a:p>
+              <a:p>
+                <a:r>
+                  <a:rPr lang="en-US" dirty="0">
+                    <a:sym typeface="Wingdings" panose="05000000000000000000" pitchFamily="2" charset="2"/>
+                  </a:rPr>
+                  <a:t>Sweep threshold th to get minimum cost T</a:t>
+                </a:r>
+                <a:endParaRPr lang="en-US" dirty="0"/>
+              </a:p>
+              <a:p>
+                <a:endParaRPr lang="en-US" dirty="0"/>
+              </a:p>
+            </p:txBody>
+          </p:sp>
+        </mc:Choice>
+        <mc:Fallback>
+          <p:sp>
+            <p:nvSpPr>
+              <p:cNvPr id="3" name="Content Placeholder 2">
+                <a:extLst>
+                  <a:ext uri="{FF2B5EF4-FFF2-40B4-BE49-F238E27FC236}">
+                    <a16:creationId xmlns:a16="http://schemas.microsoft.com/office/drawing/2014/main" id="{31037AE2-3BB4-4CCF-9BD2-569777D18F80}"/>
+                  </a:ext>
+                </a:extLst>
+              </p:cNvPr>
+              <p:cNvSpPr>
+                <a:spLocks noGrp="1" noRot="1" noChangeAspect="1" noMove="1" noResize="1" noEditPoints="1" noAdjustHandles="1" noChangeArrowheads="1" noChangeShapeType="1" noTextEdit="1"/>
+              </p:cNvSpPr>
+              <p:nvPr>
+                <p:ph idx="1"/>
+              </p:nvPr>
+            </p:nvSpPr>
+            <p:spPr>
+              <a:xfrm>
+                <a:off x="685800" y="1352939"/>
+                <a:ext cx="7772400" cy="4819261"/>
+              </a:xfrm>
+              <a:blipFill>
+                <a:blip r:embed="rId2"/>
+                <a:stretch>
+                  <a:fillRect l="-863" t="-1391"/>
+                </a:stretch>
+              </a:blipFill>
+            </p:spPr>
+            <p:txBody>
+              <a:bodyPr/>
+              <a:lstStyle/>
+              <a:p>
+                <a:r>
+                  <a:rPr lang="en-US">
+                    <a:noFill/>
+                  </a:rPr>
+                  <a:t> </a:t>
+                </a:r>
+              </a:p>
+            </p:txBody>
+          </p:sp>
+        </mc:Fallback>
+      </mc:AlternateContent>
+      <p:sp>
+        <p:nvSpPr>
+          <p:cNvPr id="4" name="Title 1">
+            <a:extLst>
+              <a:ext uri="{FF2B5EF4-FFF2-40B4-BE49-F238E27FC236}">
+                <a16:creationId xmlns:a16="http://schemas.microsoft.com/office/drawing/2014/main" id="{F4078790-02EF-45D5-82CB-B31EFBB580DB}"/>
+              </a:ext>
+            </a:extLst>
+          </p:cNvPr>
+          <p:cNvSpPr txBox="1">
+            <a:spLocks/>
+          </p:cNvSpPr>
+          <p:nvPr/>
+        </p:nvSpPr>
+        <p:spPr>
+          <a:xfrm>
+            <a:off x="685800" y="484632"/>
+            <a:ext cx="7772400" cy="681695"/>
+          </a:xfrm>
+          <a:prstGeom prst="rect">
+            <a:avLst/>
+          </a:prstGeom>
+        </p:spPr>
+        <p:txBody>
+          <a:bodyPr vert="horz" lIns="91440" tIns="45720" rIns="91440" bIns="45720" rtlCol="0" anchor="ctr">
+            <a:normAutofit/>
+          </a:bodyPr>
+          <a:lstStyle>
+            <a:lvl1pPr algn="l" defTabSz="914400" rtl="0" eaLnBrk="1" latinLnBrk="0" hangingPunct="1">
+              <a:lnSpc>
+                <a:spcPct val="90000"/>
+              </a:lnSpc>
+              <a:spcBef>
+                <a:spcPct val="0"/>
+              </a:spcBef>
+              <a:buNone/>
+              <a:defRPr sz="4200" b="0" kern="1200" cap="all" baseline="0">
+                <a:blipFill>
+                  <a:blip r:embed="rId3">
+                    <a:extLst>
+                      <a:ext uri="{28A0092B-C50C-407E-A947-70E740481C1C}">
+                        <a14:useLocalDpi xmlns:a14="http://schemas.microsoft.com/office/drawing/2010/main" val="0"/>
+                      </a:ext>
+                    </a:extLst>
+                  </a:blip>
+                  <a:tile tx="6350" ty="-127000" sx="65000" sy="64000" flip="none" algn="tl"/>
+                </a:blipFill>
+                <a:latin typeface="+mj-lt"/>
+                <a:ea typeface="+mj-ea"/>
+                <a:cs typeface="+mj-cs"/>
+              </a:defRPr>
+            </a:lvl1pPr>
+          </a:lstStyle>
+          <a:p>
+            <a:r>
+              <a:rPr lang="en-US" dirty="0"/>
+              <a:t>New model</a:t>
+            </a:r>
+          </a:p>
+        </p:txBody>
+      </p:sp>
+      <p:pic>
+        <p:nvPicPr>
+          <p:cNvPr id="6" name="Picture 5">
+            <a:extLst>
+              <a:ext uri="{FF2B5EF4-FFF2-40B4-BE49-F238E27FC236}">
+                <a16:creationId xmlns:a16="http://schemas.microsoft.com/office/drawing/2014/main" id="{C4061ACA-D300-4850-816A-9E9B60AE9DDB}"/>
+              </a:ext>
+            </a:extLst>
+          </p:cNvPr>
+          <p:cNvPicPr>
+            <a:picLocks noChangeAspect="1"/>
+          </p:cNvPicPr>
+          <p:nvPr/>
+        </p:nvPicPr>
+        <p:blipFill>
+          <a:blip r:embed="rId4">
+            <a:extLst>
+              <a:ext uri="{28A0092B-C50C-407E-A947-70E740481C1C}">
+                <a14:useLocalDpi xmlns:a14="http://schemas.microsoft.com/office/drawing/2010/main" val="0"/>
+              </a:ext>
+            </a:extLst>
+          </a:blip>
+          <a:stretch>
+            <a:fillRect/>
+          </a:stretch>
+        </p:blipFill>
+        <p:spPr>
+          <a:xfrm>
+            <a:off x="6141796" y="1418253"/>
+            <a:ext cx="2563833" cy="1950097"/>
+          </a:xfrm>
+          <a:prstGeom prst="rect">
+            <a:avLst/>
+          </a:prstGeom>
+        </p:spPr>
+      </p:pic>
+    </p:spTree>
+    <p:extLst>
+      <p:ext uri="{BB962C8B-B14F-4D97-AF65-F5344CB8AC3E}">
+        <p14:creationId xmlns:p14="http://schemas.microsoft.com/office/powerpoint/2010/main" val="1446356330"/>
+      </p:ext>
+    </p:extLst>
+  </p:cSld>
+  <p:clrMapOvr>
+    <a:masterClrMapping/>
+  </p:clrMapOvr>
+</p:sld>
+</file>
+
+<file path=ppt/slides/slide5.xml><?xml version="1.0" encoding="utf-8"?>
+<p:sld xmlns:a="http://schemas.openxmlformats.org/drawingml/2006/main" xmlns:r="http://schemas.openxmlformats.org/officeDocument/2006/relationships" xmlns:p="http://schemas.openxmlformats.org/presentationml/2006/main">
+  <p:cSld>
+    <p:spTree>
+      <p:nvGrpSpPr>
+        <p:cNvPr id="1" name=""/>
+        <p:cNvGrpSpPr/>
+        <p:nvPr/>
+      </p:nvGrpSpPr>
+      <p:grpSpPr>
+        <a:xfrm>
+          <a:off x="0" y="0"/>
+          <a:ext cx="0" cy="0"/>
+          <a:chOff x="0" y="0"/>
+          <a:chExt cx="0" cy="0"/>
+        </a:xfrm>
+      </p:grpSpPr>
+      <p:sp>
+        <p:nvSpPr>
+          <p:cNvPr id="4" name="Title 1">
+            <a:extLst>
+              <a:ext uri="{FF2B5EF4-FFF2-40B4-BE49-F238E27FC236}">
+                <a16:creationId xmlns:a16="http://schemas.microsoft.com/office/drawing/2014/main" id="{F4078790-02EF-45D5-82CB-B31EFBB580DB}"/>
+              </a:ext>
+            </a:extLst>
+          </p:cNvPr>
+          <p:cNvSpPr txBox="1">
+            <a:spLocks/>
+          </p:cNvSpPr>
+          <p:nvPr/>
+        </p:nvSpPr>
+        <p:spPr>
+          <a:xfrm>
+            <a:off x="685800" y="484632"/>
+            <a:ext cx="7772400" cy="681695"/>
+          </a:xfrm>
+          <a:prstGeom prst="rect">
+            <a:avLst/>
+          </a:prstGeom>
+        </p:spPr>
+        <p:txBody>
+          <a:bodyPr vert="horz" lIns="91440" tIns="45720" rIns="91440" bIns="45720" rtlCol="0" anchor="ctr">
+            <a:normAutofit/>
+          </a:bodyPr>
+          <a:lstStyle>
+            <a:lvl1pPr algn="l" defTabSz="914400" rtl="0" eaLnBrk="1" latinLnBrk="0" hangingPunct="1">
+              <a:lnSpc>
+                <a:spcPct val="90000"/>
+              </a:lnSpc>
+              <a:spcBef>
+                <a:spcPct val="0"/>
+              </a:spcBef>
+              <a:buNone/>
+              <a:defRPr sz="4200" b="0" kern="1200" cap="all" baseline="0">
+                <a:blipFill>
+                  <a:blip r:embed="rId2">
+                    <a:extLst>
+                      <a:ext uri="{28A0092B-C50C-407E-A947-70E740481C1C}">
+                        <a14:useLocalDpi xmlns:a14="http://schemas.microsoft.com/office/drawing/2010/main" val="0"/>
+                      </a:ext>
+                    </a:extLst>
+                  </a:blip>
+                  <a:tile tx="6350" ty="-127000" sx="65000" sy="64000" flip="none" algn="tl"/>
+                </a:blipFill>
+                <a:latin typeface="+mj-lt"/>
+                <a:ea typeface="+mj-ea"/>
+                <a:cs typeface="+mj-cs"/>
+              </a:defRPr>
+            </a:lvl1pPr>
+          </a:lstStyle>
+          <a:p>
+            <a:r>
+              <a:rPr lang="en-US" dirty="0"/>
+              <a:t>Threshold Analysis</a:t>
+            </a:r>
+          </a:p>
+        </p:txBody>
+      </p:sp>
+      <p:pic>
+        <p:nvPicPr>
+          <p:cNvPr id="8" name="Picture 7">
+            <a:extLst>
+              <a:ext uri="{FF2B5EF4-FFF2-40B4-BE49-F238E27FC236}">
+                <a16:creationId xmlns:a16="http://schemas.microsoft.com/office/drawing/2014/main" id="{17CB9E6F-164E-41BF-9FE4-F60CFD2EE704}"/>
+              </a:ext>
+            </a:extLst>
+          </p:cNvPr>
+          <p:cNvPicPr>
+            <a:picLocks noChangeAspect="1"/>
+          </p:cNvPicPr>
+          <p:nvPr/>
+        </p:nvPicPr>
+        <p:blipFill>
+          <a:blip r:embed="rId3">
+            <a:extLst>
+              <a:ext uri="{28A0092B-C50C-407E-A947-70E740481C1C}">
+                <a14:useLocalDpi xmlns:a14="http://schemas.microsoft.com/office/drawing/2010/main" val="0"/>
+              </a:ext>
+            </a:extLst>
+          </a:blip>
+          <a:stretch>
+            <a:fillRect/>
+          </a:stretch>
+        </p:blipFill>
+        <p:spPr>
+          <a:xfrm>
+            <a:off x="318222" y="1166327"/>
+            <a:ext cx="8507556" cy="3992880"/>
+          </a:xfrm>
+          <a:prstGeom prst="rect">
+            <a:avLst/>
+          </a:prstGeom>
+        </p:spPr>
+      </p:pic>
+      <p:sp>
+        <p:nvSpPr>
+          <p:cNvPr id="9" name="Content Placeholder 2">
+            <a:extLst>
+              <a:ext uri="{FF2B5EF4-FFF2-40B4-BE49-F238E27FC236}">
+                <a16:creationId xmlns:a16="http://schemas.microsoft.com/office/drawing/2014/main" id="{311A07B9-F0C5-4E8F-8488-E6B05F34DEE1}"/>
+              </a:ext>
+            </a:extLst>
+          </p:cNvPr>
+          <p:cNvSpPr txBox="1">
+            <a:spLocks/>
+          </p:cNvSpPr>
+          <p:nvPr/>
+        </p:nvSpPr>
+        <p:spPr>
+          <a:xfrm>
+            <a:off x="685800" y="5159206"/>
+            <a:ext cx="7772400" cy="1484189"/>
+          </a:xfrm>
+          <a:prstGeom prst="rect">
+            <a:avLst/>
+          </a:prstGeom>
+        </p:spPr>
+        <p:txBody>
+          <a:bodyPr vert="horz" lIns="91440" tIns="45720" rIns="91440" bIns="45720" rtlCol="0">
+            <a:normAutofit/>
+          </a:bodyPr>
+          <a:lstStyle>
+            <a:lvl1pPr marL="182880" indent="-182880" algn="l" defTabSz="914400" rtl="0" eaLnBrk="1" latinLnBrk="0" hangingPunct="1">
+              <a:lnSpc>
+                <a:spcPct val="90000"/>
+              </a:lnSpc>
+              <a:spcBef>
+                <a:spcPts val="1200"/>
+              </a:spcBef>
+              <a:buClr>
+                <a:schemeClr val="accent1">
+                  <a:lumMod val="75000"/>
+                </a:schemeClr>
+              </a:buClr>
+              <a:buSzPct val="85000"/>
+              <a:buFont typeface="Wingdings" pitchFamily="2" charset="2"/>
+              <a:buChar char="§"/>
+              <a:defRPr sz="2000" kern="1200">
+                <a:solidFill>
+                  <a:schemeClr val="tx1"/>
+                </a:solidFill>
+                <a:latin typeface="+mn-lt"/>
+                <a:ea typeface="+mn-ea"/>
+                <a:cs typeface="+mn-cs"/>
+              </a:defRPr>
+            </a:lvl1pPr>
+            <a:lvl2pPr marL="457200" indent="-182880" algn="l" defTabSz="914400" rtl="0" eaLnBrk="1" latinLnBrk="0" hangingPunct="1">
+              <a:lnSpc>
+                <a:spcPct val="90000"/>
+              </a:lnSpc>
+              <a:spcBef>
+                <a:spcPts val="400"/>
+              </a:spcBef>
+              <a:spcAft>
+                <a:spcPts val="200"/>
+              </a:spcAft>
+              <a:buClr>
+                <a:schemeClr val="accent1">
+                  <a:lumMod val="75000"/>
+                </a:schemeClr>
+              </a:buClr>
+              <a:buSzPct val="85000"/>
+              <a:buFont typeface="Wingdings" pitchFamily="2" charset="2"/>
+              <a:buChar char="§"/>
+              <a:defRPr sz="1800" kern="1200">
+                <a:solidFill>
+                  <a:schemeClr val="tx1"/>
+                </a:solidFill>
+                <a:latin typeface="+mn-lt"/>
+                <a:ea typeface="+mn-ea"/>
+                <a:cs typeface="+mn-cs"/>
+              </a:defRPr>
+            </a:lvl2pPr>
+            <a:lvl3pPr marL="731520" indent="-182880" algn="l" defTabSz="914400" rtl="0" eaLnBrk="1" latinLnBrk="0" hangingPunct="1">
+              <a:lnSpc>
+                <a:spcPct val="90000"/>
+              </a:lnSpc>
+              <a:spcBef>
+                <a:spcPts val="400"/>
+              </a:spcBef>
+              <a:spcAft>
+                <a:spcPts val="200"/>
+              </a:spcAft>
+              <a:buClr>
+                <a:schemeClr val="accent1">
+                  <a:lumMod val="75000"/>
+                </a:schemeClr>
+              </a:buClr>
+              <a:buSzPct val="85000"/>
+              <a:buFont typeface="Wingdings" pitchFamily="2" charset="2"/>
+              <a:buChar char="§"/>
+              <a:defRPr sz="1600" kern="1200">
+                <a:solidFill>
+                  <a:schemeClr val="tx1"/>
+                </a:solidFill>
+                <a:latin typeface="+mn-lt"/>
+                <a:ea typeface="+mn-ea"/>
+                <a:cs typeface="+mn-cs"/>
+              </a:defRPr>
+            </a:lvl3pPr>
+            <a:lvl4pPr marL="1005840" indent="-182880" algn="l" defTabSz="914400" rtl="0" eaLnBrk="1" latinLnBrk="0" hangingPunct="1">
+              <a:lnSpc>
+                <a:spcPct val="90000"/>
+              </a:lnSpc>
+              <a:spcBef>
+                <a:spcPts val="400"/>
+              </a:spcBef>
+              <a:spcAft>
+                <a:spcPts val="200"/>
+              </a:spcAft>
+              <a:buClr>
+                <a:schemeClr val="accent1">
+                  <a:lumMod val="75000"/>
+                </a:schemeClr>
+              </a:buClr>
+              <a:buSzPct val="85000"/>
+              <a:buFont typeface="Wingdings" pitchFamily="2" charset="2"/>
+              <a:buChar char="§"/>
+              <a:defRPr sz="1600" kern="1200">
+                <a:solidFill>
+                  <a:schemeClr val="tx1"/>
+                </a:solidFill>
+                <a:latin typeface="+mn-lt"/>
+                <a:ea typeface="+mn-ea"/>
+                <a:cs typeface="+mn-cs"/>
+              </a:defRPr>
+            </a:lvl4pPr>
+            <a:lvl5pPr marL="1280160" indent="-182880" algn="l" defTabSz="914400" rtl="0" eaLnBrk="1" latinLnBrk="0" hangingPunct="1">
+              <a:lnSpc>
+                <a:spcPct val="90000"/>
+              </a:lnSpc>
+              <a:spcBef>
+                <a:spcPts val="400"/>
+              </a:spcBef>
+              <a:spcAft>
+                <a:spcPts val="200"/>
+              </a:spcAft>
+              <a:buClr>
+                <a:schemeClr val="accent1">
+                  <a:lumMod val="75000"/>
+                </a:schemeClr>
+              </a:buClr>
+              <a:buSzPct val="85000"/>
+              <a:buFont typeface="Wingdings" pitchFamily="2" charset="2"/>
+              <a:buChar char="§"/>
+              <a:defRPr sz="1600" kern="1200">
+                <a:solidFill>
+                  <a:schemeClr val="tx1"/>
+                </a:solidFill>
+                <a:latin typeface="+mn-lt"/>
+                <a:ea typeface="+mn-ea"/>
+                <a:cs typeface="+mn-cs"/>
+              </a:defRPr>
+            </a:lvl5pPr>
+            <a:lvl6pPr marL="1600000" indent="-228600" algn="l" defTabSz="914400" rtl="0" eaLnBrk="1" latinLnBrk="0" hangingPunct="1">
+              <a:lnSpc>
+                <a:spcPct val="90000"/>
+              </a:lnSpc>
+              <a:spcBef>
+                <a:spcPts val="400"/>
+              </a:spcBef>
+              <a:spcAft>
+                <a:spcPts val="200"/>
+              </a:spcAft>
+              <a:buClr>
+                <a:schemeClr val="accent1">
+                  <a:lumMod val="75000"/>
+                </a:schemeClr>
+              </a:buClr>
+              <a:buSzPct val="85000"/>
+              <a:buFont typeface="Wingdings" pitchFamily="2" charset="2"/>
+              <a:buChar char="§"/>
+              <a:defRPr sz="1600" kern="1200">
+                <a:solidFill>
+                  <a:schemeClr val="tx1"/>
+                </a:solidFill>
+                <a:latin typeface="+mn-lt"/>
+                <a:ea typeface="+mn-ea"/>
+                <a:cs typeface="+mn-cs"/>
+              </a:defRPr>
+            </a:lvl6pPr>
+            <a:lvl7pPr marL="1900000" indent="-228600" algn="l" defTabSz="914400" rtl="0" eaLnBrk="1" latinLnBrk="0" hangingPunct="1">
+              <a:lnSpc>
+                <a:spcPct val="90000"/>
+              </a:lnSpc>
+              <a:spcBef>
+                <a:spcPts val="400"/>
+              </a:spcBef>
+              <a:spcAft>
+                <a:spcPts val="200"/>
+              </a:spcAft>
+              <a:buClr>
+                <a:schemeClr val="accent1">
+                  <a:lumMod val="75000"/>
+                </a:schemeClr>
+              </a:buClr>
+              <a:buSzPct val="85000"/>
+              <a:buFont typeface="Wingdings" pitchFamily="2" charset="2"/>
+              <a:buChar char="§"/>
+              <a:defRPr sz="1600" kern="1200">
+                <a:solidFill>
+                  <a:schemeClr val="tx1"/>
+                </a:solidFill>
+                <a:latin typeface="+mn-lt"/>
+                <a:ea typeface="+mn-ea"/>
+                <a:cs typeface="+mn-cs"/>
+              </a:defRPr>
+            </a:lvl7pPr>
+            <a:lvl8pPr marL="2200000" indent="-228600" algn="l" defTabSz="914400" rtl="0" eaLnBrk="1" latinLnBrk="0" hangingPunct="1">
+              <a:lnSpc>
+                <a:spcPct val="90000"/>
+              </a:lnSpc>
+              <a:spcBef>
+                <a:spcPts val="400"/>
+              </a:spcBef>
+              <a:spcAft>
+                <a:spcPts val="200"/>
+              </a:spcAft>
+              <a:buClr>
+                <a:schemeClr val="accent1">
+                  <a:lumMod val="75000"/>
+                </a:schemeClr>
+              </a:buClr>
+              <a:buSzPct val="85000"/>
+              <a:buFont typeface="Wingdings" pitchFamily="2" charset="2"/>
+              <a:buChar char="§"/>
+              <a:defRPr sz="1600" kern="1200">
+                <a:solidFill>
+                  <a:schemeClr val="tx1"/>
+                </a:solidFill>
+                <a:latin typeface="+mn-lt"/>
+                <a:ea typeface="+mn-ea"/>
+                <a:cs typeface="+mn-cs"/>
+              </a:defRPr>
+            </a:lvl8pPr>
+            <a:lvl9pPr marL="2500000" indent="-228600" algn="l" defTabSz="914400" rtl="0" eaLnBrk="1" latinLnBrk="0" hangingPunct="1">
+              <a:lnSpc>
+                <a:spcPct val="90000"/>
+              </a:lnSpc>
+              <a:spcBef>
+                <a:spcPts val="400"/>
+              </a:spcBef>
+              <a:spcAft>
+                <a:spcPts val="200"/>
+              </a:spcAft>
+              <a:buClr>
+                <a:schemeClr val="accent1">
+                  <a:lumMod val="75000"/>
+                </a:schemeClr>
+              </a:buClr>
+              <a:buSzPct val="85000"/>
+              <a:buFont typeface="Wingdings" pitchFamily="2" charset="2"/>
+              <a:buChar char="§"/>
+              <a:defRPr sz="1600" kern="1200">
+                <a:solidFill>
+                  <a:schemeClr val="tx1"/>
+                </a:solidFill>
+                <a:latin typeface="+mn-lt"/>
+                <a:ea typeface="+mn-ea"/>
+                <a:cs typeface="+mn-cs"/>
+              </a:defRPr>
+            </a:lvl9pPr>
+          </a:lstStyle>
+          <a:p>
+            <a:r>
+              <a:rPr lang="en-US" dirty="0"/>
+              <a:t>Minimum total cost T = </a:t>
+            </a:r>
+            <a:r>
+              <a:rPr lang="en-US" u="sng" dirty="0"/>
+              <a:t>$362.75</a:t>
+            </a:r>
+            <a:r>
+              <a:rPr lang="en-US" dirty="0"/>
+              <a:t> (Training Set)</a:t>
+            </a:r>
+          </a:p>
+          <a:p>
+            <a:r>
+              <a:rPr lang="en-US" dirty="0"/>
+              <a:t>New Threshold th = </a:t>
+            </a:r>
+            <a:r>
+              <a:rPr lang="en-US" u="sng" dirty="0"/>
+              <a:t>0.68</a:t>
+            </a:r>
+            <a:r>
+              <a:rPr lang="en-US" dirty="0"/>
+              <a:t> ≠ 0.5 (default)</a:t>
+            </a:r>
+          </a:p>
+          <a:p>
+            <a:r>
+              <a:rPr lang="en-US" dirty="0"/>
+              <a:t>Minimum total cost T = $575.22 (Testing Set)</a:t>
+            </a:r>
+          </a:p>
+        </p:txBody>
+      </p:sp>
+    </p:spTree>
+    <p:extLst>
+      <p:ext uri="{BB962C8B-B14F-4D97-AF65-F5344CB8AC3E}">
+        <p14:creationId xmlns:p14="http://schemas.microsoft.com/office/powerpoint/2010/main" val="1009228126"/>
+      </p:ext>
+    </p:extLst>
+  </p:cSld>
+  <p:clrMapOvr>
+    <a:masterClrMapping/>
+  </p:clrMapOvr>
+</p:sld>
+</file>
+
+<file path=ppt/slides/slide6.xml><?xml version="1.0" encoding="utf-8"?>
+<p:sld xmlns:a="http://schemas.openxmlformats.org/drawingml/2006/main" xmlns:r="http://schemas.openxmlformats.org/officeDocument/2006/relationships" xmlns:p="http://schemas.openxmlformats.org/presentationml/2006/main">
+  <p:cSld>
+    <p:spTree>
+      <p:nvGrpSpPr>
+        <p:cNvPr id="1" name=""/>
+        <p:cNvGrpSpPr/>
+        <p:nvPr/>
+      </p:nvGrpSpPr>
+      <p:grpSpPr>
+        <a:xfrm>
+          <a:off x="0" y="0"/>
+          <a:ext cx="0" cy="0"/>
+          <a:chOff x="0" y="0"/>
+          <a:chExt cx="0" cy="0"/>
+        </a:xfrm>
+      </p:grpSpPr>
+      <p:sp>
+        <p:nvSpPr>
+          <p:cNvPr id="4" name="Title 1">
+            <a:extLst>
+              <a:ext uri="{FF2B5EF4-FFF2-40B4-BE49-F238E27FC236}">
+                <a16:creationId xmlns:a16="http://schemas.microsoft.com/office/drawing/2014/main" id="{F4078790-02EF-45D5-82CB-B31EFBB580DB}"/>
+              </a:ext>
+            </a:extLst>
+          </p:cNvPr>
+          <p:cNvSpPr txBox="1">
+            <a:spLocks/>
+          </p:cNvSpPr>
+          <p:nvPr/>
+        </p:nvSpPr>
+        <p:spPr>
+          <a:xfrm>
+            <a:off x="685800" y="484632"/>
+            <a:ext cx="7772400" cy="681695"/>
+          </a:xfrm>
+          <a:prstGeom prst="rect">
+            <a:avLst/>
+          </a:prstGeom>
+        </p:spPr>
+        <p:txBody>
+          <a:bodyPr vert="horz" lIns="91440" tIns="45720" rIns="91440" bIns="45720" rtlCol="0" anchor="ctr">
+            <a:normAutofit/>
+          </a:bodyPr>
+          <a:lstStyle>
+            <a:lvl1pPr algn="l" defTabSz="914400" rtl="0" eaLnBrk="1" latinLnBrk="0" hangingPunct="1">
+              <a:lnSpc>
+                <a:spcPct val="90000"/>
+              </a:lnSpc>
+              <a:spcBef>
+                <a:spcPct val="0"/>
+              </a:spcBef>
+              <a:buNone/>
+              <a:defRPr sz="4200" b="0" kern="1200" cap="all" baseline="0">
+                <a:blipFill>
+                  <a:blip r:embed="rId2">
+                    <a:extLst>
+                      <a:ext uri="{28A0092B-C50C-407E-A947-70E740481C1C}">
+                        <a14:useLocalDpi xmlns:a14="http://schemas.microsoft.com/office/drawing/2010/main" val="0"/>
+                      </a:ext>
+                    </a:extLst>
+                  </a:blip>
+                  <a:tile tx="6350" ty="-127000" sx="65000" sy="64000" flip="none" algn="tl"/>
+                </a:blipFill>
+                <a:latin typeface="+mj-lt"/>
+                <a:ea typeface="+mj-ea"/>
+                <a:cs typeface="+mj-cs"/>
+              </a:defRPr>
+            </a:lvl1pPr>
+          </a:lstStyle>
+          <a:p>
+            <a:r>
+              <a:rPr lang="en-US" dirty="0"/>
+              <a:t>Method Robustness</a:t>
+            </a:r>
+          </a:p>
+        </p:txBody>
+      </p:sp>
+      <p:pic>
+        <p:nvPicPr>
+          <p:cNvPr id="8" name="Picture 7">
+            <a:extLst>
+              <a:ext uri="{FF2B5EF4-FFF2-40B4-BE49-F238E27FC236}">
+                <a16:creationId xmlns:a16="http://schemas.microsoft.com/office/drawing/2014/main" id="{17CB9E6F-164E-41BF-9FE4-F60CFD2EE704}"/>
+              </a:ext>
+            </a:extLst>
+          </p:cNvPr>
+          <p:cNvPicPr>
+            <a:picLocks noChangeAspect="1"/>
+          </p:cNvPicPr>
+          <p:nvPr/>
+        </p:nvPicPr>
+        <p:blipFill>
+          <a:blip r:embed="rId3">
+            <a:extLst>
+              <a:ext uri="{28A0092B-C50C-407E-A947-70E740481C1C}">
+                <a14:useLocalDpi xmlns:a14="http://schemas.microsoft.com/office/drawing/2010/main" val="0"/>
+              </a:ext>
+            </a:extLst>
+          </a:blip>
+          <a:stretch>
+            <a:fillRect/>
+          </a:stretch>
+        </p:blipFill>
+        <p:spPr>
+          <a:xfrm>
+            <a:off x="307393" y="1166327"/>
+            <a:ext cx="8529214" cy="3992880"/>
+          </a:xfrm>
+          <a:prstGeom prst="rect">
+            <a:avLst/>
+          </a:prstGeom>
+        </p:spPr>
+      </p:pic>
+      <p:sp>
+        <p:nvSpPr>
+          <p:cNvPr id="9" name="Content Placeholder 2">
+            <a:extLst>
+              <a:ext uri="{FF2B5EF4-FFF2-40B4-BE49-F238E27FC236}">
+                <a16:creationId xmlns:a16="http://schemas.microsoft.com/office/drawing/2014/main" id="{311A07B9-F0C5-4E8F-8488-E6B05F34DEE1}"/>
+              </a:ext>
+            </a:extLst>
+          </p:cNvPr>
+          <p:cNvSpPr txBox="1">
+            <a:spLocks/>
+          </p:cNvSpPr>
+          <p:nvPr/>
+        </p:nvSpPr>
+        <p:spPr>
+          <a:xfrm>
+            <a:off x="685799" y="5159206"/>
+            <a:ext cx="7772401" cy="1484189"/>
+          </a:xfrm>
+          <a:prstGeom prst="rect">
+            <a:avLst/>
+          </a:prstGeom>
+        </p:spPr>
+        <p:txBody>
+          <a:bodyPr vert="horz" lIns="91440" tIns="45720" rIns="91440" bIns="45720" rtlCol="0">
+            <a:normAutofit fontScale="92500"/>
+          </a:bodyPr>
+          <a:lstStyle>
+            <a:lvl1pPr marL="182880" indent="-182880" algn="l" defTabSz="914400" rtl="0" eaLnBrk="1" latinLnBrk="0" hangingPunct="1">
+              <a:lnSpc>
+                <a:spcPct val="90000"/>
+              </a:lnSpc>
+              <a:spcBef>
+                <a:spcPts val="1200"/>
+              </a:spcBef>
+              <a:buClr>
+                <a:schemeClr val="accent1">
+                  <a:lumMod val="75000"/>
+                </a:schemeClr>
+              </a:buClr>
+              <a:buSzPct val="85000"/>
+              <a:buFont typeface="Wingdings" pitchFamily="2" charset="2"/>
+              <a:buChar char="§"/>
+              <a:defRPr sz="2000" kern="1200">
+                <a:solidFill>
+                  <a:schemeClr val="tx1"/>
+                </a:solidFill>
+                <a:latin typeface="+mn-lt"/>
+                <a:ea typeface="+mn-ea"/>
+                <a:cs typeface="+mn-cs"/>
+              </a:defRPr>
+            </a:lvl1pPr>
+            <a:lvl2pPr marL="457200" indent="-182880" algn="l" defTabSz="914400" rtl="0" eaLnBrk="1" latinLnBrk="0" hangingPunct="1">
+              <a:lnSpc>
+                <a:spcPct val="90000"/>
+              </a:lnSpc>
+              <a:spcBef>
+                <a:spcPts val="400"/>
+              </a:spcBef>
+              <a:spcAft>
+                <a:spcPts val="200"/>
+              </a:spcAft>
+              <a:buClr>
+                <a:schemeClr val="accent1">
+                  <a:lumMod val="75000"/>
+                </a:schemeClr>
+              </a:buClr>
+              <a:buSzPct val="85000"/>
+              <a:buFont typeface="Wingdings" pitchFamily="2" charset="2"/>
+              <a:buChar char="§"/>
+              <a:defRPr sz="1800" kern="1200">
+                <a:solidFill>
+                  <a:schemeClr val="tx1"/>
+                </a:solidFill>
+                <a:latin typeface="+mn-lt"/>
+                <a:ea typeface="+mn-ea"/>
+                <a:cs typeface="+mn-cs"/>
+              </a:defRPr>
+            </a:lvl2pPr>
+            <a:lvl3pPr marL="731520" indent="-182880" algn="l" defTabSz="914400" rtl="0" eaLnBrk="1" latinLnBrk="0" hangingPunct="1">
+              <a:lnSpc>
+                <a:spcPct val="90000"/>
+              </a:lnSpc>
+              <a:spcBef>
+                <a:spcPts val="400"/>
+              </a:spcBef>
+              <a:spcAft>
+                <a:spcPts val="200"/>
+              </a:spcAft>
+              <a:buClr>
+                <a:schemeClr val="accent1">
+                  <a:lumMod val="75000"/>
+                </a:schemeClr>
+              </a:buClr>
+              <a:buSzPct val="85000"/>
+              <a:buFont typeface="Wingdings" pitchFamily="2" charset="2"/>
+              <a:buChar char="§"/>
+              <a:defRPr sz="1600" kern="1200">
+                <a:solidFill>
+                  <a:schemeClr val="tx1"/>
+                </a:solidFill>
+                <a:latin typeface="+mn-lt"/>
+                <a:ea typeface="+mn-ea"/>
+                <a:cs typeface="+mn-cs"/>
+              </a:defRPr>
+            </a:lvl3pPr>
+            <a:lvl4pPr marL="1005840" indent="-182880" algn="l" defTabSz="914400" rtl="0" eaLnBrk="1" latinLnBrk="0" hangingPunct="1">
+              <a:lnSpc>
+                <a:spcPct val="90000"/>
+              </a:lnSpc>
+              <a:spcBef>
+                <a:spcPts val="400"/>
+              </a:spcBef>
+              <a:spcAft>
+                <a:spcPts val="200"/>
+              </a:spcAft>
+              <a:buClr>
+                <a:schemeClr val="accent1">
+                  <a:lumMod val="75000"/>
+                </a:schemeClr>
+              </a:buClr>
+              <a:buSzPct val="85000"/>
+              <a:buFont typeface="Wingdings" pitchFamily="2" charset="2"/>
+              <a:buChar char="§"/>
+              <a:defRPr sz="1600" kern="1200">
+                <a:solidFill>
+                  <a:schemeClr val="tx1"/>
+                </a:solidFill>
+                <a:latin typeface="+mn-lt"/>
+                <a:ea typeface="+mn-ea"/>
+                <a:cs typeface="+mn-cs"/>
+              </a:defRPr>
+            </a:lvl4pPr>
+            <a:lvl5pPr marL="1280160" indent="-182880" algn="l" defTabSz="914400" rtl="0" eaLnBrk="1" latinLnBrk="0" hangingPunct="1">
+              <a:lnSpc>
+                <a:spcPct val="90000"/>
+              </a:lnSpc>
+              <a:spcBef>
+                <a:spcPts val="400"/>
+              </a:spcBef>
+              <a:spcAft>
+                <a:spcPts val="200"/>
+              </a:spcAft>
+              <a:buClr>
+                <a:schemeClr val="accent1">
+                  <a:lumMod val="75000"/>
+                </a:schemeClr>
+              </a:buClr>
+              <a:buSzPct val="85000"/>
+              <a:buFont typeface="Wingdings" pitchFamily="2" charset="2"/>
+              <a:buChar char="§"/>
+              <a:defRPr sz="1600" kern="1200">
+                <a:solidFill>
+                  <a:schemeClr val="tx1"/>
+                </a:solidFill>
+                <a:latin typeface="+mn-lt"/>
+                <a:ea typeface="+mn-ea"/>
+                <a:cs typeface="+mn-cs"/>
+              </a:defRPr>
+            </a:lvl5pPr>
+            <a:lvl6pPr marL="1600000" indent="-228600" algn="l" defTabSz="914400" rtl="0" eaLnBrk="1" latinLnBrk="0" hangingPunct="1">
+              <a:lnSpc>
+                <a:spcPct val="90000"/>
+              </a:lnSpc>
+              <a:spcBef>
+                <a:spcPts val="400"/>
+              </a:spcBef>
+              <a:spcAft>
+                <a:spcPts val="200"/>
+              </a:spcAft>
+              <a:buClr>
+                <a:schemeClr val="accent1">
+                  <a:lumMod val="75000"/>
+                </a:schemeClr>
+              </a:buClr>
+              <a:buSzPct val="85000"/>
+              <a:buFont typeface="Wingdings" pitchFamily="2" charset="2"/>
+              <a:buChar char="§"/>
+              <a:defRPr sz="1600" kern="1200">
+                <a:solidFill>
+                  <a:schemeClr val="tx1"/>
+                </a:solidFill>
+                <a:latin typeface="+mn-lt"/>
+                <a:ea typeface="+mn-ea"/>
+                <a:cs typeface="+mn-cs"/>
+              </a:defRPr>
+            </a:lvl6pPr>
+            <a:lvl7pPr marL="1900000" indent="-228600" algn="l" defTabSz="914400" rtl="0" eaLnBrk="1" latinLnBrk="0" hangingPunct="1">
+              <a:lnSpc>
+                <a:spcPct val="90000"/>
+              </a:lnSpc>
+              <a:spcBef>
+                <a:spcPts val="400"/>
+              </a:spcBef>
+              <a:spcAft>
+                <a:spcPts val="200"/>
+              </a:spcAft>
+              <a:buClr>
+                <a:schemeClr val="accent1">
+                  <a:lumMod val="75000"/>
+                </a:schemeClr>
+              </a:buClr>
+              <a:buSzPct val="85000"/>
+              <a:buFont typeface="Wingdings" pitchFamily="2" charset="2"/>
+              <a:buChar char="§"/>
+              <a:defRPr sz="1600" kern="1200">
+                <a:solidFill>
+                  <a:schemeClr val="tx1"/>
+                </a:solidFill>
+                <a:latin typeface="+mn-lt"/>
+                <a:ea typeface="+mn-ea"/>
+                <a:cs typeface="+mn-cs"/>
+              </a:defRPr>
+            </a:lvl7pPr>
+            <a:lvl8pPr marL="2200000" indent="-228600" algn="l" defTabSz="914400" rtl="0" eaLnBrk="1" latinLnBrk="0" hangingPunct="1">
+              <a:lnSpc>
+                <a:spcPct val="90000"/>
+              </a:lnSpc>
+              <a:spcBef>
+                <a:spcPts val="400"/>
+              </a:spcBef>
+              <a:spcAft>
+                <a:spcPts val="200"/>
+              </a:spcAft>
+              <a:buClr>
+                <a:schemeClr val="accent1">
+                  <a:lumMod val="75000"/>
+                </a:schemeClr>
+              </a:buClr>
+              <a:buSzPct val="85000"/>
+              <a:buFont typeface="Wingdings" pitchFamily="2" charset="2"/>
+              <a:buChar char="§"/>
+              <a:defRPr sz="1600" kern="1200">
+                <a:solidFill>
+                  <a:schemeClr val="tx1"/>
+                </a:solidFill>
+                <a:latin typeface="+mn-lt"/>
+                <a:ea typeface="+mn-ea"/>
+                <a:cs typeface="+mn-cs"/>
+              </a:defRPr>
+            </a:lvl8pPr>
+            <a:lvl9pPr marL="2500000" indent="-228600" algn="l" defTabSz="914400" rtl="0" eaLnBrk="1" latinLnBrk="0" hangingPunct="1">
+              <a:lnSpc>
+                <a:spcPct val="90000"/>
+              </a:lnSpc>
+              <a:spcBef>
+                <a:spcPts val="400"/>
+              </a:spcBef>
+              <a:spcAft>
+                <a:spcPts val="200"/>
+              </a:spcAft>
+              <a:buClr>
+                <a:schemeClr val="accent1">
+                  <a:lumMod val="75000"/>
+                </a:schemeClr>
+              </a:buClr>
+              <a:buSzPct val="85000"/>
+              <a:buFont typeface="Wingdings" pitchFamily="2" charset="2"/>
+              <a:buChar char="§"/>
+              <a:defRPr sz="1600" kern="1200">
+                <a:solidFill>
+                  <a:schemeClr val="tx1"/>
+                </a:solidFill>
+                <a:latin typeface="+mn-lt"/>
+                <a:ea typeface="+mn-ea"/>
+                <a:cs typeface="+mn-cs"/>
+              </a:defRPr>
+            </a:lvl9pPr>
+          </a:lstStyle>
+          <a:p>
+            <a:r>
+              <a:rPr lang="en-US" dirty="0"/>
+              <a:t>Always found the optimal threshold</a:t>
+            </a:r>
+          </a:p>
+          <a:p>
+            <a:r>
+              <a:rPr lang="en-US" dirty="0"/>
+              <a:t>Verification:</a:t>
+            </a:r>
+          </a:p>
+          <a:p>
+            <a:pPr lvl="1"/>
+            <a:r>
+              <a:rPr lang="en-US" dirty="0"/>
+              <a:t>When abstain price is low, abstain to predict cost leas – high threshold</a:t>
+            </a:r>
+          </a:p>
+          <a:p>
+            <a:pPr lvl="1"/>
+            <a:r>
+              <a:rPr lang="en-US" dirty="0"/>
+              <a:t>When abstain price is high, abstain to predict cost more – low threshold</a:t>
+            </a:r>
+          </a:p>
+        </p:txBody>
+      </p:sp>
+    </p:spTree>
+    <p:extLst>
+      <p:ext uri="{BB962C8B-B14F-4D97-AF65-F5344CB8AC3E}">
+        <p14:creationId xmlns:p14="http://schemas.microsoft.com/office/powerpoint/2010/main" val="2367154090"/>
+      </p:ext>
+    </p:extLst>
+  </p:cSld>
+  <p:clrMapOvr>
+    <a:masterClrMapping/>
+  </p:clrMapOvr>
+</p:sld>
+</file>
+
 <file path=ppt/theme/theme1.xml><?xml version="1.0" encoding="utf-8"?>
-<a:theme xmlns:a="http://schemas.openxmlformats.org/drawingml/2006/main" name="Office Theme">
+<a:theme xmlns:a="http://schemas.openxmlformats.org/drawingml/2006/main" name="Wood Type">
   <a:themeElements>
-    <a:clrScheme name="Office">
+    <a:clrScheme name="Wood Type">
       <a:dk1>
         <a:sysClr val="windowText" lastClr="000000"/>
       </a:dk1>
@@ -3349,48 +6327,86 @@
         <a:sysClr val="window" lastClr="FFFFFF"/>
       </a:lt1>
       <a:dk2>
-        <a:srgbClr val="44546A"/>
+        <a:srgbClr val="696464"/>
       </a:dk2>
       <a:lt2>
-        <a:srgbClr val="E7E6E6"/>
+        <a:srgbClr val="E9E5DC"/>
       </a:lt2>
       <a:accent1>
-        <a:srgbClr val="4472C4"/>
+        <a:srgbClr val="D34817"/>
       </a:accent1>
       <a:accent2>
-        <a:srgbClr val="ED7D31"/>
+        <a:srgbClr val="9B2D1F"/>
       </a:accent2>
       <a:accent3>
-        <a:srgbClr val="A5A5A5"/>
+        <a:srgbClr val="A28E6A"/>
       </a:accent3>
       <a:accent4>
-        <a:srgbClr val="FFC000"/>
+        <a:srgbClr val="956251"/>
       </a:accent4>
       <a:accent5>
-        <a:srgbClr val="5B9BD5"/>
+        <a:srgbClr val="918485"/>
       </a:accent5>
       <a:accent6>
-        <a:srgbClr val="70AD47"/>
+        <a:srgbClr val="855D5D"/>
       </a:accent6>
       <a:hlink>
-        <a:srgbClr val="0563C1"/>
+        <a:srgbClr val="CC9900"/>
       </a:hlink>
       <a:folHlink>
-        <a:srgbClr val="954F72"/>
+        <a:srgbClr val="96A9A9"/>
       </a:folHlink>
     </a:clrScheme>
-    <a:fontScheme name="Office">
+    <a:fontScheme name="Wood Type">
       <a:majorFont>
-        <a:latin typeface="Calibri Light" panose="020F0302020204030204"/>
+        <a:latin typeface="Rockwell Condensed" panose="02060603050405020104"/>
         <a:ea typeface=""/>
         <a:cs typeface=""/>
-        <a:font script="Jpan" typeface="游ゴシック Light"/>
-        <a:font script="Hang" typeface="맑은 고딕"/>
-        <a:font script="Hans" typeface="等线 Light"/>
-        <a:font script="Hant" typeface="新細明體"/>
+        <a:font script="Grek" typeface="Cambria"/>
+        <a:font script="Cyrl" typeface="Cambria"/>
+        <a:font script="Jpan" typeface="HG明朝B"/>
+        <a:font script="Hang" typeface="바탕"/>
+        <a:font script="Hans" typeface="方正姚体"/>
+        <a:font script="Hant" typeface="微軟正黑體"/>
         <a:font script="Arab" typeface="Times New Roman"/>
-        <a:font script="Hebr" typeface="Times New Roman"/>
-        <a:font script="Thai" typeface="Angsana New"/>
+        <a:font script="Hebr" typeface="David"/>
+        <a:font script="Thai" typeface="JasmineUPC"/>
+        <a:font script="Ethi" typeface="Nyala"/>
+        <a:font script="Beng" typeface="Vrinda"/>
+        <a:font script="Gujr" typeface="Shruti"/>
+        <a:font script="Khmr" typeface="MoolBoran"/>
+        <a:font script="Knda" typeface="Tunga"/>
+        <a:font script="Guru" typeface="Raavi"/>
+        <a:font script="Cans" typeface="Euphemia"/>
+        <a:font script="Cher" typeface="Plantagenet Cherokee"/>
+        <a:font script="Yiii" typeface="Microsoft Yi Baiti"/>
+        <a:font script="Tibt" typeface="Microsoft Himalaya"/>
+        <a:font script="Thaa" typeface="MV Boli"/>
+        <a:font script="Deva" typeface="Mangal"/>
+        <a:font script="Telu" typeface="Gautami"/>
+        <a:font script="Taml" typeface="Latha"/>
+        <a:font script="Syrc" typeface="Estrangelo Edessa"/>
+        <a:font script="Orya" typeface="Kalinga"/>
+        <a:font script="Mlym" typeface="Kartika"/>
+        <a:font script="Laoo" typeface="DokChampa"/>
+        <a:font script="Sinh" typeface="Iskoola Pota"/>
+        <a:font script="Mong" typeface="Mongolian Baiti"/>
+        <a:font script="Viet" typeface="Arial"/>
+        <a:font script="Uigh" typeface="Microsoft Uighur"/>
+      </a:majorFont>
+      <a:minorFont>
+        <a:latin typeface="Rockwell" panose="02060603020205020403"/>
+        <a:ea typeface=""/>
+        <a:cs typeface=""/>
+        <a:font script="Grek" typeface="Cambria"/>
+        <a:font script="Cyrl" typeface="Cambria"/>
+        <a:font script="Jpan" typeface="HG明朝B"/>
+        <a:font script="Hang" typeface="바탕"/>
+        <a:font script="Hans" typeface="方正姚体"/>
+        <a:font script="Hant" typeface="標楷體"/>
+        <a:font script="Arab" typeface="Times New Roman"/>
+        <a:font script="Hebr" typeface="David"/>
+        <a:font script="Thai" typeface="JasmineUPC"/>
         <a:font script="Ethi" typeface="Nyala"/>
         <a:font script="Beng" typeface="Vrinda"/>
         <a:font script="Gujr" typeface="Shruti"/>
@@ -3413,135 +6429,42 @@
         <a:font script="Mong" typeface="Mongolian Baiti"/>
         <a:font script="Viet" typeface="Times New Roman"/>
         <a:font script="Uigh" typeface="Microsoft Uighur"/>
-        <a:font script="Geor" typeface="Sylfaen"/>
-        <a:font script="Armn" typeface="Arial"/>
-        <a:font script="Bugi" typeface="Leelawadee UI"/>
-        <a:font script="Bopo" typeface="Microsoft JhengHei"/>
-        <a:font script="Java" typeface="Javanese Text"/>
-        <a:font script="Lisu" typeface="Segoe UI"/>
-        <a:font script="Mymr" typeface="Myanmar Text"/>
-        <a:font script="Nkoo" typeface="Ebrima"/>
-        <a:font script="Olck" typeface="Nirmala UI"/>
-        <a:font script="Osma" typeface="Ebrima"/>
-        <a:font script="Phag" typeface="Phagspa"/>
-        <a:font script="Syrn" typeface="Estrangelo Edessa"/>
-        <a:font script="Syrj" typeface="Estrangelo Edessa"/>
-        <a:font script="Syre" typeface="Estrangelo Edessa"/>
-        <a:font script="Sora" typeface="Nirmala UI"/>
-        <a:font script="Tale" typeface="Microsoft Tai Le"/>
-        <a:font script="Talu" typeface="Microsoft New Tai Lue"/>
-        <a:font script="Tfng" typeface="Ebrima"/>
-      </a:majorFont>
-      <a:minorFont>
-        <a:latin typeface="Calibri" panose="020F0502020204030204"/>
-        <a:ea typeface=""/>
-        <a:cs typeface=""/>
-        <a:font script="Jpan" typeface="游ゴシック"/>
-        <a:font script="Hang" typeface="맑은 고딕"/>
-        <a:font script="Hans" typeface="等线"/>
-        <a:font script="Hant" typeface="新細明體"/>
-        <a:font script="Arab" typeface="Arial"/>
-        <a:font script="Hebr" typeface="Arial"/>
-        <a:font script="Thai" typeface="Cordia New"/>
-        <a:font script="Ethi" typeface="Nyala"/>
-        <a:font script="Beng" typeface="Vrinda"/>
-        <a:font script="Gujr" typeface="Shruti"/>
-        <a:font script="Khmr" typeface="DaunPenh"/>
-        <a:font script="Knda" typeface="Tunga"/>
-        <a:font script="Guru" typeface="Raavi"/>
-        <a:font script="Cans" typeface="Euphemia"/>
-        <a:font script="Cher" typeface="Plantagenet Cherokee"/>
-        <a:font script="Yiii" typeface="Microsoft Yi Baiti"/>
-        <a:font script="Tibt" typeface="Microsoft Himalaya"/>
-        <a:font script="Thaa" typeface="MV Boli"/>
-        <a:font script="Deva" typeface="Mangal"/>
-        <a:font script="Telu" typeface="Gautami"/>
-        <a:font script="Taml" typeface="Latha"/>
-        <a:font script="Syrc" typeface="Estrangelo Edessa"/>
-        <a:font script="Orya" typeface="Kalinga"/>
-        <a:font script="Mlym" typeface="Kartika"/>
-        <a:font script="Laoo" typeface="DokChampa"/>
-        <a:font script="Sinh" typeface="Iskoola Pota"/>
-        <a:font script="Mong" typeface="Mongolian Baiti"/>
-        <a:font script="Viet" typeface="Arial"/>
-        <a:font script="Uigh" typeface="Microsoft Uighur"/>
-        <a:font script="Geor" typeface="Sylfaen"/>
-        <a:font script="Armn" typeface="Arial"/>
-        <a:font script="Bugi" typeface="Leelawadee UI"/>
-        <a:font script="Bopo" typeface="Microsoft JhengHei"/>
-        <a:font script="Java" typeface="Javanese Text"/>
-        <a:font script="Lisu" typeface="Segoe UI"/>
-        <a:font script="Mymr" typeface="Myanmar Text"/>
-        <a:font script="Nkoo" typeface="Ebrima"/>
-        <a:font script="Olck" typeface="Nirmala UI"/>
-        <a:font script="Osma" typeface="Ebrima"/>
-        <a:font script="Phag" typeface="Phagspa"/>
-        <a:font script="Syrn" typeface="Estrangelo Edessa"/>
-        <a:font script="Syrj" typeface="Estrangelo Edessa"/>
-        <a:font script="Syre" typeface="Estrangelo Edessa"/>
-        <a:font script="Sora" typeface="Nirmala UI"/>
-        <a:font script="Tale" typeface="Microsoft Tai Le"/>
-        <a:font script="Talu" typeface="Microsoft New Tai Lue"/>
-        <a:font script="Tfng" typeface="Ebrima"/>
       </a:minorFont>
     </a:fontScheme>
-    <a:fmtScheme name="Office">
+    <a:fmtScheme name="Wood Type">
       <a:fillStyleLst>
         <a:solidFill>
           <a:schemeClr val="phClr"/>
         </a:solidFill>
-        <a:gradFill rotWithShape="1">
-          <a:gsLst>
-            <a:gs pos="0">
+        <a:blipFill rotWithShape="1">
+          <a:blip xmlns:r="http://schemas.openxmlformats.org/officeDocument/2006/relationships" r:embed="rId1">
+            <a:duotone>
               <a:schemeClr val="phClr">
-                <a:lumMod val="110000"/>
-                <a:satMod val="105000"/>
-                <a:tint val="67000"/>
+                <a:tint val="70000"/>
+                <a:shade val="63000"/>
               </a:schemeClr>
-            </a:gs>
-            <a:gs pos="50000">
               <a:schemeClr val="phClr">
-                <a:lumMod val="105000"/>
-                <a:satMod val="103000"/>
-                <a:tint val="73000"/>
+                <a:tint val="10000"/>
+                <a:satMod val="150000"/>
               </a:schemeClr>
-            </a:gs>
-            <a:gs pos="100000">
+            </a:duotone>
+          </a:blip>
+          <a:tile tx="0" ty="0" sx="60000" sy="59000" flip="none" algn="tl"/>
+        </a:blipFill>
+        <a:blipFill rotWithShape="1">
+          <a:blip xmlns:r="http://schemas.openxmlformats.org/officeDocument/2006/relationships" r:embed="rId1">
+            <a:duotone>
               <a:schemeClr val="phClr">
-                <a:lumMod val="105000"/>
-                <a:satMod val="109000"/>
-                <a:tint val="81000"/>
+                <a:shade val="36000"/>
+                <a:satMod val="120000"/>
               </a:schemeClr>
-            </a:gs>
-          </a:gsLst>
-          <a:lin ang="5400000" scaled="0"/>
-        </a:gradFill>
-        <a:gradFill rotWithShape="1">
-          <a:gsLst>
-            <a:gs pos="0">
               <a:schemeClr val="phClr">
-                <a:satMod val="103000"/>
-                <a:lumMod val="102000"/>
-                <a:tint val="94000"/>
+                <a:tint val="40000"/>
               </a:schemeClr>
-            </a:gs>
-            <a:gs pos="50000">
-              <a:schemeClr val="phClr">
-                <a:satMod val="110000"/>
-                <a:lumMod val="100000"/>
-                <a:shade val="100000"/>
-              </a:schemeClr>
-            </a:gs>
-            <a:gs pos="100000">
-              <a:schemeClr val="phClr">
-                <a:lumMod val="99000"/>
-                <a:satMod val="120000"/>
-                <a:shade val="78000"/>
-              </a:schemeClr>
-            </a:gs>
-          </a:gsLst>
-          <a:lin ang="5400000" scaled="0"/>
-        </a:gradFill>
+            </a:duotone>
+          </a:blip>
+          <a:tile tx="0" ty="0" sx="60000" sy="59000" flip="none" algn="tl"/>
+        </a:blipFill>
       </a:fillStyleLst>
       <a:lnStyleLst>
         <a:ln w="6350" cap="flat" cmpd="sng" algn="ctr">
@@ -3549,21 +6472,18 @@
             <a:schemeClr val="phClr"/>
           </a:solidFill>
           <a:prstDash val="solid"/>
-          <a:miter lim="800000"/>
         </a:ln>
         <a:ln w="12700" cap="flat" cmpd="sng" algn="ctr">
           <a:solidFill>
             <a:schemeClr val="phClr"/>
           </a:solidFill>
           <a:prstDash val="solid"/>
-          <a:miter lim="800000"/>
         </a:ln>
         <a:ln w="19050" cap="flat" cmpd="sng" algn="ctr">
           <a:solidFill>
             <a:schemeClr val="phClr"/>
           </a:solidFill>
           <a:prstDash val="solid"/>
-          <a:miter lim="800000"/>
         </a:ln>
       </a:lnStyleLst>
       <a:effectStyleLst>
@@ -3571,15 +6491,18 @@
           <a:effectLst/>
         </a:effectStyle>
         <a:effectStyle>
-          <a:effectLst/>
+          <a:effectLst>
+            <a:softEdge rad="12700"/>
+          </a:effectLst>
         </a:effectStyle>
         <a:effectStyle>
           <a:effectLst>
-            <a:outerShdw blurRad="57150" dist="19050" dir="5400000" algn="ctr" rotWithShape="0">
+            <a:outerShdw blurRad="50800" dist="19050" dir="5400000" algn="tl" rotWithShape="0">
               <a:srgbClr val="000000">
-                <a:alpha val="63000"/>
+                <a:alpha val="60000"/>
               </a:srgbClr>
             </a:outerShdw>
+            <a:softEdge rad="12700"/>
           </a:effectLst>
         </a:effectStyle>
       </a:effectStyleLst>
@@ -3589,37 +6512,26 @@
         </a:solidFill>
         <a:solidFill>
           <a:schemeClr val="phClr">
-            <a:tint val="95000"/>
-            <a:satMod val="170000"/>
+            <a:shade val="97000"/>
+            <a:satMod val="150000"/>
           </a:schemeClr>
         </a:solidFill>
-        <a:gradFill rotWithShape="1">
-          <a:gsLst>
-            <a:gs pos="0">
+        <a:blipFill rotWithShape="1">
+          <a:blip xmlns:r="http://schemas.openxmlformats.org/officeDocument/2006/relationships" r:embed="rId1">
+            <a:duotone>
               <a:schemeClr val="phClr">
-                <a:tint val="93000"/>
-                <a:satMod val="150000"/>
-                <a:shade val="98000"/>
-                <a:lumMod val="102000"/>
-              </a:schemeClr>
-            </a:gs>
-            <a:gs pos="50000">
-              <a:schemeClr val="phClr">
-                <a:tint val="98000"/>
-                <a:satMod val="130000"/>
-                <a:shade val="90000"/>
-                <a:lumMod val="103000"/>
-              </a:schemeClr>
-            </a:gs>
-            <a:gs pos="100000">
-              <a:schemeClr val="phClr">
-                <a:shade val="63000"/>
+                <a:tint val="75000"/>
+                <a:shade val="58000"/>
                 <a:satMod val="120000"/>
               </a:schemeClr>
-            </a:gs>
-          </a:gsLst>
-          <a:lin ang="5400000" scaled="0"/>
-        </a:gradFill>
+              <a:schemeClr val="phClr">
+                <a:tint val="50000"/>
+                <a:shade val="96000"/>
+              </a:schemeClr>
+            </a:duotone>
+          </a:blip>
+          <a:tile tx="0" ty="0" sx="100000" sy="100000" flip="none" algn="tl"/>
+        </a:blipFill>
       </a:bgFillStyleLst>
     </a:fmtScheme>
   </a:themeElements>
@@ -3627,7 +6539,7 @@
   <a:extraClrSchemeLst/>
   <a:extLst>
     <a:ext uri="{05A4C25C-085E-4340-85A3-A5531E510DB2}">
-      <thm15:themeFamily xmlns:thm15="http://schemas.microsoft.com/office/thememl/2012/main" name="Office Theme" id="{62F939B6-93AF-4DB8-9C6B-D6C7DFDC589F}" vid="{4A3C46E8-61CC-4603-A589-7422A47A8E4A}"/>
+      <thm15:themeFamily xmlns:thm15="http://schemas.microsoft.com/office/thememl/2012/main" name="Wood Type" id="{7ACABC62-BF99-48CF-A9DC-4DB89C7B13DC}" vid="{142A1326-48AB-42A9-8428-CB14AA30176D}"/>
     </a:ext>
   </a:extLst>
 </a:theme>
